--- a/docs/flowchart.pptx
+++ b/docs/flowchart.pptx
@@ -2,21 +2,21 @@
 <file path=ppt/presentation.xml><?xml version="1.0" encoding="utf-8"?>
 <p:presentation xmlns:a="http://schemas.openxmlformats.org/drawingml/2006/main" xmlns:r="http://schemas.openxmlformats.org/officeDocument/2006/relationships" xmlns:p="http://schemas.openxmlformats.org/presentationml/2006/main" saveSubsetFonts="1">
   <p:sldMasterIdLst>
-    <p:sldMasterId id="2147483648" r:id="rId1"/>
+    <p:sldMasterId id="2147483660" r:id="rId1"/>
   </p:sldMasterIdLst>
   <p:sldIdLst>
     <p:sldId id="256" r:id="rId2"/>
   </p:sldIdLst>
-  <p:sldSz cx="12192000" cy="6858000"/>
+  <p:sldSz cx="6858000" cy="12192000"/>
   <p:notesSz cx="6858000" cy="9144000"/>
   <p:custDataLst>
     <p:tags r:id="rId3"/>
   </p:custDataLst>
   <p:defaultTextStyle>
     <a:defPPr>
-      <a:defRPr lang="de-DE"/>
+      <a:defRPr lang="en-US"/>
     </a:defPPr>
-    <a:lvl1pPr marL="0" algn="l" defTabSz="914400" rtl="0" eaLnBrk="1" latinLnBrk="0" hangingPunct="1">
+    <a:lvl1pPr marL="0" algn="l" defTabSz="457200" rtl="0" eaLnBrk="1" latinLnBrk="0" hangingPunct="1">
       <a:defRPr sz="1800" kern="1200">
         <a:solidFill>
           <a:schemeClr val="tx1"/>
@@ -26,7 +26,7 @@
         <a:cs typeface="+mn-cs"/>
       </a:defRPr>
     </a:lvl1pPr>
-    <a:lvl2pPr marL="457200" algn="l" defTabSz="914400" rtl="0" eaLnBrk="1" latinLnBrk="0" hangingPunct="1">
+    <a:lvl2pPr marL="457200" algn="l" defTabSz="457200" rtl="0" eaLnBrk="1" latinLnBrk="0" hangingPunct="1">
       <a:defRPr sz="1800" kern="1200">
         <a:solidFill>
           <a:schemeClr val="tx1"/>
@@ -36,7 +36,7 @@
         <a:cs typeface="+mn-cs"/>
       </a:defRPr>
     </a:lvl2pPr>
-    <a:lvl3pPr marL="914400" algn="l" defTabSz="914400" rtl="0" eaLnBrk="1" latinLnBrk="0" hangingPunct="1">
+    <a:lvl3pPr marL="914400" algn="l" defTabSz="457200" rtl="0" eaLnBrk="1" latinLnBrk="0" hangingPunct="1">
       <a:defRPr sz="1800" kern="1200">
         <a:solidFill>
           <a:schemeClr val="tx1"/>
@@ -46,7 +46,7 @@
         <a:cs typeface="+mn-cs"/>
       </a:defRPr>
     </a:lvl3pPr>
-    <a:lvl4pPr marL="1371600" algn="l" defTabSz="914400" rtl="0" eaLnBrk="1" latinLnBrk="0" hangingPunct="1">
+    <a:lvl4pPr marL="1371600" algn="l" defTabSz="457200" rtl="0" eaLnBrk="1" latinLnBrk="0" hangingPunct="1">
       <a:defRPr sz="1800" kern="1200">
         <a:solidFill>
           <a:schemeClr val="tx1"/>
@@ -56,7 +56,7 @@
         <a:cs typeface="+mn-cs"/>
       </a:defRPr>
     </a:lvl4pPr>
-    <a:lvl5pPr marL="1828800" algn="l" defTabSz="914400" rtl="0" eaLnBrk="1" latinLnBrk="0" hangingPunct="1">
+    <a:lvl5pPr marL="1828800" algn="l" defTabSz="457200" rtl="0" eaLnBrk="1" latinLnBrk="0" hangingPunct="1">
       <a:defRPr sz="1800" kern="1200">
         <a:solidFill>
           <a:schemeClr val="tx1"/>
@@ -66,7 +66,7 @@
         <a:cs typeface="+mn-cs"/>
       </a:defRPr>
     </a:lvl5pPr>
-    <a:lvl6pPr marL="2286000" algn="l" defTabSz="914400" rtl="0" eaLnBrk="1" latinLnBrk="0" hangingPunct="1">
+    <a:lvl6pPr marL="2286000" algn="l" defTabSz="457200" rtl="0" eaLnBrk="1" latinLnBrk="0" hangingPunct="1">
       <a:defRPr sz="1800" kern="1200">
         <a:solidFill>
           <a:schemeClr val="tx1"/>
@@ -76,7 +76,7 @@
         <a:cs typeface="+mn-cs"/>
       </a:defRPr>
     </a:lvl6pPr>
-    <a:lvl7pPr marL="2743200" algn="l" defTabSz="914400" rtl="0" eaLnBrk="1" latinLnBrk="0" hangingPunct="1">
+    <a:lvl7pPr marL="2743200" algn="l" defTabSz="457200" rtl="0" eaLnBrk="1" latinLnBrk="0" hangingPunct="1">
       <a:defRPr sz="1800" kern="1200">
         <a:solidFill>
           <a:schemeClr val="tx1"/>
@@ -86,7 +86,7 @@
         <a:cs typeface="+mn-cs"/>
       </a:defRPr>
     </a:lvl7pPr>
-    <a:lvl8pPr marL="3200400" algn="l" defTabSz="914400" rtl="0" eaLnBrk="1" latinLnBrk="0" hangingPunct="1">
+    <a:lvl8pPr marL="3200400" algn="l" defTabSz="457200" rtl="0" eaLnBrk="1" latinLnBrk="0" hangingPunct="1">
       <a:defRPr sz="1800" kern="1200">
         <a:solidFill>
           <a:schemeClr val="tx1"/>
@@ -96,7 +96,7 @@
         <a:cs typeface="+mn-cs"/>
       </a:defRPr>
     </a:lvl8pPr>
-    <a:lvl9pPr marL="3657600" algn="l" defTabSz="914400" rtl="0" eaLnBrk="1" latinLnBrk="0" hangingPunct="1">
+    <a:lvl9pPr marL="3657600" algn="l" defTabSz="457200" rtl="0" eaLnBrk="1" latinLnBrk="0" hangingPunct="1">
       <a:defRPr sz="1800" kern="1200">
         <a:solidFill>
           <a:schemeClr val="tx1"/>
@@ -107,7 +107,1027 @@
       </a:defRPr>
     </a:lvl9pPr>
   </p:defaultTextStyle>
+  <p:extLst>
+    <p:ext uri="{EFAFB233-063F-42B5-8137-9DF3F51BA10A}">
+      <p15:sldGuideLst xmlns:p15="http://schemas.microsoft.com/office/powerpoint/2012/main"/>
+    </p:ext>
+  </p:extLst>
 </p:presentation>
+</file>
+
+<file path=ppt/revisionInfo.xml><?xml version="1.0" encoding="utf-8"?>
+<p1510:revInfo xmlns:a="http://schemas.openxmlformats.org/drawingml/2006/main" xmlns:r="http://schemas.openxmlformats.org/officeDocument/2006/relationships" xmlns:p1510="http://schemas.microsoft.com/office/powerpoint/2015/10/main">
+  <p1510:revLst>
+    <p1510:client id="{88237A46-0CDE-4477-8A26-547BCE1C1E8F}" v="47" dt="2023-01-23T19:24:16.913"/>
+  </p1510:revLst>
+</p1510:revInfo>
+</file>
+
+<file path=ppt/changesInfos/changesInfo1.xml><?xml version="1.0" encoding="utf-8"?>
+<pc:chgInfo xmlns:a="http://schemas.openxmlformats.org/drawingml/2006/main" xmlns:r="http://schemas.openxmlformats.org/officeDocument/2006/relationships" xmlns:ac="http://schemas.microsoft.com/office/drawing/2013/main/command" xmlns:pc="http://schemas.microsoft.com/office/powerpoint/2013/main/command">
+  <pc:docChgLst>
+    <pc:chgData name="Andreas Weigl-Pollack" userId="976cfadb-7690-4050-b4fc-58625d8649b1" providerId="ADAL" clId="{88237A46-0CDE-4477-8A26-547BCE1C1E8F}"/>
+    <pc:docChg chg="undo custSel modSld modMainMaster replTag">
+      <pc:chgData name="Andreas Weigl-Pollack" userId="976cfadb-7690-4050-b4fc-58625d8649b1" providerId="ADAL" clId="{88237A46-0CDE-4477-8A26-547BCE1C1E8F}" dt="2023-01-23T19:24:16.912" v="422" actId="478"/>
+      <pc:docMkLst>
+        <pc:docMk/>
+      </pc:docMkLst>
+      <pc:sldChg chg="addSp delSp modSp mod">
+        <pc:chgData name="Andreas Weigl-Pollack" userId="976cfadb-7690-4050-b4fc-58625d8649b1" providerId="ADAL" clId="{88237A46-0CDE-4477-8A26-547BCE1C1E8F}" dt="2023-01-23T19:24:16.912" v="422" actId="478"/>
+        <pc:sldMkLst>
+          <pc:docMk/>
+          <pc:sldMk cId="809093960" sldId="256"/>
+        </pc:sldMkLst>
+        <pc:spChg chg="add del">
+          <ac:chgData name="Andreas Weigl-Pollack" userId="976cfadb-7690-4050-b4fc-58625d8649b1" providerId="ADAL" clId="{88237A46-0CDE-4477-8A26-547BCE1C1E8F}" dt="2023-01-23T19:08:23.901" v="1"/>
+          <ac:spMkLst>
+            <pc:docMk/>
+            <pc:sldMk cId="809093960" sldId="256"/>
+            <ac:spMk id="2" creationId="{1668C5E7-9A81-85C1-B92F-249A84528D8C}"/>
+          </ac:spMkLst>
+        </pc:spChg>
+        <pc:spChg chg="add del">
+          <ac:chgData name="Andreas Weigl-Pollack" userId="976cfadb-7690-4050-b4fc-58625d8649b1" providerId="ADAL" clId="{88237A46-0CDE-4477-8A26-547BCE1C1E8F}" dt="2023-01-23T19:08:52.254" v="5"/>
+          <ac:spMkLst>
+            <pc:docMk/>
+            <pc:sldMk cId="809093960" sldId="256"/>
+            <ac:spMk id="3" creationId="{F4366A3D-AE2F-B197-C215-61306EB35617}"/>
+          </ac:spMkLst>
+        </pc:spChg>
+        <pc:spChg chg="mod">
+          <ac:chgData name="Andreas Weigl-Pollack" userId="976cfadb-7690-4050-b4fc-58625d8649b1" providerId="ADAL" clId="{88237A46-0CDE-4477-8A26-547BCE1C1E8F}" dt="2023-01-23T19:22:16.868" v="421" actId="1076"/>
+          <ac:spMkLst>
+            <pc:docMk/>
+            <pc:sldMk cId="809093960" sldId="256"/>
+            <ac:spMk id="5" creationId="{4B62A49E-57C8-A561-8187-E8226DAF09F0}"/>
+          </ac:spMkLst>
+        </pc:spChg>
+        <pc:spChg chg="mod">
+          <ac:chgData name="Andreas Weigl-Pollack" userId="976cfadb-7690-4050-b4fc-58625d8649b1" providerId="ADAL" clId="{88237A46-0CDE-4477-8A26-547BCE1C1E8F}" dt="2023-01-23T19:18:05.896" v="405" actId="1076"/>
+          <ac:spMkLst>
+            <pc:docMk/>
+            <pc:sldMk cId="809093960" sldId="256"/>
+            <ac:spMk id="6" creationId="{2317B453-0A14-B189-1DF9-462D9D7DEB85}"/>
+          </ac:spMkLst>
+        </pc:spChg>
+        <pc:spChg chg="mod">
+          <ac:chgData name="Andreas Weigl-Pollack" userId="976cfadb-7690-4050-b4fc-58625d8649b1" providerId="ADAL" clId="{88237A46-0CDE-4477-8A26-547BCE1C1E8F}" dt="2023-01-23T19:18:05.896" v="405" actId="1076"/>
+          <ac:spMkLst>
+            <pc:docMk/>
+            <pc:sldMk cId="809093960" sldId="256"/>
+            <ac:spMk id="7" creationId="{51C65BB2-A706-980A-47C4-A528BACE5044}"/>
+          </ac:spMkLst>
+        </pc:spChg>
+        <pc:spChg chg="mod">
+          <ac:chgData name="Andreas Weigl-Pollack" userId="976cfadb-7690-4050-b4fc-58625d8649b1" providerId="ADAL" clId="{88237A46-0CDE-4477-8A26-547BCE1C1E8F}" dt="2023-01-23T19:19:16.121" v="415" actId="207"/>
+          <ac:spMkLst>
+            <pc:docMk/>
+            <pc:sldMk cId="809093960" sldId="256"/>
+            <ac:spMk id="8" creationId="{C5D0904C-02D3-9F69-4485-E4B0A8321707}"/>
+          </ac:spMkLst>
+        </pc:spChg>
+        <pc:spChg chg="mod">
+          <ac:chgData name="Andreas Weigl-Pollack" userId="976cfadb-7690-4050-b4fc-58625d8649b1" providerId="ADAL" clId="{88237A46-0CDE-4477-8A26-547BCE1C1E8F}" dt="2023-01-23T19:18:13.156" v="407" actId="14100"/>
+          <ac:spMkLst>
+            <pc:docMk/>
+            <pc:sldMk cId="809093960" sldId="256"/>
+            <ac:spMk id="9" creationId="{82CB452D-CB1D-2866-4F1D-670AE21AE0DF}"/>
+          </ac:spMkLst>
+        </pc:spChg>
+        <pc:spChg chg="add mod">
+          <ac:chgData name="Andreas Weigl-Pollack" userId="976cfadb-7690-4050-b4fc-58625d8649b1" providerId="ADAL" clId="{88237A46-0CDE-4477-8A26-547BCE1C1E8F}" dt="2023-01-23T19:18:05.896" v="405" actId="1076"/>
+          <ac:spMkLst>
+            <pc:docMk/>
+            <pc:sldMk cId="809093960" sldId="256"/>
+            <ac:spMk id="10" creationId="{39D758A6-E83F-F2B5-5ECD-852765FAF7C4}"/>
+          </ac:spMkLst>
+        </pc:spChg>
+        <pc:spChg chg="add mod">
+          <ac:chgData name="Andreas Weigl-Pollack" userId="976cfadb-7690-4050-b4fc-58625d8649b1" providerId="ADAL" clId="{88237A46-0CDE-4477-8A26-547BCE1C1E8F}" dt="2023-01-23T19:18:29.141" v="410" actId="1076"/>
+          <ac:spMkLst>
+            <pc:docMk/>
+            <pc:sldMk cId="809093960" sldId="256"/>
+            <ac:spMk id="13" creationId="{1114CF36-7D20-A2E1-5520-D336375A87A7}"/>
+          </ac:spMkLst>
+        </pc:spChg>
+        <pc:spChg chg="mod">
+          <ac:chgData name="Andreas Weigl-Pollack" userId="976cfadb-7690-4050-b4fc-58625d8649b1" providerId="ADAL" clId="{88237A46-0CDE-4477-8A26-547BCE1C1E8F}" dt="2023-01-23T19:10:21.061" v="192"/>
+          <ac:spMkLst>
+            <pc:docMk/>
+            <pc:sldMk cId="809093960" sldId="256"/>
+            <ac:spMk id="14" creationId="{21E94117-4D96-2C3F-8136-EF158B9FDA2A}"/>
+          </ac:spMkLst>
+        </pc:spChg>
+        <pc:spChg chg="add del">
+          <ac:chgData name="Andreas Weigl-Pollack" userId="976cfadb-7690-4050-b4fc-58625d8649b1" providerId="ADAL" clId="{88237A46-0CDE-4477-8A26-547BCE1C1E8F}" dt="2023-01-23T19:24:16.912" v="422" actId="478"/>
+          <ac:spMkLst>
+            <pc:docMk/>
+            <pc:sldMk cId="809093960" sldId="256"/>
+            <ac:spMk id="15" creationId="{40EC114A-CF7E-4576-A3E9-BD3AE6B4F925}"/>
+          </ac:spMkLst>
+        </pc:spChg>
+        <pc:spChg chg="mod">
+          <ac:chgData name="Andreas Weigl-Pollack" userId="976cfadb-7690-4050-b4fc-58625d8649b1" providerId="ADAL" clId="{88237A46-0CDE-4477-8A26-547BCE1C1E8F}" dt="2023-01-23T19:18:05.896" v="405" actId="1076"/>
+          <ac:spMkLst>
+            <pc:docMk/>
+            <pc:sldMk cId="809093960" sldId="256"/>
+            <ac:spMk id="17" creationId="{8D1C781D-3131-78FD-837B-B9D109696F20}"/>
+          </ac:spMkLst>
+        </pc:spChg>
+        <pc:spChg chg="add del mod">
+          <ac:chgData name="Andreas Weigl-Pollack" userId="976cfadb-7690-4050-b4fc-58625d8649b1" providerId="ADAL" clId="{88237A46-0CDE-4477-8A26-547BCE1C1E8F}" dt="2023-01-23T19:24:16.912" v="422" actId="478"/>
+          <ac:spMkLst>
+            <pc:docMk/>
+            <pc:sldMk cId="809093960" sldId="256"/>
+            <ac:spMk id="18" creationId="{E174059E-82E9-B4DC-4F6C-86D0D3504254}"/>
+          </ac:spMkLst>
+        </pc:spChg>
+        <pc:spChg chg="add del mod">
+          <ac:chgData name="Andreas Weigl-Pollack" userId="976cfadb-7690-4050-b4fc-58625d8649b1" providerId="ADAL" clId="{88237A46-0CDE-4477-8A26-547BCE1C1E8F}" dt="2023-01-23T19:24:16.912" v="422" actId="478"/>
+          <ac:spMkLst>
+            <pc:docMk/>
+            <pc:sldMk cId="809093960" sldId="256"/>
+            <ac:spMk id="19" creationId="{879716FB-32E8-0C9E-5B0D-1DEDD7BCE823}"/>
+          </ac:spMkLst>
+        </pc:spChg>
+        <pc:spChg chg="mod">
+          <ac:chgData name="Andreas Weigl-Pollack" userId="976cfadb-7690-4050-b4fc-58625d8649b1" providerId="ADAL" clId="{88237A46-0CDE-4477-8A26-547BCE1C1E8F}" dt="2023-01-23T19:18:05.896" v="405" actId="1076"/>
+          <ac:spMkLst>
+            <pc:docMk/>
+            <pc:sldMk cId="809093960" sldId="256"/>
+            <ac:spMk id="23" creationId="{C2E226B4-9FCC-98B2-0AAB-C024B171AEC2}"/>
+          </ac:spMkLst>
+        </pc:spChg>
+        <pc:spChg chg="add mod">
+          <ac:chgData name="Andreas Weigl-Pollack" userId="976cfadb-7690-4050-b4fc-58625d8649b1" providerId="ADAL" clId="{88237A46-0CDE-4477-8A26-547BCE1C1E8F}" dt="2023-01-23T19:13:59.014" v="310" actId="1076"/>
+          <ac:spMkLst>
+            <pc:docMk/>
+            <pc:sldMk cId="809093960" sldId="256"/>
+            <ac:spMk id="26" creationId="{3F2A48BD-E575-26A1-531B-A8D2D03ED6EC}"/>
+          </ac:spMkLst>
+        </pc:spChg>
+        <pc:spChg chg="add mod">
+          <ac:chgData name="Andreas Weigl-Pollack" userId="976cfadb-7690-4050-b4fc-58625d8649b1" providerId="ADAL" clId="{88237A46-0CDE-4477-8A26-547BCE1C1E8F}" dt="2023-01-23T19:16:04.617" v="374" actId="1076"/>
+          <ac:spMkLst>
+            <pc:docMk/>
+            <pc:sldMk cId="809093960" sldId="256"/>
+            <ac:spMk id="31" creationId="{83F89786-7CBF-3B5E-8583-85BE69EAA1B6}"/>
+          </ac:spMkLst>
+        </pc:spChg>
+        <pc:spChg chg="mod">
+          <ac:chgData name="Andreas Weigl-Pollack" userId="976cfadb-7690-4050-b4fc-58625d8649b1" providerId="ADAL" clId="{88237A46-0CDE-4477-8A26-547BCE1C1E8F}" dt="2023-01-23T19:18:19.418" v="408" actId="1076"/>
+          <ac:spMkLst>
+            <pc:docMk/>
+            <pc:sldMk cId="809093960" sldId="256"/>
+            <ac:spMk id="33" creationId="{A47D44AF-395B-6D9A-74E0-0CE7CD5AFDDA}"/>
+          </ac:spMkLst>
+        </pc:spChg>
+        <pc:spChg chg="mod">
+          <ac:chgData name="Andreas Weigl-Pollack" userId="976cfadb-7690-4050-b4fc-58625d8649b1" providerId="ADAL" clId="{88237A46-0CDE-4477-8A26-547BCE1C1E8F}" dt="2023-01-23T19:10:21.061" v="192"/>
+          <ac:spMkLst>
+            <pc:docMk/>
+            <pc:sldMk cId="809093960" sldId="256"/>
+            <ac:spMk id="35" creationId="{A8835018-569D-C58A-1BED-8EAA8099C655}"/>
+          </ac:spMkLst>
+        </pc:spChg>
+        <pc:spChg chg="mod">
+          <ac:chgData name="Andreas Weigl-Pollack" userId="976cfadb-7690-4050-b4fc-58625d8649b1" providerId="ADAL" clId="{88237A46-0CDE-4477-8A26-547BCE1C1E8F}" dt="2023-01-23T19:10:21.061" v="192"/>
+          <ac:spMkLst>
+            <pc:docMk/>
+            <pc:sldMk cId="809093960" sldId="256"/>
+            <ac:spMk id="36" creationId="{67699A29-C693-A672-387F-BB50CF6118DC}"/>
+          </ac:spMkLst>
+        </pc:spChg>
+        <pc:spChg chg="mod">
+          <ac:chgData name="Andreas Weigl-Pollack" userId="976cfadb-7690-4050-b4fc-58625d8649b1" providerId="ADAL" clId="{88237A46-0CDE-4477-8A26-547BCE1C1E8F}" dt="2023-01-23T19:10:21.061" v="192"/>
+          <ac:spMkLst>
+            <pc:docMk/>
+            <pc:sldMk cId="809093960" sldId="256"/>
+            <ac:spMk id="37" creationId="{05F0834D-8A35-AEBC-861A-DCD16D959AD6}"/>
+          </ac:spMkLst>
+        </pc:spChg>
+        <pc:spChg chg="mod">
+          <ac:chgData name="Andreas Weigl-Pollack" userId="976cfadb-7690-4050-b4fc-58625d8649b1" providerId="ADAL" clId="{88237A46-0CDE-4477-8A26-547BCE1C1E8F}" dt="2023-01-23T19:15:10.627" v="345" actId="1076"/>
+          <ac:spMkLst>
+            <pc:docMk/>
+            <pc:sldMk cId="809093960" sldId="256"/>
+            <ac:spMk id="38" creationId="{9798EB3E-CD20-BC3E-59F8-7488AB578BDE}"/>
+          </ac:spMkLst>
+        </pc:spChg>
+        <pc:spChg chg="mod">
+          <ac:chgData name="Andreas Weigl-Pollack" userId="976cfadb-7690-4050-b4fc-58625d8649b1" providerId="ADAL" clId="{88237A46-0CDE-4477-8A26-547BCE1C1E8F}" dt="2023-01-23T19:10:21.061" v="192"/>
+          <ac:spMkLst>
+            <pc:docMk/>
+            <pc:sldMk cId="809093960" sldId="256"/>
+            <ac:spMk id="39" creationId="{F0110C44-D4F2-8925-FCF9-0565ADD533CE}"/>
+          </ac:spMkLst>
+        </pc:spChg>
+        <pc:spChg chg="del mod">
+          <ac:chgData name="Andreas Weigl-Pollack" userId="976cfadb-7690-4050-b4fc-58625d8649b1" providerId="ADAL" clId="{88237A46-0CDE-4477-8A26-547BCE1C1E8F}" dt="2023-01-23T19:13:53.334" v="309" actId="478"/>
+          <ac:spMkLst>
+            <pc:docMk/>
+            <pc:sldMk cId="809093960" sldId="256"/>
+            <ac:spMk id="40" creationId="{8B1DEDD9-DB4D-9C79-ACD0-FFD2C5FCF8E9}"/>
+          </ac:spMkLst>
+        </pc:spChg>
+        <pc:spChg chg="mod">
+          <ac:chgData name="Andreas Weigl-Pollack" userId="976cfadb-7690-4050-b4fc-58625d8649b1" providerId="ADAL" clId="{88237A46-0CDE-4477-8A26-547BCE1C1E8F}" dt="2023-01-23T19:13:03.026" v="295" actId="20577"/>
+          <ac:spMkLst>
+            <pc:docMk/>
+            <pc:sldMk cId="809093960" sldId="256"/>
+            <ac:spMk id="46" creationId="{BED1236A-E4AE-0CB1-51D0-643C2E768123}"/>
+          </ac:spMkLst>
+        </pc:spChg>
+        <pc:spChg chg="add mod">
+          <ac:chgData name="Andreas Weigl-Pollack" userId="976cfadb-7690-4050-b4fc-58625d8649b1" providerId="ADAL" clId="{88237A46-0CDE-4477-8A26-547BCE1C1E8F}" dt="2023-01-23T19:16:01.059" v="373" actId="1076"/>
+          <ac:spMkLst>
+            <pc:docMk/>
+            <pc:sldMk cId="809093960" sldId="256"/>
+            <ac:spMk id="47" creationId="{FA146704-FFDA-372E-73E2-4030CF7C1B9A}"/>
+          </ac:spMkLst>
+        </pc:spChg>
+        <pc:spChg chg="add mod">
+          <ac:chgData name="Andreas Weigl-Pollack" userId="976cfadb-7690-4050-b4fc-58625d8649b1" providerId="ADAL" clId="{88237A46-0CDE-4477-8A26-547BCE1C1E8F}" dt="2023-01-23T19:16:34.244" v="385" actId="1076"/>
+          <ac:spMkLst>
+            <pc:docMk/>
+            <pc:sldMk cId="809093960" sldId="256"/>
+            <ac:spMk id="53" creationId="{07F6F820-5F3E-6AAB-8A2B-229EEDB0874B}"/>
+          </ac:spMkLst>
+        </pc:spChg>
+        <pc:spChg chg="add mod">
+          <ac:chgData name="Andreas Weigl-Pollack" userId="976cfadb-7690-4050-b4fc-58625d8649b1" providerId="ADAL" clId="{88237A46-0CDE-4477-8A26-547BCE1C1E8F}" dt="2023-01-23T19:16:59.412" v="390" actId="1076"/>
+          <ac:spMkLst>
+            <pc:docMk/>
+            <pc:sldMk cId="809093960" sldId="256"/>
+            <ac:spMk id="54" creationId="{81FB4363-6554-48A8-9EDD-AB4E5DD8DE26}"/>
+          </ac:spMkLst>
+        </pc:spChg>
+        <pc:spChg chg="add mod">
+          <ac:chgData name="Andreas Weigl-Pollack" userId="976cfadb-7690-4050-b4fc-58625d8649b1" providerId="ADAL" clId="{88237A46-0CDE-4477-8A26-547BCE1C1E8F}" dt="2023-01-23T19:17:19.760" v="400" actId="1076"/>
+          <ac:spMkLst>
+            <pc:docMk/>
+            <pc:sldMk cId="809093960" sldId="256"/>
+            <ac:spMk id="55" creationId="{0B83B6BC-4563-7675-7F72-C2A46BC0107E}"/>
+          </ac:spMkLst>
+        </pc:spChg>
+        <pc:spChg chg="add del mod">
+          <ac:chgData name="Andreas Weigl-Pollack" userId="976cfadb-7690-4050-b4fc-58625d8649b1" providerId="ADAL" clId="{88237A46-0CDE-4477-8A26-547BCE1C1E8F}" dt="2023-01-23T19:22:07.693" v="419" actId="478"/>
+          <ac:spMkLst>
+            <pc:docMk/>
+            <pc:sldMk cId="809093960" sldId="256"/>
+            <ac:spMk id="61" creationId="{CEACE3EA-3DFA-7F3A-9CD9-6E301DAF3785}"/>
+          </ac:spMkLst>
+        </pc:spChg>
+        <pc:spChg chg="add del mod">
+          <ac:chgData name="Andreas Weigl-Pollack" userId="976cfadb-7690-4050-b4fc-58625d8649b1" providerId="ADAL" clId="{88237A46-0CDE-4477-8A26-547BCE1C1E8F}" dt="2023-01-23T19:22:09.288" v="420" actId="478"/>
+          <ac:spMkLst>
+            <pc:docMk/>
+            <pc:sldMk cId="809093960" sldId="256"/>
+            <ac:spMk id="62" creationId="{3665E8B8-3D65-3953-927F-24F07CCFF8DF}"/>
+          </ac:spMkLst>
+        </pc:spChg>
+        <pc:graphicFrameChg chg="mod">
+          <ac:chgData name="Andreas Weigl-Pollack" userId="976cfadb-7690-4050-b4fc-58625d8649b1" providerId="ADAL" clId="{88237A46-0CDE-4477-8A26-547BCE1C1E8F}" dt="2023-01-23T19:10:36.750" v="236"/>
+          <ac:graphicFrameMkLst>
+            <pc:docMk/>
+            <pc:sldMk cId="809093960" sldId="256"/>
+            <ac:graphicFrameMk id="4" creationId="{4528561C-E173-784D-C62A-639B46C2C231}"/>
+          </ac:graphicFrameMkLst>
+        </pc:graphicFrameChg>
+        <pc:cxnChg chg="mod">
+          <ac:chgData name="Andreas Weigl-Pollack" userId="976cfadb-7690-4050-b4fc-58625d8649b1" providerId="ADAL" clId="{88237A46-0CDE-4477-8A26-547BCE1C1E8F}" dt="2023-01-23T19:22:16.868" v="421" actId="1076"/>
+          <ac:cxnSpMkLst>
+            <pc:docMk/>
+            <pc:sldMk cId="809093960" sldId="256"/>
+            <ac:cxnSpMk id="11" creationId="{B38A514D-E009-E82F-659F-84E8541B4A2C}"/>
+          </ac:cxnSpMkLst>
+        </pc:cxnChg>
+        <pc:cxnChg chg="mod">
+          <ac:chgData name="Andreas Weigl-Pollack" userId="976cfadb-7690-4050-b4fc-58625d8649b1" providerId="ADAL" clId="{88237A46-0CDE-4477-8A26-547BCE1C1E8F}" dt="2023-01-23T19:18:05.896" v="405" actId="1076"/>
+          <ac:cxnSpMkLst>
+            <pc:docMk/>
+            <pc:sldMk cId="809093960" sldId="256"/>
+            <ac:cxnSpMk id="16" creationId="{326E9DB9-B74E-F96C-B3AA-45B8357C0B86}"/>
+          </ac:cxnSpMkLst>
+        </pc:cxnChg>
+        <pc:cxnChg chg="add mod">
+          <ac:chgData name="Andreas Weigl-Pollack" userId="976cfadb-7690-4050-b4fc-58625d8649b1" providerId="ADAL" clId="{88237A46-0CDE-4477-8A26-547BCE1C1E8F}" dt="2023-01-23T19:18:32.932" v="411" actId="1076"/>
+          <ac:cxnSpMkLst>
+            <pc:docMk/>
+            <pc:sldMk cId="809093960" sldId="256"/>
+            <ac:cxnSpMk id="20" creationId="{1F36429E-AB97-38CC-40D3-85F625A828FD}"/>
+          </ac:cxnSpMkLst>
+        </pc:cxnChg>
+        <pc:cxnChg chg="add del mod">
+          <ac:chgData name="Andreas Weigl-Pollack" userId="976cfadb-7690-4050-b4fc-58625d8649b1" providerId="ADAL" clId="{88237A46-0CDE-4477-8A26-547BCE1C1E8F}" dt="2023-01-23T19:17:41.306" v="403" actId="478"/>
+          <ac:cxnSpMkLst>
+            <pc:docMk/>
+            <pc:sldMk cId="809093960" sldId="256"/>
+            <ac:cxnSpMk id="21" creationId="{5F0B1205-5945-5D45-4D7F-CD3DDF26C4DE}"/>
+          </ac:cxnSpMkLst>
+        </pc:cxnChg>
+        <pc:cxnChg chg="mod">
+          <ac:chgData name="Andreas Weigl-Pollack" userId="976cfadb-7690-4050-b4fc-58625d8649b1" providerId="ADAL" clId="{88237A46-0CDE-4477-8A26-547BCE1C1E8F}" dt="2023-01-23T19:18:05.896" v="405" actId="1076"/>
+          <ac:cxnSpMkLst>
+            <pc:docMk/>
+            <pc:sldMk cId="809093960" sldId="256"/>
+            <ac:cxnSpMk id="25" creationId="{20541E77-2F01-3374-B15A-EF037B27403F}"/>
+          </ac:cxnSpMkLst>
+        </pc:cxnChg>
+        <pc:cxnChg chg="add mod">
+          <ac:chgData name="Andreas Weigl-Pollack" userId="976cfadb-7690-4050-b4fc-58625d8649b1" providerId="ADAL" clId="{88237A46-0CDE-4477-8A26-547BCE1C1E8F}" dt="2023-01-23T19:14:07.500" v="313" actId="14100"/>
+          <ac:cxnSpMkLst>
+            <pc:docMk/>
+            <pc:sldMk cId="809093960" sldId="256"/>
+            <ac:cxnSpMk id="27" creationId="{2FB7ADE5-7FED-94F9-EFCA-88FA4ECB7415}"/>
+          </ac:cxnSpMkLst>
+        </pc:cxnChg>
+        <pc:cxnChg chg="mod">
+          <ac:chgData name="Andreas Weigl-Pollack" userId="976cfadb-7690-4050-b4fc-58625d8649b1" providerId="ADAL" clId="{88237A46-0CDE-4477-8A26-547BCE1C1E8F}" dt="2023-01-23T19:10:21.061" v="192"/>
+          <ac:cxnSpMkLst>
+            <pc:docMk/>
+            <pc:sldMk cId="809093960" sldId="256"/>
+            <ac:cxnSpMk id="29" creationId="{E7F0B650-C86A-D388-9E04-5452AB8B3A88}"/>
+          </ac:cxnSpMkLst>
+        </pc:cxnChg>
+        <pc:cxnChg chg="add mod">
+          <ac:chgData name="Andreas Weigl-Pollack" userId="976cfadb-7690-4050-b4fc-58625d8649b1" providerId="ADAL" clId="{88237A46-0CDE-4477-8A26-547BCE1C1E8F}" dt="2023-01-23T19:15:19.882" v="348" actId="14100"/>
+          <ac:cxnSpMkLst>
+            <pc:docMk/>
+            <pc:sldMk cId="809093960" sldId="256"/>
+            <ac:cxnSpMk id="32" creationId="{30FCD136-13F1-689B-42F9-1C31777E90BF}"/>
+          </ac:cxnSpMkLst>
+        </pc:cxnChg>
+        <pc:cxnChg chg="mod">
+          <ac:chgData name="Andreas Weigl-Pollack" userId="976cfadb-7690-4050-b4fc-58625d8649b1" providerId="ADAL" clId="{88237A46-0CDE-4477-8A26-547BCE1C1E8F}" dt="2023-01-23T19:18:23.827" v="409" actId="1076"/>
+          <ac:cxnSpMkLst>
+            <pc:docMk/>
+            <pc:sldMk cId="809093960" sldId="256"/>
+            <ac:cxnSpMk id="34" creationId="{3E7E6258-AE47-DFA2-80B9-DFA7B0C6DD5A}"/>
+          </ac:cxnSpMkLst>
+        </pc:cxnChg>
+        <pc:cxnChg chg="add mod">
+          <ac:chgData name="Andreas Weigl-Pollack" userId="976cfadb-7690-4050-b4fc-58625d8649b1" providerId="ADAL" clId="{88237A46-0CDE-4477-8A26-547BCE1C1E8F}" dt="2023-01-23T19:16:13.252" v="377" actId="14100"/>
+          <ac:cxnSpMkLst>
+            <pc:docMk/>
+            <pc:sldMk cId="809093960" sldId="256"/>
+            <ac:cxnSpMk id="43" creationId="{EAA2BFD5-1B00-02C6-48E1-305A8BEEE214}"/>
+          </ac:cxnSpMkLst>
+        </pc:cxnChg>
+        <pc:cxnChg chg="mod">
+          <ac:chgData name="Andreas Weigl-Pollack" userId="976cfadb-7690-4050-b4fc-58625d8649b1" providerId="ADAL" clId="{88237A46-0CDE-4477-8A26-547BCE1C1E8F}" dt="2023-01-23T19:15:10.627" v="345" actId="1076"/>
+          <ac:cxnSpMkLst>
+            <pc:docMk/>
+            <pc:sldMk cId="809093960" sldId="256"/>
+            <ac:cxnSpMk id="49" creationId="{84259F6E-58A6-93BA-9A25-55F385D1570E}"/>
+          </ac:cxnSpMkLst>
+        </pc:cxnChg>
+        <pc:cxnChg chg="del mod">
+          <ac:chgData name="Andreas Weigl-Pollack" userId="976cfadb-7690-4050-b4fc-58625d8649b1" providerId="ADAL" clId="{88237A46-0CDE-4477-8A26-547BCE1C1E8F}" dt="2023-01-23T19:17:39.389" v="402" actId="478"/>
+          <ac:cxnSpMkLst>
+            <pc:docMk/>
+            <pc:sldMk cId="809093960" sldId="256"/>
+            <ac:cxnSpMk id="51" creationId="{0F70F0D2-4120-491A-AB3E-0F59A91E315E}"/>
+          </ac:cxnSpMkLst>
+        </pc:cxnChg>
+      </pc:sldChg>
+      <pc:sldMasterChg chg="modSp modSldLayout">
+        <pc:chgData name="Andreas Weigl-Pollack" userId="976cfadb-7690-4050-b4fc-58625d8649b1" providerId="ADAL" clId="{88237A46-0CDE-4477-8A26-547BCE1C1E8F}" dt="2023-01-23T19:10:21.061" v="192"/>
+        <pc:sldMasterMkLst>
+          <pc:docMk/>
+          <pc:sldMasterMk cId="129993504" sldId="2147483648"/>
+        </pc:sldMasterMkLst>
+        <pc:spChg chg="mod">
+          <ac:chgData name="Andreas Weigl-Pollack" userId="976cfadb-7690-4050-b4fc-58625d8649b1" providerId="ADAL" clId="{88237A46-0CDE-4477-8A26-547BCE1C1E8F}" dt="2023-01-23T19:10:21.061" v="192"/>
+          <ac:spMkLst>
+            <pc:docMk/>
+            <pc:sldMasterMk cId="129993504" sldId="2147483648"/>
+            <ac:spMk id="2" creationId="{4FAE5F98-3150-2AC1-F6F7-E2A70ACED7DC}"/>
+          </ac:spMkLst>
+        </pc:spChg>
+        <pc:spChg chg="mod">
+          <ac:chgData name="Andreas Weigl-Pollack" userId="976cfadb-7690-4050-b4fc-58625d8649b1" providerId="ADAL" clId="{88237A46-0CDE-4477-8A26-547BCE1C1E8F}" dt="2023-01-23T19:10:21.061" v="192"/>
+          <ac:spMkLst>
+            <pc:docMk/>
+            <pc:sldMasterMk cId="129993504" sldId="2147483648"/>
+            <ac:spMk id="3" creationId="{5A1BC22C-72BD-E73F-3100-618A70CF9BD4}"/>
+          </ac:spMkLst>
+        </pc:spChg>
+        <pc:spChg chg="mod">
+          <ac:chgData name="Andreas Weigl-Pollack" userId="976cfadb-7690-4050-b4fc-58625d8649b1" providerId="ADAL" clId="{88237A46-0CDE-4477-8A26-547BCE1C1E8F}" dt="2023-01-23T19:10:21.061" v="192"/>
+          <ac:spMkLst>
+            <pc:docMk/>
+            <pc:sldMasterMk cId="129993504" sldId="2147483648"/>
+            <ac:spMk id="4" creationId="{46E4CF3F-E5F0-E360-1B08-A3F1A7362424}"/>
+          </ac:spMkLst>
+        </pc:spChg>
+        <pc:spChg chg="mod">
+          <ac:chgData name="Andreas Weigl-Pollack" userId="976cfadb-7690-4050-b4fc-58625d8649b1" providerId="ADAL" clId="{88237A46-0CDE-4477-8A26-547BCE1C1E8F}" dt="2023-01-23T19:10:21.061" v="192"/>
+          <ac:spMkLst>
+            <pc:docMk/>
+            <pc:sldMasterMk cId="129993504" sldId="2147483648"/>
+            <ac:spMk id="5" creationId="{F1FFA360-0E3E-1EBA-57DE-CF7D9363EF83}"/>
+          </ac:spMkLst>
+        </pc:spChg>
+        <pc:spChg chg="mod">
+          <ac:chgData name="Andreas Weigl-Pollack" userId="976cfadb-7690-4050-b4fc-58625d8649b1" providerId="ADAL" clId="{88237A46-0CDE-4477-8A26-547BCE1C1E8F}" dt="2023-01-23T19:10:21.061" v="192"/>
+          <ac:spMkLst>
+            <pc:docMk/>
+            <pc:sldMasterMk cId="129993504" sldId="2147483648"/>
+            <ac:spMk id="6" creationId="{12430CB0-6A44-3AC2-ABAC-071784526D09}"/>
+          </ac:spMkLst>
+        </pc:spChg>
+        <pc:graphicFrameChg chg="mod">
+          <ac:chgData name="Andreas Weigl-Pollack" userId="976cfadb-7690-4050-b4fc-58625d8649b1" providerId="ADAL" clId="{88237A46-0CDE-4477-8A26-547BCE1C1E8F}" dt="2023-01-23T19:10:21.061" v="192"/>
+          <ac:graphicFrameMkLst>
+            <pc:docMk/>
+            <pc:sldMasterMk cId="129993504" sldId="2147483648"/>
+            <ac:graphicFrameMk id="8" creationId="{497BFF5B-F212-8D5D-0695-D39568E97573}"/>
+          </ac:graphicFrameMkLst>
+        </pc:graphicFrameChg>
+        <pc:sldLayoutChg chg="modSp">
+          <pc:chgData name="Andreas Weigl-Pollack" userId="976cfadb-7690-4050-b4fc-58625d8649b1" providerId="ADAL" clId="{88237A46-0CDE-4477-8A26-547BCE1C1E8F}" dt="2023-01-23T19:10:21.061" v="192"/>
+          <pc:sldLayoutMkLst>
+            <pc:docMk/>
+            <pc:sldMasterMk cId="129993504" sldId="2147483648"/>
+            <pc:sldLayoutMk cId="3143792007" sldId="2147483649"/>
+          </pc:sldLayoutMkLst>
+          <pc:spChg chg="mod">
+            <ac:chgData name="Andreas Weigl-Pollack" userId="976cfadb-7690-4050-b4fc-58625d8649b1" providerId="ADAL" clId="{88237A46-0CDE-4477-8A26-547BCE1C1E8F}" dt="2023-01-23T19:10:21.061" v="192"/>
+            <ac:spMkLst>
+              <pc:docMk/>
+              <pc:sldMasterMk cId="129993504" sldId="2147483648"/>
+              <pc:sldLayoutMk cId="3143792007" sldId="2147483649"/>
+              <ac:spMk id="2" creationId="{048E2BEA-59F9-8C83-8EC9-B1EE171FCCE3}"/>
+            </ac:spMkLst>
+          </pc:spChg>
+          <pc:spChg chg="mod">
+            <ac:chgData name="Andreas Weigl-Pollack" userId="976cfadb-7690-4050-b4fc-58625d8649b1" providerId="ADAL" clId="{88237A46-0CDE-4477-8A26-547BCE1C1E8F}" dt="2023-01-23T19:10:21.061" v="192"/>
+            <ac:spMkLst>
+              <pc:docMk/>
+              <pc:sldMasterMk cId="129993504" sldId="2147483648"/>
+              <pc:sldLayoutMk cId="3143792007" sldId="2147483649"/>
+              <ac:spMk id="3" creationId="{F7799EA2-DD82-19A2-E3FF-2BE574B4A9B3}"/>
+            </ac:spMkLst>
+          </pc:spChg>
+        </pc:sldLayoutChg>
+        <pc:sldLayoutChg chg="modSp">
+          <pc:chgData name="Andreas Weigl-Pollack" userId="976cfadb-7690-4050-b4fc-58625d8649b1" providerId="ADAL" clId="{88237A46-0CDE-4477-8A26-547BCE1C1E8F}" dt="2023-01-23T19:10:21.061" v="192"/>
+          <pc:sldLayoutMkLst>
+            <pc:docMk/>
+            <pc:sldMasterMk cId="129993504" sldId="2147483648"/>
+            <pc:sldLayoutMk cId="2857427929" sldId="2147483651"/>
+          </pc:sldLayoutMkLst>
+          <pc:spChg chg="mod">
+            <ac:chgData name="Andreas Weigl-Pollack" userId="976cfadb-7690-4050-b4fc-58625d8649b1" providerId="ADAL" clId="{88237A46-0CDE-4477-8A26-547BCE1C1E8F}" dt="2023-01-23T19:10:21.061" v="192"/>
+            <ac:spMkLst>
+              <pc:docMk/>
+              <pc:sldMasterMk cId="129993504" sldId="2147483648"/>
+              <pc:sldLayoutMk cId="2857427929" sldId="2147483651"/>
+              <ac:spMk id="2" creationId="{19C9E1E9-28EB-6E3C-3926-7411E6AE0AAC}"/>
+            </ac:spMkLst>
+          </pc:spChg>
+          <pc:spChg chg="mod">
+            <ac:chgData name="Andreas Weigl-Pollack" userId="976cfadb-7690-4050-b4fc-58625d8649b1" providerId="ADAL" clId="{88237A46-0CDE-4477-8A26-547BCE1C1E8F}" dt="2023-01-23T19:10:21.061" v="192"/>
+            <ac:spMkLst>
+              <pc:docMk/>
+              <pc:sldMasterMk cId="129993504" sldId="2147483648"/>
+              <pc:sldLayoutMk cId="2857427929" sldId="2147483651"/>
+              <ac:spMk id="3" creationId="{8005DFEB-F5A0-400C-2ADE-A2BB85008D19}"/>
+            </ac:spMkLst>
+          </pc:spChg>
+        </pc:sldLayoutChg>
+        <pc:sldLayoutChg chg="modSp">
+          <pc:chgData name="Andreas Weigl-Pollack" userId="976cfadb-7690-4050-b4fc-58625d8649b1" providerId="ADAL" clId="{88237A46-0CDE-4477-8A26-547BCE1C1E8F}" dt="2023-01-23T19:10:21.061" v="192"/>
+          <pc:sldLayoutMkLst>
+            <pc:docMk/>
+            <pc:sldMasterMk cId="129993504" sldId="2147483648"/>
+            <pc:sldLayoutMk cId="1572590174" sldId="2147483652"/>
+          </pc:sldLayoutMkLst>
+          <pc:spChg chg="mod">
+            <ac:chgData name="Andreas Weigl-Pollack" userId="976cfadb-7690-4050-b4fc-58625d8649b1" providerId="ADAL" clId="{88237A46-0CDE-4477-8A26-547BCE1C1E8F}" dt="2023-01-23T19:10:21.061" v="192"/>
+            <ac:spMkLst>
+              <pc:docMk/>
+              <pc:sldMasterMk cId="129993504" sldId="2147483648"/>
+              <pc:sldLayoutMk cId="1572590174" sldId="2147483652"/>
+              <ac:spMk id="3" creationId="{89B6EE1E-FF41-C0F1-2236-467CA76A62FC}"/>
+            </ac:spMkLst>
+          </pc:spChg>
+          <pc:spChg chg="mod">
+            <ac:chgData name="Andreas Weigl-Pollack" userId="976cfadb-7690-4050-b4fc-58625d8649b1" providerId="ADAL" clId="{88237A46-0CDE-4477-8A26-547BCE1C1E8F}" dt="2023-01-23T19:10:21.061" v="192"/>
+            <ac:spMkLst>
+              <pc:docMk/>
+              <pc:sldMasterMk cId="129993504" sldId="2147483648"/>
+              <pc:sldLayoutMk cId="1572590174" sldId="2147483652"/>
+              <ac:spMk id="4" creationId="{FD5AB6C4-88F2-0667-1856-031B4E291C4B}"/>
+            </ac:spMkLst>
+          </pc:spChg>
+        </pc:sldLayoutChg>
+        <pc:sldLayoutChg chg="modSp">
+          <pc:chgData name="Andreas Weigl-Pollack" userId="976cfadb-7690-4050-b4fc-58625d8649b1" providerId="ADAL" clId="{88237A46-0CDE-4477-8A26-547BCE1C1E8F}" dt="2023-01-23T19:10:21.061" v="192"/>
+          <pc:sldLayoutMkLst>
+            <pc:docMk/>
+            <pc:sldMasterMk cId="129993504" sldId="2147483648"/>
+            <pc:sldLayoutMk cId="1770253558" sldId="2147483653"/>
+          </pc:sldLayoutMkLst>
+          <pc:spChg chg="mod">
+            <ac:chgData name="Andreas Weigl-Pollack" userId="976cfadb-7690-4050-b4fc-58625d8649b1" providerId="ADAL" clId="{88237A46-0CDE-4477-8A26-547BCE1C1E8F}" dt="2023-01-23T19:10:21.061" v="192"/>
+            <ac:spMkLst>
+              <pc:docMk/>
+              <pc:sldMasterMk cId="129993504" sldId="2147483648"/>
+              <pc:sldLayoutMk cId="1770253558" sldId="2147483653"/>
+              <ac:spMk id="2" creationId="{3FA7B51A-6B15-6205-ADEC-4AEC9325753A}"/>
+            </ac:spMkLst>
+          </pc:spChg>
+          <pc:spChg chg="mod">
+            <ac:chgData name="Andreas Weigl-Pollack" userId="976cfadb-7690-4050-b4fc-58625d8649b1" providerId="ADAL" clId="{88237A46-0CDE-4477-8A26-547BCE1C1E8F}" dt="2023-01-23T19:10:21.061" v="192"/>
+            <ac:spMkLst>
+              <pc:docMk/>
+              <pc:sldMasterMk cId="129993504" sldId="2147483648"/>
+              <pc:sldLayoutMk cId="1770253558" sldId="2147483653"/>
+              <ac:spMk id="3" creationId="{6F19C03B-95A2-1456-57DD-C691F73FA737}"/>
+            </ac:spMkLst>
+          </pc:spChg>
+          <pc:spChg chg="mod">
+            <ac:chgData name="Andreas Weigl-Pollack" userId="976cfadb-7690-4050-b4fc-58625d8649b1" providerId="ADAL" clId="{88237A46-0CDE-4477-8A26-547BCE1C1E8F}" dt="2023-01-23T19:10:21.061" v="192"/>
+            <ac:spMkLst>
+              <pc:docMk/>
+              <pc:sldMasterMk cId="129993504" sldId="2147483648"/>
+              <pc:sldLayoutMk cId="1770253558" sldId="2147483653"/>
+              <ac:spMk id="4" creationId="{9783DBFE-E616-0C7B-86BD-D5D09D29416F}"/>
+            </ac:spMkLst>
+          </pc:spChg>
+          <pc:spChg chg="mod">
+            <ac:chgData name="Andreas Weigl-Pollack" userId="976cfadb-7690-4050-b4fc-58625d8649b1" providerId="ADAL" clId="{88237A46-0CDE-4477-8A26-547BCE1C1E8F}" dt="2023-01-23T19:10:21.061" v="192"/>
+            <ac:spMkLst>
+              <pc:docMk/>
+              <pc:sldMasterMk cId="129993504" sldId="2147483648"/>
+              <pc:sldLayoutMk cId="1770253558" sldId="2147483653"/>
+              <ac:spMk id="5" creationId="{9069CD4E-3A96-1473-DBB7-90FBDBE45A6E}"/>
+            </ac:spMkLst>
+          </pc:spChg>
+          <pc:spChg chg="mod">
+            <ac:chgData name="Andreas Weigl-Pollack" userId="976cfadb-7690-4050-b4fc-58625d8649b1" providerId="ADAL" clId="{88237A46-0CDE-4477-8A26-547BCE1C1E8F}" dt="2023-01-23T19:10:21.061" v="192"/>
+            <ac:spMkLst>
+              <pc:docMk/>
+              <pc:sldMasterMk cId="129993504" sldId="2147483648"/>
+              <pc:sldLayoutMk cId="1770253558" sldId="2147483653"/>
+              <ac:spMk id="6" creationId="{919A4A12-FC02-CB2D-4060-C30457886D99}"/>
+            </ac:spMkLst>
+          </pc:spChg>
+        </pc:sldLayoutChg>
+        <pc:sldLayoutChg chg="modSp">
+          <pc:chgData name="Andreas Weigl-Pollack" userId="976cfadb-7690-4050-b4fc-58625d8649b1" providerId="ADAL" clId="{88237A46-0CDE-4477-8A26-547BCE1C1E8F}" dt="2023-01-23T19:10:21.061" v="192"/>
+          <pc:sldLayoutMkLst>
+            <pc:docMk/>
+            <pc:sldMasterMk cId="129993504" sldId="2147483648"/>
+            <pc:sldLayoutMk cId="3370893958" sldId="2147483656"/>
+          </pc:sldLayoutMkLst>
+          <pc:spChg chg="mod">
+            <ac:chgData name="Andreas Weigl-Pollack" userId="976cfadb-7690-4050-b4fc-58625d8649b1" providerId="ADAL" clId="{88237A46-0CDE-4477-8A26-547BCE1C1E8F}" dt="2023-01-23T19:10:21.061" v="192"/>
+            <ac:spMkLst>
+              <pc:docMk/>
+              <pc:sldMasterMk cId="129993504" sldId="2147483648"/>
+              <pc:sldLayoutMk cId="3370893958" sldId="2147483656"/>
+              <ac:spMk id="2" creationId="{380FCA75-2345-3407-8F50-C4AD9E025BF5}"/>
+            </ac:spMkLst>
+          </pc:spChg>
+          <pc:spChg chg="mod">
+            <ac:chgData name="Andreas Weigl-Pollack" userId="976cfadb-7690-4050-b4fc-58625d8649b1" providerId="ADAL" clId="{88237A46-0CDE-4477-8A26-547BCE1C1E8F}" dt="2023-01-23T19:10:21.061" v="192"/>
+            <ac:spMkLst>
+              <pc:docMk/>
+              <pc:sldMasterMk cId="129993504" sldId="2147483648"/>
+              <pc:sldLayoutMk cId="3370893958" sldId="2147483656"/>
+              <ac:spMk id="3" creationId="{154036B9-160A-E18D-019A-183E1474FACD}"/>
+            </ac:spMkLst>
+          </pc:spChg>
+          <pc:spChg chg="mod">
+            <ac:chgData name="Andreas Weigl-Pollack" userId="976cfadb-7690-4050-b4fc-58625d8649b1" providerId="ADAL" clId="{88237A46-0CDE-4477-8A26-547BCE1C1E8F}" dt="2023-01-23T19:10:21.061" v="192"/>
+            <ac:spMkLst>
+              <pc:docMk/>
+              <pc:sldMasterMk cId="129993504" sldId="2147483648"/>
+              <pc:sldLayoutMk cId="3370893958" sldId="2147483656"/>
+              <ac:spMk id="4" creationId="{9C2B9D90-681A-2BAC-2AE1-B539F0A3061F}"/>
+            </ac:spMkLst>
+          </pc:spChg>
+        </pc:sldLayoutChg>
+        <pc:sldLayoutChg chg="modSp">
+          <pc:chgData name="Andreas Weigl-Pollack" userId="976cfadb-7690-4050-b4fc-58625d8649b1" providerId="ADAL" clId="{88237A46-0CDE-4477-8A26-547BCE1C1E8F}" dt="2023-01-23T19:10:21.061" v="192"/>
+          <pc:sldLayoutMkLst>
+            <pc:docMk/>
+            <pc:sldMasterMk cId="129993504" sldId="2147483648"/>
+            <pc:sldLayoutMk cId="1233908104" sldId="2147483657"/>
+          </pc:sldLayoutMkLst>
+          <pc:spChg chg="mod">
+            <ac:chgData name="Andreas Weigl-Pollack" userId="976cfadb-7690-4050-b4fc-58625d8649b1" providerId="ADAL" clId="{88237A46-0CDE-4477-8A26-547BCE1C1E8F}" dt="2023-01-23T19:10:21.061" v="192"/>
+            <ac:spMkLst>
+              <pc:docMk/>
+              <pc:sldMasterMk cId="129993504" sldId="2147483648"/>
+              <pc:sldLayoutMk cId="1233908104" sldId="2147483657"/>
+              <ac:spMk id="2" creationId="{6C9C4F28-097D-9E99-F102-DB8DB9B661C2}"/>
+            </ac:spMkLst>
+          </pc:spChg>
+          <pc:spChg chg="mod">
+            <ac:chgData name="Andreas Weigl-Pollack" userId="976cfadb-7690-4050-b4fc-58625d8649b1" providerId="ADAL" clId="{88237A46-0CDE-4477-8A26-547BCE1C1E8F}" dt="2023-01-23T19:10:21.061" v="192"/>
+            <ac:spMkLst>
+              <pc:docMk/>
+              <pc:sldMasterMk cId="129993504" sldId="2147483648"/>
+              <pc:sldLayoutMk cId="1233908104" sldId="2147483657"/>
+              <ac:spMk id="3" creationId="{9A9B76B2-51DC-9C15-8D04-866E912E7F73}"/>
+            </ac:spMkLst>
+          </pc:spChg>
+          <pc:spChg chg="mod">
+            <ac:chgData name="Andreas Weigl-Pollack" userId="976cfadb-7690-4050-b4fc-58625d8649b1" providerId="ADAL" clId="{88237A46-0CDE-4477-8A26-547BCE1C1E8F}" dt="2023-01-23T19:10:21.061" v="192"/>
+            <ac:spMkLst>
+              <pc:docMk/>
+              <pc:sldMasterMk cId="129993504" sldId="2147483648"/>
+              <pc:sldLayoutMk cId="1233908104" sldId="2147483657"/>
+              <ac:spMk id="4" creationId="{D9714865-C96F-B424-4EC2-4B23E0ACE35B}"/>
+            </ac:spMkLst>
+          </pc:spChg>
+        </pc:sldLayoutChg>
+        <pc:sldLayoutChg chg="modSp">
+          <pc:chgData name="Andreas Weigl-Pollack" userId="976cfadb-7690-4050-b4fc-58625d8649b1" providerId="ADAL" clId="{88237A46-0CDE-4477-8A26-547BCE1C1E8F}" dt="2023-01-23T19:10:21.061" v="192"/>
+          <pc:sldLayoutMkLst>
+            <pc:docMk/>
+            <pc:sldMasterMk cId="129993504" sldId="2147483648"/>
+            <pc:sldLayoutMk cId="1098371915" sldId="2147483659"/>
+          </pc:sldLayoutMkLst>
+          <pc:spChg chg="mod">
+            <ac:chgData name="Andreas Weigl-Pollack" userId="976cfadb-7690-4050-b4fc-58625d8649b1" providerId="ADAL" clId="{88237A46-0CDE-4477-8A26-547BCE1C1E8F}" dt="2023-01-23T19:10:21.061" v="192"/>
+            <ac:spMkLst>
+              <pc:docMk/>
+              <pc:sldMasterMk cId="129993504" sldId="2147483648"/>
+              <pc:sldLayoutMk cId="1098371915" sldId="2147483659"/>
+              <ac:spMk id="2" creationId="{C0E356BE-FA2F-D6DD-E8B7-876ED6A5BE54}"/>
+            </ac:spMkLst>
+          </pc:spChg>
+          <pc:spChg chg="mod">
+            <ac:chgData name="Andreas Weigl-Pollack" userId="976cfadb-7690-4050-b4fc-58625d8649b1" providerId="ADAL" clId="{88237A46-0CDE-4477-8A26-547BCE1C1E8F}" dt="2023-01-23T19:10:21.061" v="192"/>
+            <ac:spMkLst>
+              <pc:docMk/>
+              <pc:sldMasterMk cId="129993504" sldId="2147483648"/>
+              <pc:sldLayoutMk cId="1098371915" sldId="2147483659"/>
+              <ac:spMk id="3" creationId="{068E0457-CD0E-6220-61F2-47B5EB0EFEEB}"/>
+            </ac:spMkLst>
+          </pc:spChg>
+        </pc:sldLayoutChg>
+      </pc:sldMasterChg>
+      <pc:sldMasterChg chg="addSp delSp modSp mod">
+        <pc:chgData name="Andreas Weigl-Pollack" userId="976cfadb-7690-4050-b4fc-58625d8649b1" providerId="ADAL" clId="{88237A46-0CDE-4477-8A26-547BCE1C1E8F}" dt="2023-01-23T19:10:36.761" v="240"/>
+        <pc:sldMasterMkLst>
+          <pc:docMk/>
+          <pc:sldMasterMk cId="1101635524" sldId="2147483660"/>
+        </pc:sldMasterMkLst>
+        <pc:spChg chg="mod">
+          <ac:chgData name="Andreas Weigl-Pollack" userId="976cfadb-7690-4050-b4fc-58625d8649b1" providerId="ADAL" clId="{88237A46-0CDE-4477-8A26-547BCE1C1E8F}" dt="2023-01-23T19:10:36.535" v="195" actId="948"/>
+          <ac:spMkLst>
+            <pc:docMk/>
+            <pc:sldMasterMk cId="1101635524" sldId="2147483660"/>
+            <ac:spMk id="2" creationId="{00000000-0000-0000-0000-000000000000}"/>
+          </ac:spMkLst>
+        </pc:spChg>
+        <pc:spChg chg="add del mod modVis">
+          <ac:chgData name="Andreas Weigl-Pollack" userId="976cfadb-7690-4050-b4fc-58625d8649b1" providerId="ADAL" clId="{88237A46-0CDE-4477-8A26-547BCE1C1E8F}" dt="2023-01-23T19:10:36.752" v="238"/>
+          <ac:spMkLst>
+            <pc:docMk/>
+            <pc:sldMasterMk cId="1101635524" sldId="2147483660"/>
+            <ac:spMk id="8" creationId="{7674CB71-091B-FA7F-3375-AD825724F637}"/>
+          </ac:spMkLst>
+        </pc:spChg>
+        <pc:graphicFrameChg chg="mod">
+          <ac:chgData name="Andreas Weigl-Pollack" userId="976cfadb-7690-4050-b4fc-58625d8649b1" providerId="ADAL" clId="{88237A46-0CDE-4477-8A26-547BCE1C1E8F}" dt="2023-01-23T19:10:36.761" v="240"/>
+          <ac:graphicFrameMkLst>
+            <pc:docMk/>
+            <pc:sldMasterMk cId="1101635524" sldId="2147483660"/>
+            <ac:graphicFrameMk id="7" creationId="{847DEA04-5B2B-27CC-752A-15D2139E79BC}"/>
+          </ac:graphicFrameMkLst>
+        </pc:graphicFrameChg>
+      </pc:sldMasterChg>
+      <pc:sldMasterChg chg="addSp delSp modSp mod modSldLayout">
+        <pc:chgData name="Andreas Weigl-Pollack" userId="976cfadb-7690-4050-b4fc-58625d8649b1" providerId="ADAL" clId="{88237A46-0CDE-4477-8A26-547BCE1C1E8F}" dt="2023-01-23T19:10:21.061" v="192"/>
+        <pc:sldMasterMkLst>
+          <pc:docMk/>
+          <pc:sldMasterMk cId="2298253511" sldId="2147483660"/>
+        </pc:sldMasterMkLst>
+        <pc:spChg chg="mod">
+          <ac:chgData name="Andreas Weigl-Pollack" userId="976cfadb-7690-4050-b4fc-58625d8649b1" providerId="ADAL" clId="{88237A46-0CDE-4477-8A26-547BCE1C1E8F}" dt="2023-01-23T19:10:21.061" v="192"/>
+          <ac:spMkLst>
+            <pc:docMk/>
+            <pc:sldMasterMk cId="2298253511" sldId="2147483660"/>
+            <ac:spMk id="2" creationId="{00000000-0000-0000-0000-000000000000}"/>
+          </ac:spMkLst>
+        </pc:spChg>
+        <pc:spChg chg="mod">
+          <ac:chgData name="Andreas Weigl-Pollack" userId="976cfadb-7690-4050-b4fc-58625d8649b1" providerId="ADAL" clId="{88237A46-0CDE-4477-8A26-547BCE1C1E8F}" dt="2023-01-23T19:10:19.903" v="144"/>
+          <ac:spMkLst>
+            <pc:docMk/>
+            <pc:sldMasterMk cId="2298253511" sldId="2147483660"/>
+            <ac:spMk id="3" creationId="{00000000-0000-0000-0000-000000000000}"/>
+          </ac:spMkLst>
+        </pc:spChg>
+        <pc:spChg chg="mod">
+          <ac:chgData name="Andreas Weigl-Pollack" userId="976cfadb-7690-4050-b4fc-58625d8649b1" providerId="ADAL" clId="{88237A46-0CDE-4477-8A26-547BCE1C1E8F}" dt="2023-01-23T19:10:19.903" v="144"/>
+          <ac:spMkLst>
+            <pc:docMk/>
+            <pc:sldMasterMk cId="2298253511" sldId="2147483660"/>
+            <ac:spMk id="4" creationId="{00000000-0000-0000-0000-000000000000}"/>
+          </ac:spMkLst>
+        </pc:spChg>
+        <pc:spChg chg="mod">
+          <ac:chgData name="Andreas Weigl-Pollack" userId="976cfadb-7690-4050-b4fc-58625d8649b1" providerId="ADAL" clId="{88237A46-0CDE-4477-8A26-547BCE1C1E8F}" dt="2023-01-23T19:10:19.903" v="144"/>
+          <ac:spMkLst>
+            <pc:docMk/>
+            <pc:sldMasterMk cId="2298253511" sldId="2147483660"/>
+            <ac:spMk id="5" creationId="{00000000-0000-0000-0000-000000000000}"/>
+          </ac:spMkLst>
+        </pc:spChg>
+        <pc:spChg chg="mod">
+          <ac:chgData name="Andreas Weigl-Pollack" userId="976cfadb-7690-4050-b4fc-58625d8649b1" providerId="ADAL" clId="{88237A46-0CDE-4477-8A26-547BCE1C1E8F}" dt="2023-01-23T19:10:19.903" v="144"/>
+          <ac:spMkLst>
+            <pc:docMk/>
+            <pc:sldMasterMk cId="2298253511" sldId="2147483660"/>
+            <ac:spMk id="6" creationId="{00000000-0000-0000-0000-000000000000}"/>
+          </ac:spMkLst>
+        </pc:spChg>
+        <pc:spChg chg="add del mod modVis">
+          <ac:chgData name="Andreas Weigl-Pollack" userId="976cfadb-7690-4050-b4fc-58625d8649b1" providerId="ADAL" clId="{88237A46-0CDE-4477-8A26-547BCE1C1E8F}" dt="2023-01-23T19:10:21.061" v="192"/>
+          <ac:spMkLst>
+            <pc:docMk/>
+            <pc:sldMasterMk cId="2298253511" sldId="2147483660"/>
+            <ac:spMk id="8" creationId="{31B873C9-7AFC-4D7D-AAAD-BE115B387BA1}"/>
+          </ac:spMkLst>
+        </pc:spChg>
+        <pc:graphicFrameChg chg="mod">
+          <ac:chgData name="Andreas Weigl-Pollack" userId="976cfadb-7690-4050-b4fc-58625d8649b1" providerId="ADAL" clId="{88237A46-0CDE-4477-8A26-547BCE1C1E8F}" dt="2023-01-23T19:10:21.061" v="192"/>
+          <ac:graphicFrameMkLst>
+            <pc:docMk/>
+            <pc:sldMasterMk cId="2298253511" sldId="2147483660"/>
+            <ac:graphicFrameMk id="7" creationId="{A3E987ED-8BF4-5952-278F-22A1F39E8AC2}"/>
+          </ac:graphicFrameMkLst>
+        </pc:graphicFrameChg>
+        <pc:sldLayoutChg chg="modSp">
+          <pc:chgData name="Andreas Weigl-Pollack" userId="976cfadb-7690-4050-b4fc-58625d8649b1" providerId="ADAL" clId="{88237A46-0CDE-4477-8A26-547BCE1C1E8F}" dt="2023-01-23T19:10:19.903" v="144"/>
+          <pc:sldLayoutMkLst>
+            <pc:docMk/>
+            <pc:sldMasterMk cId="2298253511" sldId="2147483660"/>
+            <pc:sldLayoutMk cId="2440945464" sldId="2147483661"/>
+          </pc:sldLayoutMkLst>
+          <pc:spChg chg="mod">
+            <ac:chgData name="Andreas Weigl-Pollack" userId="976cfadb-7690-4050-b4fc-58625d8649b1" providerId="ADAL" clId="{88237A46-0CDE-4477-8A26-547BCE1C1E8F}" dt="2023-01-23T19:10:19.903" v="144"/>
+            <ac:spMkLst>
+              <pc:docMk/>
+              <pc:sldMasterMk cId="2298253511" sldId="2147483660"/>
+              <pc:sldLayoutMk cId="2440945464" sldId="2147483661"/>
+              <ac:spMk id="2" creationId="{00000000-0000-0000-0000-000000000000}"/>
+            </ac:spMkLst>
+          </pc:spChg>
+          <pc:spChg chg="mod">
+            <ac:chgData name="Andreas Weigl-Pollack" userId="976cfadb-7690-4050-b4fc-58625d8649b1" providerId="ADAL" clId="{88237A46-0CDE-4477-8A26-547BCE1C1E8F}" dt="2023-01-23T19:10:19.903" v="144"/>
+            <ac:spMkLst>
+              <pc:docMk/>
+              <pc:sldMasterMk cId="2298253511" sldId="2147483660"/>
+              <pc:sldLayoutMk cId="2440945464" sldId="2147483661"/>
+              <ac:spMk id="3" creationId="{00000000-0000-0000-0000-000000000000}"/>
+            </ac:spMkLst>
+          </pc:spChg>
+        </pc:sldLayoutChg>
+        <pc:sldLayoutChg chg="modSp">
+          <pc:chgData name="Andreas Weigl-Pollack" userId="976cfadb-7690-4050-b4fc-58625d8649b1" providerId="ADAL" clId="{88237A46-0CDE-4477-8A26-547BCE1C1E8F}" dt="2023-01-23T19:10:19.903" v="144"/>
+          <pc:sldLayoutMkLst>
+            <pc:docMk/>
+            <pc:sldMasterMk cId="2298253511" sldId="2147483660"/>
+            <pc:sldLayoutMk cId="2040069607" sldId="2147483663"/>
+          </pc:sldLayoutMkLst>
+          <pc:spChg chg="mod">
+            <ac:chgData name="Andreas Weigl-Pollack" userId="976cfadb-7690-4050-b4fc-58625d8649b1" providerId="ADAL" clId="{88237A46-0CDE-4477-8A26-547BCE1C1E8F}" dt="2023-01-23T19:10:19.903" v="144"/>
+            <ac:spMkLst>
+              <pc:docMk/>
+              <pc:sldMasterMk cId="2298253511" sldId="2147483660"/>
+              <pc:sldLayoutMk cId="2040069607" sldId="2147483663"/>
+              <ac:spMk id="2" creationId="{00000000-0000-0000-0000-000000000000}"/>
+            </ac:spMkLst>
+          </pc:spChg>
+          <pc:spChg chg="mod">
+            <ac:chgData name="Andreas Weigl-Pollack" userId="976cfadb-7690-4050-b4fc-58625d8649b1" providerId="ADAL" clId="{88237A46-0CDE-4477-8A26-547BCE1C1E8F}" dt="2023-01-23T19:10:19.903" v="144"/>
+            <ac:spMkLst>
+              <pc:docMk/>
+              <pc:sldMasterMk cId="2298253511" sldId="2147483660"/>
+              <pc:sldLayoutMk cId="2040069607" sldId="2147483663"/>
+              <ac:spMk id="3" creationId="{00000000-0000-0000-0000-000000000000}"/>
+            </ac:spMkLst>
+          </pc:spChg>
+        </pc:sldLayoutChg>
+        <pc:sldLayoutChg chg="modSp">
+          <pc:chgData name="Andreas Weigl-Pollack" userId="976cfadb-7690-4050-b4fc-58625d8649b1" providerId="ADAL" clId="{88237A46-0CDE-4477-8A26-547BCE1C1E8F}" dt="2023-01-23T19:10:19.903" v="144"/>
+          <pc:sldLayoutMkLst>
+            <pc:docMk/>
+            <pc:sldMasterMk cId="2298253511" sldId="2147483660"/>
+            <pc:sldLayoutMk cId="2920673176" sldId="2147483664"/>
+          </pc:sldLayoutMkLst>
+          <pc:spChg chg="mod">
+            <ac:chgData name="Andreas Weigl-Pollack" userId="976cfadb-7690-4050-b4fc-58625d8649b1" providerId="ADAL" clId="{88237A46-0CDE-4477-8A26-547BCE1C1E8F}" dt="2023-01-23T19:10:19.903" v="144"/>
+            <ac:spMkLst>
+              <pc:docMk/>
+              <pc:sldMasterMk cId="2298253511" sldId="2147483660"/>
+              <pc:sldLayoutMk cId="2920673176" sldId="2147483664"/>
+              <ac:spMk id="3" creationId="{00000000-0000-0000-0000-000000000000}"/>
+            </ac:spMkLst>
+          </pc:spChg>
+          <pc:spChg chg="mod">
+            <ac:chgData name="Andreas Weigl-Pollack" userId="976cfadb-7690-4050-b4fc-58625d8649b1" providerId="ADAL" clId="{88237A46-0CDE-4477-8A26-547BCE1C1E8F}" dt="2023-01-23T19:10:19.903" v="144"/>
+            <ac:spMkLst>
+              <pc:docMk/>
+              <pc:sldMasterMk cId="2298253511" sldId="2147483660"/>
+              <pc:sldLayoutMk cId="2920673176" sldId="2147483664"/>
+              <ac:spMk id="4" creationId="{00000000-0000-0000-0000-000000000000}"/>
+            </ac:spMkLst>
+          </pc:spChg>
+        </pc:sldLayoutChg>
+        <pc:sldLayoutChg chg="modSp">
+          <pc:chgData name="Andreas Weigl-Pollack" userId="976cfadb-7690-4050-b4fc-58625d8649b1" providerId="ADAL" clId="{88237A46-0CDE-4477-8A26-547BCE1C1E8F}" dt="2023-01-23T19:10:19.903" v="144"/>
+          <pc:sldLayoutMkLst>
+            <pc:docMk/>
+            <pc:sldMasterMk cId="2298253511" sldId="2147483660"/>
+            <pc:sldLayoutMk cId="2073652799" sldId="2147483665"/>
+          </pc:sldLayoutMkLst>
+          <pc:spChg chg="mod">
+            <ac:chgData name="Andreas Weigl-Pollack" userId="976cfadb-7690-4050-b4fc-58625d8649b1" providerId="ADAL" clId="{88237A46-0CDE-4477-8A26-547BCE1C1E8F}" dt="2023-01-23T19:10:19.903" v="144"/>
+            <ac:spMkLst>
+              <pc:docMk/>
+              <pc:sldMasterMk cId="2298253511" sldId="2147483660"/>
+              <pc:sldLayoutMk cId="2073652799" sldId="2147483665"/>
+              <ac:spMk id="2" creationId="{00000000-0000-0000-0000-000000000000}"/>
+            </ac:spMkLst>
+          </pc:spChg>
+          <pc:spChg chg="mod">
+            <ac:chgData name="Andreas Weigl-Pollack" userId="976cfadb-7690-4050-b4fc-58625d8649b1" providerId="ADAL" clId="{88237A46-0CDE-4477-8A26-547BCE1C1E8F}" dt="2023-01-23T19:10:19.903" v="144"/>
+            <ac:spMkLst>
+              <pc:docMk/>
+              <pc:sldMasterMk cId="2298253511" sldId="2147483660"/>
+              <pc:sldLayoutMk cId="2073652799" sldId="2147483665"/>
+              <ac:spMk id="3" creationId="{00000000-0000-0000-0000-000000000000}"/>
+            </ac:spMkLst>
+          </pc:spChg>
+          <pc:spChg chg="mod">
+            <ac:chgData name="Andreas Weigl-Pollack" userId="976cfadb-7690-4050-b4fc-58625d8649b1" providerId="ADAL" clId="{88237A46-0CDE-4477-8A26-547BCE1C1E8F}" dt="2023-01-23T19:10:19.903" v="144"/>
+            <ac:spMkLst>
+              <pc:docMk/>
+              <pc:sldMasterMk cId="2298253511" sldId="2147483660"/>
+              <pc:sldLayoutMk cId="2073652799" sldId="2147483665"/>
+              <ac:spMk id="4" creationId="{00000000-0000-0000-0000-000000000000}"/>
+            </ac:spMkLst>
+          </pc:spChg>
+          <pc:spChg chg="mod">
+            <ac:chgData name="Andreas Weigl-Pollack" userId="976cfadb-7690-4050-b4fc-58625d8649b1" providerId="ADAL" clId="{88237A46-0CDE-4477-8A26-547BCE1C1E8F}" dt="2023-01-23T19:10:19.903" v="144"/>
+            <ac:spMkLst>
+              <pc:docMk/>
+              <pc:sldMasterMk cId="2298253511" sldId="2147483660"/>
+              <pc:sldLayoutMk cId="2073652799" sldId="2147483665"/>
+              <ac:spMk id="5" creationId="{00000000-0000-0000-0000-000000000000}"/>
+            </ac:spMkLst>
+          </pc:spChg>
+          <pc:spChg chg="mod">
+            <ac:chgData name="Andreas Weigl-Pollack" userId="976cfadb-7690-4050-b4fc-58625d8649b1" providerId="ADAL" clId="{88237A46-0CDE-4477-8A26-547BCE1C1E8F}" dt="2023-01-23T19:10:19.903" v="144"/>
+            <ac:spMkLst>
+              <pc:docMk/>
+              <pc:sldMasterMk cId="2298253511" sldId="2147483660"/>
+              <pc:sldLayoutMk cId="2073652799" sldId="2147483665"/>
+              <ac:spMk id="6" creationId="{00000000-0000-0000-0000-000000000000}"/>
+            </ac:spMkLst>
+          </pc:spChg>
+        </pc:sldLayoutChg>
+        <pc:sldLayoutChg chg="modSp">
+          <pc:chgData name="Andreas Weigl-Pollack" userId="976cfadb-7690-4050-b4fc-58625d8649b1" providerId="ADAL" clId="{88237A46-0CDE-4477-8A26-547BCE1C1E8F}" dt="2023-01-23T19:10:19.903" v="144"/>
+          <pc:sldLayoutMkLst>
+            <pc:docMk/>
+            <pc:sldMasterMk cId="2298253511" sldId="2147483660"/>
+            <pc:sldLayoutMk cId="2618604027" sldId="2147483668"/>
+          </pc:sldLayoutMkLst>
+          <pc:spChg chg="mod">
+            <ac:chgData name="Andreas Weigl-Pollack" userId="976cfadb-7690-4050-b4fc-58625d8649b1" providerId="ADAL" clId="{88237A46-0CDE-4477-8A26-547BCE1C1E8F}" dt="2023-01-23T19:10:19.903" v="144"/>
+            <ac:spMkLst>
+              <pc:docMk/>
+              <pc:sldMasterMk cId="2298253511" sldId="2147483660"/>
+              <pc:sldLayoutMk cId="2618604027" sldId="2147483668"/>
+              <ac:spMk id="2" creationId="{00000000-0000-0000-0000-000000000000}"/>
+            </ac:spMkLst>
+          </pc:spChg>
+          <pc:spChg chg="mod">
+            <ac:chgData name="Andreas Weigl-Pollack" userId="976cfadb-7690-4050-b4fc-58625d8649b1" providerId="ADAL" clId="{88237A46-0CDE-4477-8A26-547BCE1C1E8F}" dt="2023-01-23T19:10:19.903" v="144"/>
+            <ac:spMkLst>
+              <pc:docMk/>
+              <pc:sldMasterMk cId="2298253511" sldId="2147483660"/>
+              <pc:sldLayoutMk cId="2618604027" sldId="2147483668"/>
+              <ac:spMk id="3" creationId="{00000000-0000-0000-0000-000000000000}"/>
+            </ac:spMkLst>
+          </pc:spChg>
+          <pc:spChg chg="mod">
+            <ac:chgData name="Andreas Weigl-Pollack" userId="976cfadb-7690-4050-b4fc-58625d8649b1" providerId="ADAL" clId="{88237A46-0CDE-4477-8A26-547BCE1C1E8F}" dt="2023-01-23T19:10:19.903" v="144"/>
+            <ac:spMkLst>
+              <pc:docMk/>
+              <pc:sldMasterMk cId="2298253511" sldId="2147483660"/>
+              <pc:sldLayoutMk cId="2618604027" sldId="2147483668"/>
+              <ac:spMk id="4" creationId="{00000000-0000-0000-0000-000000000000}"/>
+            </ac:spMkLst>
+          </pc:spChg>
+        </pc:sldLayoutChg>
+        <pc:sldLayoutChg chg="modSp">
+          <pc:chgData name="Andreas Weigl-Pollack" userId="976cfadb-7690-4050-b4fc-58625d8649b1" providerId="ADAL" clId="{88237A46-0CDE-4477-8A26-547BCE1C1E8F}" dt="2023-01-23T19:10:19.903" v="144"/>
+          <pc:sldLayoutMkLst>
+            <pc:docMk/>
+            <pc:sldMasterMk cId="2298253511" sldId="2147483660"/>
+            <pc:sldLayoutMk cId="974366513" sldId="2147483669"/>
+          </pc:sldLayoutMkLst>
+          <pc:spChg chg="mod">
+            <ac:chgData name="Andreas Weigl-Pollack" userId="976cfadb-7690-4050-b4fc-58625d8649b1" providerId="ADAL" clId="{88237A46-0CDE-4477-8A26-547BCE1C1E8F}" dt="2023-01-23T19:10:19.903" v="144"/>
+            <ac:spMkLst>
+              <pc:docMk/>
+              <pc:sldMasterMk cId="2298253511" sldId="2147483660"/>
+              <pc:sldLayoutMk cId="974366513" sldId="2147483669"/>
+              <ac:spMk id="2" creationId="{00000000-0000-0000-0000-000000000000}"/>
+            </ac:spMkLst>
+          </pc:spChg>
+          <pc:spChg chg="mod">
+            <ac:chgData name="Andreas Weigl-Pollack" userId="976cfadb-7690-4050-b4fc-58625d8649b1" providerId="ADAL" clId="{88237A46-0CDE-4477-8A26-547BCE1C1E8F}" dt="2023-01-23T19:10:19.903" v="144"/>
+            <ac:spMkLst>
+              <pc:docMk/>
+              <pc:sldMasterMk cId="2298253511" sldId="2147483660"/>
+              <pc:sldLayoutMk cId="974366513" sldId="2147483669"/>
+              <ac:spMk id="3" creationId="{00000000-0000-0000-0000-000000000000}"/>
+            </ac:spMkLst>
+          </pc:spChg>
+          <pc:spChg chg="mod">
+            <ac:chgData name="Andreas Weigl-Pollack" userId="976cfadb-7690-4050-b4fc-58625d8649b1" providerId="ADAL" clId="{88237A46-0CDE-4477-8A26-547BCE1C1E8F}" dt="2023-01-23T19:10:19.903" v="144"/>
+            <ac:spMkLst>
+              <pc:docMk/>
+              <pc:sldMasterMk cId="2298253511" sldId="2147483660"/>
+              <pc:sldLayoutMk cId="974366513" sldId="2147483669"/>
+              <ac:spMk id="4" creationId="{00000000-0000-0000-0000-000000000000}"/>
+            </ac:spMkLst>
+          </pc:spChg>
+        </pc:sldLayoutChg>
+        <pc:sldLayoutChg chg="modSp">
+          <pc:chgData name="Andreas Weigl-Pollack" userId="976cfadb-7690-4050-b4fc-58625d8649b1" providerId="ADAL" clId="{88237A46-0CDE-4477-8A26-547BCE1C1E8F}" dt="2023-01-23T19:10:19.903" v="144"/>
+          <pc:sldLayoutMkLst>
+            <pc:docMk/>
+            <pc:sldMasterMk cId="2298253511" sldId="2147483660"/>
+            <pc:sldLayoutMk cId="1720225299" sldId="2147483671"/>
+          </pc:sldLayoutMkLst>
+          <pc:spChg chg="mod">
+            <ac:chgData name="Andreas Weigl-Pollack" userId="976cfadb-7690-4050-b4fc-58625d8649b1" providerId="ADAL" clId="{88237A46-0CDE-4477-8A26-547BCE1C1E8F}" dt="2023-01-23T19:10:19.903" v="144"/>
+            <ac:spMkLst>
+              <pc:docMk/>
+              <pc:sldMasterMk cId="2298253511" sldId="2147483660"/>
+              <pc:sldLayoutMk cId="1720225299" sldId="2147483671"/>
+              <ac:spMk id="2" creationId="{00000000-0000-0000-0000-000000000000}"/>
+            </ac:spMkLst>
+          </pc:spChg>
+          <pc:spChg chg="mod">
+            <ac:chgData name="Andreas Weigl-Pollack" userId="976cfadb-7690-4050-b4fc-58625d8649b1" providerId="ADAL" clId="{88237A46-0CDE-4477-8A26-547BCE1C1E8F}" dt="2023-01-23T19:10:19.903" v="144"/>
+            <ac:spMkLst>
+              <pc:docMk/>
+              <pc:sldMasterMk cId="2298253511" sldId="2147483660"/>
+              <pc:sldLayoutMk cId="1720225299" sldId="2147483671"/>
+              <ac:spMk id="3" creationId="{00000000-0000-0000-0000-000000000000}"/>
+            </ac:spMkLst>
+          </pc:spChg>
+        </pc:sldLayoutChg>
+      </pc:sldMasterChg>
+      <pc:sldMasterChg chg="addSp delSp modSp mod">
+        <pc:chgData name="Andreas Weigl-Pollack" userId="976cfadb-7690-4050-b4fc-58625d8649b1" providerId="ADAL" clId="{88237A46-0CDE-4477-8A26-547BCE1C1E8F}" dt="2023-01-23T19:10:19.903" v="144"/>
+        <pc:sldMasterMkLst>
+          <pc:docMk/>
+          <pc:sldMasterMk cId="2833624336" sldId="2147483672"/>
+        </pc:sldMasterMkLst>
+        <pc:spChg chg="mod">
+          <ac:chgData name="Andreas Weigl-Pollack" userId="976cfadb-7690-4050-b4fc-58625d8649b1" providerId="ADAL" clId="{88237A46-0CDE-4477-8A26-547BCE1C1E8F}" dt="2023-01-23T19:10:19.903" v="144"/>
+          <ac:spMkLst>
+            <pc:docMk/>
+            <pc:sldMasterMk cId="2833624336" sldId="2147483672"/>
+            <ac:spMk id="2" creationId="{00000000-0000-0000-0000-000000000000}"/>
+          </ac:spMkLst>
+        </pc:spChg>
+        <pc:spChg chg="add del mod modVis">
+          <ac:chgData name="Andreas Weigl-Pollack" userId="976cfadb-7690-4050-b4fc-58625d8649b1" providerId="ADAL" clId="{88237A46-0CDE-4477-8A26-547BCE1C1E8F}" dt="2023-01-23T19:10:19.903" v="144"/>
+          <ac:spMkLst>
+            <pc:docMk/>
+            <pc:sldMasterMk cId="2833624336" sldId="2147483672"/>
+            <ac:spMk id="8" creationId="{79B5C34B-2F17-6C0D-D257-AAB26058FA56}"/>
+          </ac:spMkLst>
+        </pc:spChg>
+        <pc:graphicFrameChg chg="mod">
+          <ac:chgData name="Andreas Weigl-Pollack" userId="976cfadb-7690-4050-b4fc-58625d8649b1" providerId="ADAL" clId="{88237A46-0CDE-4477-8A26-547BCE1C1E8F}" dt="2023-01-23T19:10:19.903" v="144"/>
+          <ac:graphicFrameMkLst>
+            <pc:docMk/>
+            <pc:sldMasterMk cId="2833624336" sldId="2147483672"/>
+            <ac:graphicFrameMk id="7" creationId="{2FA286E2-DC64-1C8D-C48B-BAD215381F89}"/>
+          </ac:graphicFrameMkLst>
+        </pc:graphicFrameChg>
+      </pc:sldMasterChg>
+    </pc:docChg>
+  </pc:docChgLst>
+</pc:chgInfo>
 </file>
 
 <file path=ppt/slideLayouts/slideLayout1.xml><?xml version="1.0" encoding="utf-8"?>
@@ -129,13 +1149,7 @@
       </p:grpSpPr>
       <p:sp>
         <p:nvSpPr>
-          <p:cNvPr id="2" name="Title 1">
-            <a:extLst>
-              <a:ext uri="{FF2B5EF4-FFF2-40B4-BE49-F238E27FC236}">
-                <a16:creationId xmlns:a16="http://schemas.microsoft.com/office/drawing/2014/main" id="{048E2BEA-59F9-8C83-8EC9-B1EE171FCCE3}"/>
-              </a:ext>
-            </a:extLst>
-          </p:cNvPr>
+          <p:cNvPr id="2" name="Title 1"/>
           <p:cNvSpPr>
             <a:spLocks noGrp="1"/>
           </p:cNvSpPr>
@@ -145,15 +1159,15 @@
         </p:nvSpPr>
         <p:spPr>
           <a:xfrm>
-            <a:off x="1524000" y="1122363"/>
-            <a:ext cx="9144000" cy="2387600"/>
+            <a:off x="514350" y="1995312"/>
+            <a:ext cx="5829300" cy="4244622"/>
           </a:xfrm>
         </p:spPr>
         <p:txBody>
           <a:bodyPr anchor="b"/>
           <a:lstStyle>
             <a:lvl1pPr algn="ctr">
-              <a:defRPr sz="6000"/>
+              <a:defRPr sz="4500"/>
             </a:lvl1pPr>
           </a:lstStyle>
           <a:p>
@@ -161,19 +1175,13 @@
               <a:rPr lang="en-US"/>
               <a:t>Click to edit Master title style</a:t>
             </a:r>
-            <a:endParaRPr lang="de-DE"/>
-          </a:p>
-        </p:txBody>
-      </p:sp>
-      <p:sp>
-        <p:nvSpPr>
-          <p:cNvPr id="3" name="Subtitle 2">
-            <a:extLst>
-              <a:ext uri="{FF2B5EF4-FFF2-40B4-BE49-F238E27FC236}">
-                <a16:creationId xmlns:a16="http://schemas.microsoft.com/office/drawing/2014/main" id="{F7799EA2-DD82-19A2-E3FF-2BE574B4A9B3}"/>
-              </a:ext>
-            </a:extLst>
-          </p:cNvPr>
+            <a:endParaRPr lang="en-US" dirty="0"/>
+          </a:p>
+        </p:txBody>
+      </p:sp>
+      <p:sp>
+        <p:nvSpPr>
+          <p:cNvPr id="3" name="Subtitle 2"/>
           <p:cNvSpPr>
             <a:spLocks noGrp="1"/>
           </p:cNvSpPr>
@@ -183,8 +1191,8 @@
         </p:nvSpPr>
         <p:spPr>
           <a:xfrm>
-            <a:off x="1524000" y="3602038"/>
-            <a:ext cx="9144000" cy="1655762"/>
+            <a:off x="857250" y="6403623"/>
+            <a:ext cx="5143500" cy="2943577"/>
           </a:xfrm>
         </p:spPr>
         <p:txBody>
@@ -192,39 +1200,39 @@
           <a:lstStyle>
             <a:lvl1pPr marL="0" indent="0" algn="ctr">
               <a:buNone/>
-              <a:defRPr sz="2400"/>
+              <a:defRPr sz="1800"/>
             </a:lvl1pPr>
-            <a:lvl2pPr marL="457200" indent="0" algn="ctr">
-              <a:buNone/>
-              <a:defRPr sz="2000"/>
+            <a:lvl2pPr marL="342900" indent="0" algn="ctr">
+              <a:buNone/>
+              <a:defRPr sz="1500"/>
             </a:lvl2pPr>
-            <a:lvl3pPr marL="914400" indent="0" algn="ctr">
-              <a:buNone/>
-              <a:defRPr sz="1800"/>
+            <a:lvl3pPr marL="685800" indent="0" algn="ctr">
+              <a:buNone/>
+              <a:defRPr sz="1350"/>
             </a:lvl3pPr>
-            <a:lvl4pPr marL="1371600" indent="0" algn="ctr">
-              <a:buNone/>
-              <a:defRPr sz="1600"/>
+            <a:lvl4pPr marL="1028700" indent="0" algn="ctr">
+              <a:buNone/>
+              <a:defRPr sz="1200"/>
             </a:lvl4pPr>
-            <a:lvl5pPr marL="1828800" indent="0" algn="ctr">
-              <a:buNone/>
-              <a:defRPr sz="1600"/>
+            <a:lvl5pPr marL="1371600" indent="0" algn="ctr">
+              <a:buNone/>
+              <a:defRPr sz="1200"/>
             </a:lvl5pPr>
-            <a:lvl6pPr marL="2286000" indent="0" algn="ctr">
-              <a:buNone/>
-              <a:defRPr sz="1600"/>
+            <a:lvl6pPr marL="1714500" indent="0" algn="ctr">
+              <a:buNone/>
+              <a:defRPr sz="1200"/>
             </a:lvl6pPr>
-            <a:lvl7pPr marL="2743200" indent="0" algn="ctr">
-              <a:buNone/>
-              <a:defRPr sz="1600"/>
+            <a:lvl7pPr marL="2057400" indent="0" algn="ctr">
+              <a:buNone/>
+              <a:defRPr sz="1200"/>
             </a:lvl7pPr>
-            <a:lvl8pPr marL="3200400" indent="0" algn="ctr">
-              <a:buNone/>
-              <a:defRPr sz="1600"/>
+            <a:lvl8pPr marL="2400300" indent="0" algn="ctr">
+              <a:buNone/>
+              <a:defRPr sz="1200"/>
             </a:lvl8pPr>
-            <a:lvl9pPr marL="3657600" indent="0" algn="ctr">
-              <a:buNone/>
-              <a:defRPr sz="1600"/>
+            <a:lvl9pPr marL="2743200" indent="0" algn="ctr">
+              <a:buNone/>
+              <a:defRPr sz="1200"/>
             </a:lvl9pPr>
           </a:lstStyle>
           <a:p>
@@ -232,19 +1240,13 @@
               <a:rPr lang="en-US"/>
               <a:t>Click to edit Master subtitle style</a:t>
             </a:r>
-            <a:endParaRPr lang="de-DE"/>
-          </a:p>
-        </p:txBody>
-      </p:sp>
-      <p:sp>
-        <p:nvSpPr>
-          <p:cNvPr id="4" name="Date Placeholder 3">
-            <a:extLst>
-              <a:ext uri="{FF2B5EF4-FFF2-40B4-BE49-F238E27FC236}">
-                <a16:creationId xmlns:a16="http://schemas.microsoft.com/office/drawing/2014/main" id="{861CA4D6-1FCC-CEB2-4D1B-222AC2D9DC3F}"/>
-              </a:ext>
-            </a:extLst>
-          </p:cNvPr>
+            <a:endParaRPr lang="en-US" dirty="0"/>
+          </a:p>
+        </p:txBody>
+      </p:sp>
+      <p:sp>
+        <p:nvSpPr>
+          <p:cNvPr id="4" name="Date Placeholder 3"/>
           <p:cNvSpPr>
             <a:spLocks noGrp="1"/>
           </p:cNvSpPr>
@@ -259,7 +1261,7 @@
           <a:p>
             <a:fld id="{7EE7D3BB-03F0-482C-9432-368A42D3C827}" type="datetimeFigureOut">
               <a:rPr lang="de-DE" smtClean="0"/>
-              <a:t>14.01.2023</a:t>
+              <a:t>23.01.2023</a:t>
             </a:fld>
             <a:endParaRPr lang="de-DE"/>
           </a:p>
@@ -267,13 +1269,7 @@
       </p:sp>
       <p:sp>
         <p:nvSpPr>
-          <p:cNvPr id="5" name="Footer Placeholder 4">
-            <a:extLst>
-              <a:ext uri="{FF2B5EF4-FFF2-40B4-BE49-F238E27FC236}">
-                <a16:creationId xmlns:a16="http://schemas.microsoft.com/office/drawing/2014/main" id="{DA0E6AB5-0EF6-28A9-33D1-1AF8062FBC37}"/>
-              </a:ext>
-            </a:extLst>
-          </p:cNvPr>
+          <p:cNvPr id="5" name="Footer Placeholder 4"/>
           <p:cNvSpPr>
             <a:spLocks noGrp="1"/>
           </p:cNvSpPr>
@@ -292,13 +1288,7 @@
       </p:sp>
       <p:sp>
         <p:nvSpPr>
-          <p:cNvPr id="6" name="Slide Number Placeholder 5">
-            <a:extLst>
-              <a:ext uri="{FF2B5EF4-FFF2-40B4-BE49-F238E27FC236}">
-                <a16:creationId xmlns:a16="http://schemas.microsoft.com/office/drawing/2014/main" id="{270CA7D2-0D5A-8469-CA7B-8B7CC2CDEB4C}"/>
-              </a:ext>
-            </a:extLst>
-          </p:cNvPr>
+          <p:cNvPr id="6" name="Slide Number Placeholder 5"/>
           <p:cNvSpPr>
             <a:spLocks noGrp="1"/>
           </p:cNvSpPr>
@@ -322,7 +1312,7 @@
     </p:spTree>
     <p:extLst>
       <p:ext uri="{BB962C8B-B14F-4D97-AF65-F5344CB8AC3E}">
-        <p14:creationId xmlns:p14="http://schemas.microsoft.com/office/powerpoint/2010/main" val="3143792007"/>
+        <p14:creationId xmlns:p14="http://schemas.microsoft.com/office/powerpoint/2010/main" val="1471852811"/>
       </p:ext>
     </p:extLst>
   </p:cSld>
@@ -351,13 +1341,7 @@
       </p:grpSpPr>
       <p:sp>
         <p:nvSpPr>
-          <p:cNvPr id="2" name="Title 1">
-            <a:extLst>
-              <a:ext uri="{FF2B5EF4-FFF2-40B4-BE49-F238E27FC236}">
-                <a16:creationId xmlns:a16="http://schemas.microsoft.com/office/drawing/2014/main" id="{3697585C-ABE4-68A8-C50C-C9D36E5D88E0}"/>
-              </a:ext>
-            </a:extLst>
-          </p:cNvPr>
+          <p:cNvPr id="2" name="Title 1"/>
           <p:cNvSpPr>
             <a:spLocks noGrp="1"/>
           </p:cNvSpPr>
@@ -374,19 +1358,13 @@
               <a:rPr lang="en-US"/>
               <a:t>Click to edit Master title style</a:t>
             </a:r>
-            <a:endParaRPr lang="de-DE"/>
-          </a:p>
-        </p:txBody>
-      </p:sp>
-      <p:sp>
-        <p:nvSpPr>
-          <p:cNvPr id="3" name="Vertical Text Placeholder 2">
-            <a:extLst>
-              <a:ext uri="{FF2B5EF4-FFF2-40B4-BE49-F238E27FC236}">
-                <a16:creationId xmlns:a16="http://schemas.microsoft.com/office/drawing/2014/main" id="{34C1324D-B1D0-1404-60FD-CACE41197E28}"/>
-              </a:ext>
-            </a:extLst>
-          </p:cNvPr>
+            <a:endParaRPr lang="en-US" dirty="0"/>
+          </a:p>
+        </p:txBody>
+      </p:sp>
+      <p:sp>
+        <p:nvSpPr>
+          <p:cNvPr id="3" name="Vertical Text Placeholder 2"/>
           <p:cNvSpPr>
             <a:spLocks noGrp="1"/>
           </p:cNvSpPr>
@@ -432,19 +1410,13 @@
               <a:rPr lang="en-US"/>
               <a:t>Fifth level</a:t>
             </a:r>
-            <a:endParaRPr lang="de-DE"/>
-          </a:p>
-        </p:txBody>
-      </p:sp>
-      <p:sp>
-        <p:nvSpPr>
-          <p:cNvPr id="4" name="Date Placeholder 3">
-            <a:extLst>
-              <a:ext uri="{FF2B5EF4-FFF2-40B4-BE49-F238E27FC236}">
-                <a16:creationId xmlns:a16="http://schemas.microsoft.com/office/drawing/2014/main" id="{219ACE29-0884-0CE3-1ED6-535FAF6D106A}"/>
-              </a:ext>
-            </a:extLst>
-          </p:cNvPr>
+            <a:endParaRPr lang="en-US" dirty="0"/>
+          </a:p>
+        </p:txBody>
+      </p:sp>
+      <p:sp>
+        <p:nvSpPr>
+          <p:cNvPr id="4" name="Date Placeholder 3"/>
           <p:cNvSpPr>
             <a:spLocks noGrp="1"/>
           </p:cNvSpPr>
@@ -459,7 +1431,7 @@
           <a:p>
             <a:fld id="{7EE7D3BB-03F0-482C-9432-368A42D3C827}" type="datetimeFigureOut">
               <a:rPr lang="de-DE" smtClean="0"/>
-              <a:t>14.01.2023</a:t>
+              <a:t>23.01.2023</a:t>
             </a:fld>
             <a:endParaRPr lang="de-DE"/>
           </a:p>
@@ -467,13 +1439,7 @@
       </p:sp>
       <p:sp>
         <p:nvSpPr>
-          <p:cNvPr id="5" name="Footer Placeholder 4">
-            <a:extLst>
-              <a:ext uri="{FF2B5EF4-FFF2-40B4-BE49-F238E27FC236}">
-                <a16:creationId xmlns:a16="http://schemas.microsoft.com/office/drawing/2014/main" id="{2E046811-B16A-3266-B9CF-B1A82D8B975F}"/>
-              </a:ext>
-            </a:extLst>
-          </p:cNvPr>
+          <p:cNvPr id="5" name="Footer Placeholder 4"/>
           <p:cNvSpPr>
             <a:spLocks noGrp="1"/>
           </p:cNvSpPr>
@@ -492,13 +1458,7 @@
       </p:sp>
       <p:sp>
         <p:nvSpPr>
-          <p:cNvPr id="6" name="Slide Number Placeholder 5">
-            <a:extLst>
-              <a:ext uri="{FF2B5EF4-FFF2-40B4-BE49-F238E27FC236}">
-                <a16:creationId xmlns:a16="http://schemas.microsoft.com/office/drawing/2014/main" id="{6CA74EE2-DF25-9900-573D-94199E004FA6}"/>
-              </a:ext>
-            </a:extLst>
-          </p:cNvPr>
+          <p:cNvPr id="6" name="Slide Number Placeholder 5"/>
           <p:cNvSpPr>
             <a:spLocks noGrp="1"/>
           </p:cNvSpPr>
@@ -522,7 +1482,7 @@
     </p:spTree>
     <p:extLst>
       <p:ext uri="{BB962C8B-B14F-4D97-AF65-F5344CB8AC3E}">
-        <p14:creationId xmlns:p14="http://schemas.microsoft.com/office/powerpoint/2010/main" val="2775622101"/>
+        <p14:creationId xmlns:p14="http://schemas.microsoft.com/office/powerpoint/2010/main" val="960255662"/>
       </p:ext>
     </p:extLst>
   </p:cSld>
@@ -551,13 +1511,7 @@
       </p:grpSpPr>
       <p:sp>
         <p:nvSpPr>
-          <p:cNvPr id="2" name="Vertical Title 1">
-            <a:extLst>
-              <a:ext uri="{FF2B5EF4-FFF2-40B4-BE49-F238E27FC236}">
-                <a16:creationId xmlns:a16="http://schemas.microsoft.com/office/drawing/2014/main" id="{C0E356BE-FA2F-D6DD-E8B7-876ED6A5BE54}"/>
-              </a:ext>
-            </a:extLst>
-          </p:cNvPr>
+          <p:cNvPr id="2" name="Vertical Title 1"/>
           <p:cNvSpPr>
             <a:spLocks noGrp="1"/>
           </p:cNvSpPr>
@@ -567,8 +1521,8 @@
         </p:nvSpPr>
         <p:spPr>
           <a:xfrm>
-            <a:off x="8724900" y="365125"/>
-            <a:ext cx="2628900" cy="5811838"/>
+            <a:off x="4907757" y="649111"/>
+            <a:ext cx="1478756" cy="10332156"/>
           </a:xfrm>
         </p:spPr>
         <p:txBody>
@@ -579,19 +1533,13 @@
               <a:rPr lang="en-US"/>
               <a:t>Click to edit Master title style</a:t>
             </a:r>
-            <a:endParaRPr lang="de-DE"/>
-          </a:p>
-        </p:txBody>
-      </p:sp>
-      <p:sp>
-        <p:nvSpPr>
-          <p:cNvPr id="3" name="Vertical Text Placeholder 2">
-            <a:extLst>
-              <a:ext uri="{FF2B5EF4-FFF2-40B4-BE49-F238E27FC236}">
-                <a16:creationId xmlns:a16="http://schemas.microsoft.com/office/drawing/2014/main" id="{068E0457-CD0E-6220-61F2-47B5EB0EFEEB}"/>
-              </a:ext>
-            </a:extLst>
-          </p:cNvPr>
+            <a:endParaRPr lang="en-US" dirty="0"/>
+          </a:p>
+        </p:txBody>
+      </p:sp>
+      <p:sp>
+        <p:nvSpPr>
+          <p:cNvPr id="3" name="Vertical Text Placeholder 2"/>
           <p:cNvSpPr>
             <a:spLocks noGrp="1"/>
           </p:cNvSpPr>
@@ -601,8 +1549,8 @@
         </p:nvSpPr>
         <p:spPr>
           <a:xfrm>
-            <a:off x="838200" y="365125"/>
-            <a:ext cx="7734300" cy="5811838"/>
+            <a:off x="471488" y="649111"/>
+            <a:ext cx="4350544" cy="10332156"/>
           </a:xfrm>
         </p:spPr>
         <p:txBody>
@@ -642,19 +1590,13 @@
               <a:rPr lang="en-US"/>
               <a:t>Fifth level</a:t>
             </a:r>
-            <a:endParaRPr lang="de-DE"/>
-          </a:p>
-        </p:txBody>
-      </p:sp>
-      <p:sp>
-        <p:nvSpPr>
-          <p:cNvPr id="4" name="Date Placeholder 3">
-            <a:extLst>
-              <a:ext uri="{FF2B5EF4-FFF2-40B4-BE49-F238E27FC236}">
-                <a16:creationId xmlns:a16="http://schemas.microsoft.com/office/drawing/2014/main" id="{2ADE7946-0DAC-7DDC-3064-548FC0016B2D}"/>
-              </a:ext>
-            </a:extLst>
-          </p:cNvPr>
+            <a:endParaRPr lang="en-US" dirty="0"/>
+          </a:p>
+        </p:txBody>
+      </p:sp>
+      <p:sp>
+        <p:nvSpPr>
+          <p:cNvPr id="4" name="Date Placeholder 3"/>
           <p:cNvSpPr>
             <a:spLocks noGrp="1"/>
           </p:cNvSpPr>
@@ -669,7 +1611,7 @@
           <a:p>
             <a:fld id="{7EE7D3BB-03F0-482C-9432-368A42D3C827}" type="datetimeFigureOut">
               <a:rPr lang="de-DE" smtClean="0"/>
-              <a:t>14.01.2023</a:t>
+              <a:t>23.01.2023</a:t>
             </a:fld>
             <a:endParaRPr lang="de-DE"/>
           </a:p>
@@ -677,13 +1619,7 @@
       </p:sp>
       <p:sp>
         <p:nvSpPr>
-          <p:cNvPr id="5" name="Footer Placeholder 4">
-            <a:extLst>
-              <a:ext uri="{FF2B5EF4-FFF2-40B4-BE49-F238E27FC236}">
-                <a16:creationId xmlns:a16="http://schemas.microsoft.com/office/drawing/2014/main" id="{D3CCA73C-AC8D-1E65-404D-C0F38EDBFE0B}"/>
-              </a:ext>
-            </a:extLst>
-          </p:cNvPr>
+          <p:cNvPr id="5" name="Footer Placeholder 4"/>
           <p:cNvSpPr>
             <a:spLocks noGrp="1"/>
           </p:cNvSpPr>
@@ -702,13 +1638,7 @@
       </p:sp>
       <p:sp>
         <p:nvSpPr>
-          <p:cNvPr id="6" name="Slide Number Placeholder 5">
-            <a:extLst>
-              <a:ext uri="{FF2B5EF4-FFF2-40B4-BE49-F238E27FC236}">
-                <a16:creationId xmlns:a16="http://schemas.microsoft.com/office/drawing/2014/main" id="{D3BF6F5B-0F4E-5AE8-8DE6-9BD73982CED7}"/>
-              </a:ext>
-            </a:extLst>
-          </p:cNvPr>
+          <p:cNvPr id="6" name="Slide Number Placeholder 5"/>
           <p:cNvSpPr>
             <a:spLocks noGrp="1"/>
           </p:cNvSpPr>
@@ -732,7 +1662,7 @@
     </p:spTree>
     <p:extLst>
       <p:ext uri="{BB962C8B-B14F-4D97-AF65-F5344CB8AC3E}">
-        <p14:creationId xmlns:p14="http://schemas.microsoft.com/office/powerpoint/2010/main" val="1098371915"/>
+        <p14:creationId xmlns:p14="http://schemas.microsoft.com/office/powerpoint/2010/main" val="1597346498"/>
       </p:ext>
     </p:extLst>
   </p:cSld>
@@ -761,13 +1691,7 @@
       </p:grpSpPr>
       <p:sp>
         <p:nvSpPr>
-          <p:cNvPr id="2" name="Title 1">
-            <a:extLst>
-              <a:ext uri="{FF2B5EF4-FFF2-40B4-BE49-F238E27FC236}">
-                <a16:creationId xmlns:a16="http://schemas.microsoft.com/office/drawing/2014/main" id="{1860B481-7941-6FF0-1106-FB1D238850AF}"/>
-              </a:ext>
-            </a:extLst>
-          </p:cNvPr>
+          <p:cNvPr id="2" name="Title 1"/>
           <p:cNvSpPr>
             <a:spLocks noGrp="1"/>
           </p:cNvSpPr>
@@ -784,19 +1708,13 @@
               <a:rPr lang="en-US"/>
               <a:t>Click to edit Master title style</a:t>
             </a:r>
-            <a:endParaRPr lang="de-DE"/>
-          </a:p>
-        </p:txBody>
-      </p:sp>
-      <p:sp>
-        <p:nvSpPr>
-          <p:cNvPr id="3" name="Content Placeholder 2">
-            <a:extLst>
-              <a:ext uri="{FF2B5EF4-FFF2-40B4-BE49-F238E27FC236}">
-                <a16:creationId xmlns:a16="http://schemas.microsoft.com/office/drawing/2014/main" id="{93E9A56C-566C-3113-ABA3-8CA9647D8EFA}"/>
-              </a:ext>
-            </a:extLst>
-          </p:cNvPr>
+            <a:endParaRPr lang="en-US" dirty="0"/>
+          </a:p>
+        </p:txBody>
+      </p:sp>
+      <p:sp>
+        <p:nvSpPr>
+          <p:cNvPr id="3" name="Content Placeholder 2"/>
           <p:cNvSpPr>
             <a:spLocks noGrp="1"/>
           </p:cNvSpPr>
@@ -842,19 +1760,13 @@
               <a:rPr lang="en-US"/>
               <a:t>Fifth level</a:t>
             </a:r>
-            <a:endParaRPr lang="de-DE"/>
-          </a:p>
-        </p:txBody>
-      </p:sp>
-      <p:sp>
-        <p:nvSpPr>
-          <p:cNvPr id="4" name="Date Placeholder 3">
-            <a:extLst>
-              <a:ext uri="{FF2B5EF4-FFF2-40B4-BE49-F238E27FC236}">
-                <a16:creationId xmlns:a16="http://schemas.microsoft.com/office/drawing/2014/main" id="{8B4112A5-FFC1-E4E6-C7CD-3234BE45C4E5}"/>
-              </a:ext>
-            </a:extLst>
-          </p:cNvPr>
+            <a:endParaRPr lang="en-US" dirty="0"/>
+          </a:p>
+        </p:txBody>
+      </p:sp>
+      <p:sp>
+        <p:nvSpPr>
+          <p:cNvPr id="4" name="Date Placeholder 3"/>
           <p:cNvSpPr>
             <a:spLocks noGrp="1"/>
           </p:cNvSpPr>
@@ -869,7 +1781,7 @@
           <a:p>
             <a:fld id="{7EE7D3BB-03F0-482C-9432-368A42D3C827}" type="datetimeFigureOut">
               <a:rPr lang="de-DE" smtClean="0"/>
-              <a:t>14.01.2023</a:t>
+              <a:t>23.01.2023</a:t>
             </a:fld>
             <a:endParaRPr lang="de-DE"/>
           </a:p>
@@ -877,13 +1789,7 @@
       </p:sp>
       <p:sp>
         <p:nvSpPr>
-          <p:cNvPr id="5" name="Footer Placeholder 4">
-            <a:extLst>
-              <a:ext uri="{FF2B5EF4-FFF2-40B4-BE49-F238E27FC236}">
-                <a16:creationId xmlns:a16="http://schemas.microsoft.com/office/drawing/2014/main" id="{F5930383-35EF-A432-AE73-62EE648A69CE}"/>
-              </a:ext>
-            </a:extLst>
-          </p:cNvPr>
+          <p:cNvPr id="5" name="Footer Placeholder 4"/>
           <p:cNvSpPr>
             <a:spLocks noGrp="1"/>
           </p:cNvSpPr>
@@ -902,13 +1808,7 @@
       </p:sp>
       <p:sp>
         <p:nvSpPr>
-          <p:cNvPr id="6" name="Slide Number Placeholder 5">
-            <a:extLst>
-              <a:ext uri="{FF2B5EF4-FFF2-40B4-BE49-F238E27FC236}">
-                <a16:creationId xmlns:a16="http://schemas.microsoft.com/office/drawing/2014/main" id="{CFEC2392-91A1-6C22-9C63-F95C552392CE}"/>
-              </a:ext>
-            </a:extLst>
-          </p:cNvPr>
+          <p:cNvPr id="6" name="Slide Number Placeholder 5"/>
           <p:cNvSpPr>
             <a:spLocks noGrp="1"/>
           </p:cNvSpPr>
@@ -932,7 +1832,7 @@
     </p:spTree>
     <p:extLst>
       <p:ext uri="{BB962C8B-B14F-4D97-AF65-F5344CB8AC3E}">
-        <p14:creationId xmlns:p14="http://schemas.microsoft.com/office/powerpoint/2010/main" val="3709888186"/>
+        <p14:creationId xmlns:p14="http://schemas.microsoft.com/office/powerpoint/2010/main" val="1021024014"/>
       </p:ext>
     </p:extLst>
   </p:cSld>
@@ -961,13 +1861,7 @@
       </p:grpSpPr>
       <p:sp>
         <p:nvSpPr>
-          <p:cNvPr id="2" name="Title 1">
-            <a:extLst>
-              <a:ext uri="{FF2B5EF4-FFF2-40B4-BE49-F238E27FC236}">
-                <a16:creationId xmlns:a16="http://schemas.microsoft.com/office/drawing/2014/main" id="{19C9E1E9-28EB-6E3C-3926-7411E6AE0AAC}"/>
-              </a:ext>
-            </a:extLst>
-          </p:cNvPr>
+          <p:cNvPr id="2" name="Title 1"/>
           <p:cNvSpPr>
             <a:spLocks noGrp="1"/>
           </p:cNvSpPr>
@@ -977,15 +1871,15 @@
         </p:nvSpPr>
         <p:spPr>
           <a:xfrm>
-            <a:off x="831850" y="1709738"/>
-            <a:ext cx="10515600" cy="2852737"/>
+            <a:off x="467916" y="3039537"/>
+            <a:ext cx="5915025" cy="5071532"/>
           </a:xfrm>
         </p:spPr>
         <p:txBody>
           <a:bodyPr anchor="b"/>
           <a:lstStyle>
             <a:lvl1pPr>
-              <a:defRPr sz="6000"/>
+              <a:defRPr sz="4500"/>
             </a:lvl1pPr>
           </a:lstStyle>
           <a:p>
@@ -993,19 +1887,13 @@
               <a:rPr lang="en-US"/>
               <a:t>Click to edit Master title style</a:t>
             </a:r>
-            <a:endParaRPr lang="de-DE"/>
-          </a:p>
-        </p:txBody>
-      </p:sp>
-      <p:sp>
-        <p:nvSpPr>
-          <p:cNvPr id="3" name="Text Placeholder 2">
-            <a:extLst>
-              <a:ext uri="{FF2B5EF4-FFF2-40B4-BE49-F238E27FC236}">
-                <a16:creationId xmlns:a16="http://schemas.microsoft.com/office/drawing/2014/main" id="{8005DFEB-F5A0-400C-2ADE-A2BB85008D19}"/>
-              </a:ext>
-            </a:extLst>
-          </p:cNvPr>
+            <a:endParaRPr lang="en-US" dirty="0"/>
+          </a:p>
+        </p:txBody>
+      </p:sp>
+      <p:sp>
+        <p:nvSpPr>
+          <p:cNvPr id="3" name="Text Placeholder 2"/>
           <p:cNvSpPr>
             <a:spLocks noGrp="1"/>
           </p:cNvSpPr>
@@ -1015,8 +1903,8 @@
         </p:nvSpPr>
         <p:spPr>
           <a:xfrm>
-            <a:off x="831850" y="4589463"/>
-            <a:ext cx="10515600" cy="1500187"/>
+            <a:off x="467916" y="8159048"/>
+            <a:ext cx="5915025" cy="2666999"/>
           </a:xfrm>
         </p:spPr>
         <p:txBody>
@@ -1024,17 +1912,15 @@
           <a:lstStyle>
             <a:lvl1pPr marL="0" indent="0">
               <a:buNone/>
-              <a:defRPr sz="2400">
+              <a:defRPr sz="1800">
                 <a:solidFill>
-                  <a:schemeClr val="tx1">
-                    <a:tint val="75000"/>
-                  </a:schemeClr>
+                  <a:schemeClr val="tx1"/>
                 </a:solidFill>
               </a:defRPr>
             </a:lvl1pPr>
-            <a:lvl2pPr marL="457200" indent="0">
-              <a:buNone/>
-              <a:defRPr sz="2000">
+            <a:lvl2pPr marL="342900" indent="0">
+              <a:buNone/>
+              <a:defRPr sz="1500">
                 <a:solidFill>
                   <a:schemeClr val="tx1">
                     <a:tint val="75000"/>
@@ -1042,9 +1928,9 @@
                 </a:solidFill>
               </a:defRPr>
             </a:lvl2pPr>
-            <a:lvl3pPr marL="914400" indent="0">
-              <a:buNone/>
-              <a:defRPr sz="1800">
+            <a:lvl3pPr marL="685800" indent="0">
+              <a:buNone/>
+              <a:defRPr sz="1350">
                 <a:solidFill>
                   <a:schemeClr val="tx1">
                     <a:tint val="75000"/>
@@ -1052,9 +1938,9 @@
                 </a:solidFill>
               </a:defRPr>
             </a:lvl3pPr>
-            <a:lvl4pPr marL="1371600" indent="0">
-              <a:buNone/>
-              <a:defRPr sz="1600">
+            <a:lvl4pPr marL="1028700" indent="0">
+              <a:buNone/>
+              <a:defRPr sz="1200">
                 <a:solidFill>
                   <a:schemeClr val="tx1">
                     <a:tint val="75000"/>
@@ -1062,9 +1948,9 @@
                 </a:solidFill>
               </a:defRPr>
             </a:lvl4pPr>
-            <a:lvl5pPr marL="1828800" indent="0">
-              <a:buNone/>
-              <a:defRPr sz="1600">
+            <a:lvl5pPr marL="1371600" indent="0">
+              <a:buNone/>
+              <a:defRPr sz="1200">
                 <a:solidFill>
                   <a:schemeClr val="tx1">
                     <a:tint val="75000"/>
@@ -1072,9 +1958,9 @@
                 </a:solidFill>
               </a:defRPr>
             </a:lvl5pPr>
-            <a:lvl6pPr marL="2286000" indent="0">
-              <a:buNone/>
-              <a:defRPr sz="1600">
+            <a:lvl6pPr marL="1714500" indent="0">
+              <a:buNone/>
+              <a:defRPr sz="1200">
                 <a:solidFill>
                   <a:schemeClr val="tx1">
                     <a:tint val="75000"/>
@@ -1082,9 +1968,9 @@
                 </a:solidFill>
               </a:defRPr>
             </a:lvl6pPr>
-            <a:lvl7pPr marL="2743200" indent="0">
-              <a:buNone/>
-              <a:defRPr sz="1600">
+            <a:lvl7pPr marL="2057400" indent="0">
+              <a:buNone/>
+              <a:defRPr sz="1200">
                 <a:solidFill>
                   <a:schemeClr val="tx1">
                     <a:tint val="75000"/>
@@ -1092,9 +1978,9 @@
                 </a:solidFill>
               </a:defRPr>
             </a:lvl7pPr>
-            <a:lvl8pPr marL="3200400" indent="0">
-              <a:buNone/>
-              <a:defRPr sz="1600">
+            <a:lvl8pPr marL="2400300" indent="0">
+              <a:buNone/>
+              <a:defRPr sz="1200">
                 <a:solidFill>
                   <a:schemeClr val="tx1">
                     <a:tint val="75000"/>
@@ -1102,9 +1988,9 @@
                 </a:solidFill>
               </a:defRPr>
             </a:lvl8pPr>
-            <a:lvl9pPr marL="3657600" indent="0">
-              <a:buNone/>
-              <a:defRPr sz="1600">
+            <a:lvl9pPr marL="2743200" indent="0">
+              <a:buNone/>
+              <a:defRPr sz="1200">
                 <a:solidFill>
                   <a:schemeClr val="tx1">
                     <a:tint val="75000"/>
@@ -1124,13 +2010,7 @@
       </p:sp>
       <p:sp>
         <p:nvSpPr>
-          <p:cNvPr id="4" name="Date Placeholder 3">
-            <a:extLst>
-              <a:ext uri="{FF2B5EF4-FFF2-40B4-BE49-F238E27FC236}">
-                <a16:creationId xmlns:a16="http://schemas.microsoft.com/office/drawing/2014/main" id="{E5068FF4-277C-2ADB-E844-11D4AECC2B21}"/>
-              </a:ext>
-            </a:extLst>
-          </p:cNvPr>
+          <p:cNvPr id="4" name="Date Placeholder 3"/>
           <p:cNvSpPr>
             <a:spLocks noGrp="1"/>
           </p:cNvSpPr>
@@ -1145,7 +2025,7 @@
           <a:p>
             <a:fld id="{7EE7D3BB-03F0-482C-9432-368A42D3C827}" type="datetimeFigureOut">
               <a:rPr lang="de-DE" smtClean="0"/>
-              <a:t>14.01.2023</a:t>
+              <a:t>23.01.2023</a:t>
             </a:fld>
             <a:endParaRPr lang="de-DE"/>
           </a:p>
@@ -1153,13 +2033,7 @@
       </p:sp>
       <p:sp>
         <p:nvSpPr>
-          <p:cNvPr id="5" name="Footer Placeholder 4">
-            <a:extLst>
-              <a:ext uri="{FF2B5EF4-FFF2-40B4-BE49-F238E27FC236}">
-                <a16:creationId xmlns:a16="http://schemas.microsoft.com/office/drawing/2014/main" id="{8B3C6175-1A2D-D668-291C-345692D6217A}"/>
-              </a:ext>
-            </a:extLst>
-          </p:cNvPr>
+          <p:cNvPr id="5" name="Footer Placeholder 4"/>
           <p:cNvSpPr>
             <a:spLocks noGrp="1"/>
           </p:cNvSpPr>
@@ -1178,13 +2052,7 @@
       </p:sp>
       <p:sp>
         <p:nvSpPr>
-          <p:cNvPr id="6" name="Slide Number Placeholder 5">
-            <a:extLst>
-              <a:ext uri="{FF2B5EF4-FFF2-40B4-BE49-F238E27FC236}">
-                <a16:creationId xmlns:a16="http://schemas.microsoft.com/office/drawing/2014/main" id="{E99E106E-93CF-4C4D-4DB1-B5D7948307EB}"/>
-              </a:ext>
-            </a:extLst>
-          </p:cNvPr>
+          <p:cNvPr id="6" name="Slide Number Placeholder 5"/>
           <p:cNvSpPr>
             <a:spLocks noGrp="1"/>
           </p:cNvSpPr>
@@ -1208,7 +2076,7 @@
     </p:spTree>
     <p:extLst>
       <p:ext uri="{BB962C8B-B14F-4D97-AF65-F5344CB8AC3E}">
-        <p14:creationId xmlns:p14="http://schemas.microsoft.com/office/powerpoint/2010/main" val="2857427929"/>
+        <p14:creationId xmlns:p14="http://schemas.microsoft.com/office/powerpoint/2010/main" val="4216250491"/>
       </p:ext>
     </p:extLst>
   </p:cSld>
@@ -1237,13 +2105,7 @@
       </p:grpSpPr>
       <p:sp>
         <p:nvSpPr>
-          <p:cNvPr id="2" name="Title 1">
-            <a:extLst>
-              <a:ext uri="{FF2B5EF4-FFF2-40B4-BE49-F238E27FC236}">
-                <a16:creationId xmlns:a16="http://schemas.microsoft.com/office/drawing/2014/main" id="{D636F9FA-CE92-6341-4B53-D7197DE080AC}"/>
-              </a:ext>
-            </a:extLst>
-          </p:cNvPr>
+          <p:cNvPr id="2" name="Title 1"/>
           <p:cNvSpPr>
             <a:spLocks noGrp="1"/>
           </p:cNvSpPr>
@@ -1260,19 +2122,13 @@
               <a:rPr lang="en-US"/>
               <a:t>Click to edit Master title style</a:t>
             </a:r>
-            <a:endParaRPr lang="de-DE"/>
-          </a:p>
-        </p:txBody>
-      </p:sp>
-      <p:sp>
-        <p:nvSpPr>
-          <p:cNvPr id="3" name="Content Placeholder 2">
-            <a:extLst>
-              <a:ext uri="{FF2B5EF4-FFF2-40B4-BE49-F238E27FC236}">
-                <a16:creationId xmlns:a16="http://schemas.microsoft.com/office/drawing/2014/main" id="{89B6EE1E-FF41-C0F1-2236-467CA76A62FC}"/>
-              </a:ext>
-            </a:extLst>
-          </p:cNvPr>
+            <a:endParaRPr lang="en-US" dirty="0"/>
+          </a:p>
+        </p:txBody>
+      </p:sp>
+      <p:sp>
+        <p:nvSpPr>
+          <p:cNvPr id="3" name="Content Placeholder 2"/>
           <p:cNvSpPr>
             <a:spLocks noGrp="1"/>
           </p:cNvSpPr>
@@ -1282,8 +2138,8 @@
         </p:nvSpPr>
         <p:spPr>
           <a:xfrm>
-            <a:off x="838200" y="1825625"/>
-            <a:ext cx="5181600" cy="4351338"/>
+            <a:off x="471488" y="3245556"/>
+            <a:ext cx="2914650" cy="7735712"/>
           </a:xfrm>
         </p:spPr>
         <p:txBody>
@@ -1323,19 +2179,13 @@
               <a:rPr lang="en-US"/>
               <a:t>Fifth level</a:t>
             </a:r>
-            <a:endParaRPr lang="de-DE"/>
-          </a:p>
-        </p:txBody>
-      </p:sp>
-      <p:sp>
-        <p:nvSpPr>
-          <p:cNvPr id="4" name="Content Placeholder 3">
-            <a:extLst>
-              <a:ext uri="{FF2B5EF4-FFF2-40B4-BE49-F238E27FC236}">
-                <a16:creationId xmlns:a16="http://schemas.microsoft.com/office/drawing/2014/main" id="{FD5AB6C4-88F2-0667-1856-031B4E291C4B}"/>
-              </a:ext>
-            </a:extLst>
-          </p:cNvPr>
+            <a:endParaRPr lang="en-US" dirty="0"/>
+          </a:p>
+        </p:txBody>
+      </p:sp>
+      <p:sp>
+        <p:nvSpPr>
+          <p:cNvPr id="4" name="Content Placeholder 3"/>
           <p:cNvSpPr>
             <a:spLocks noGrp="1"/>
           </p:cNvSpPr>
@@ -1345,8 +2195,8 @@
         </p:nvSpPr>
         <p:spPr>
           <a:xfrm>
-            <a:off x="6172200" y="1825625"/>
-            <a:ext cx="5181600" cy="4351338"/>
+            <a:off x="3471863" y="3245556"/>
+            <a:ext cx="2914650" cy="7735712"/>
           </a:xfrm>
         </p:spPr>
         <p:txBody>
@@ -1386,19 +2236,13 @@
               <a:rPr lang="en-US"/>
               <a:t>Fifth level</a:t>
             </a:r>
-            <a:endParaRPr lang="de-DE"/>
-          </a:p>
-        </p:txBody>
-      </p:sp>
-      <p:sp>
-        <p:nvSpPr>
-          <p:cNvPr id="5" name="Date Placeholder 4">
-            <a:extLst>
-              <a:ext uri="{FF2B5EF4-FFF2-40B4-BE49-F238E27FC236}">
-                <a16:creationId xmlns:a16="http://schemas.microsoft.com/office/drawing/2014/main" id="{9E013C63-6A04-3FBE-FD67-DA3E2B6EBFC5}"/>
-              </a:ext>
-            </a:extLst>
-          </p:cNvPr>
+            <a:endParaRPr lang="en-US" dirty="0"/>
+          </a:p>
+        </p:txBody>
+      </p:sp>
+      <p:sp>
+        <p:nvSpPr>
+          <p:cNvPr id="5" name="Date Placeholder 4"/>
           <p:cNvSpPr>
             <a:spLocks noGrp="1"/>
           </p:cNvSpPr>
@@ -1413,7 +2257,7 @@
           <a:p>
             <a:fld id="{7EE7D3BB-03F0-482C-9432-368A42D3C827}" type="datetimeFigureOut">
               <a:rPr lang="de-DE" smtClean="0"/>
-              <a:t>14.01.2023</a:t>
+              <a:t>23.01.2023</a:t>
             </a:fld>
             <a:endParaRPr lang="de-DE"/>
           </a:p>
@@ -1421,13 +2265,7 @@
       </p:sp>
       <p:sp>
         <p:nvSpPr>
-          <p:cNvPr id="6" name="Footer Placeholder 5">
-            <a:extLst>
-              <a:ext uri="{FF2B5EF4-FFF2-40B4-BE49-F238E27FC236}">
-                <a16:creationId xmlns:a16="http://schemas.microsoft.com/office/drawing/2014/main" id="{3FA122A8-F747-F2B8-121E-6C97137233D5}"/>
-              </a:ext>
-            </a:extLst>
-          </p:cNvPr>
+          <p:cNvPr id="6" name="Footer Placeholder 5"/>
           <p:cNvSpPr>
             <a:spLocks noGrp="1"/>
           </p:cNvSpPr>
@@ -1446,13 +2284,7 @@
       </p:sp>
       <p:sp>
         <p:nvSpPr>
-          <p:cNvPr id="7" name="Slide Number Placeholder 6">
-            <a:extLst>
-              <a:ext uri="{FF2B5EF4-FFF2-40B4-BE49-F238E27FC236}">
-                <a16:creationId xmlns:a16="http://schemas.microsoft.com/office/drawing/2014/main" id="{875736CA-3D72-1893-5FC0-22ACEDB34940}"/>
-              </a:ext>
-            </a:extLst>
-          </p:cNvPr>
+          <p:cNvPr id="7" name="Slide Number Placeholder 6"/>
           <p:cNvSpPr>
             <a:spLocks noGrp="1"/>
           </p:cNvSpPr>
@@ -1476,7 +2308,7 @@
     </p:spTree>
     <p:extLst>
       <p:ext uri="{BB962C8B-B14F-4D97-AF65-F5344CB8AC3E}">
-        <p14:creationId xmlns:p14="http://schemas.microsoft.com/office/powerpoint/2010/main" val="1572590174"/>
+        <p14:creationId xmlns:p14="http://schemas.microsoft.com/office/powerpoint/2010/main" val="784704798"/>
       </p:ext>
     </p:extLst>
   </p:cSld>
@@ -1505,13 +2337,7 @@
       </p:grpSpPr>
       <p:sp>
         <p:nvSpPr>
-          <p:cNvPr id="2" name="Title 1">
-            <a:extLst>
-              <a:ext uri="{FF2B5EF4-FFF2-40B4-BE49-F238E27FC236}">
-                <a16:creationId xmlns:a16="http://schemas.microsoft.com/office/drawing/2014/main" id="{3FA7B51A-6B15-6205-ADEC-4AEC9325753A}"/>
-              </a:ext>
-            </a:extLst>
-          </p:cNvPr>
+          <p:cNvPr id="2" name="Title 1"/>
           <p:cNvSpPr>
             <a:spLocks noGrp="1"/>
           </p:cNvSpPr>
@@ -1521,8 +2347,8 @@
         </p:nvSpPr>
         <p:spPr>
           <a:xfrm>
-            <a:off x="839788" y="365125"/>
-            <a:ext cx="10515600" cy="1325563"/>
+            <a:off x="472381" y="649114"/>
+            <a:ext cx="5915025" cy="2356556"/>
           </a:xfrm>
         </p:spPr>
         <p:txBody>
@@ -1533,19 +2359,13 @@
               <a:rPr lang="en-US"/>
               <a:t>Click to edit Master title style</a:t>
             </a:r>
-            <a:endParaRPr lang="de-DE"/>
-          </a:p>
-        </p:txBody>
-      </p:sp>
-      <p:sp>
-        <p:nvSpPr>
-          <p:cNvPr id="3" name="Text Placeholder 2">
-            <a:extLst>
-              <a:ext uri="{FF2B5EF4-FFF2-40B4-BE49-F238E27FC236}">
-                <a16:creationId xmlns:a16="http://schemas.microsoft.com/office/drawing/2014/main" id="{6F19C03B-95A2-1456-57DD-C691F73FA737}"/>
-              </a:ext>
-            </a:extLst>
-          </p:cNvPr>
+            <a:endParaRPr lang="en-US" dirty="0"/>
+          </a:p>
+        </p:txBody>
+      </p:sp>
+      <p:sp>
+        <p:nvSpPr>
+          <p:cNvPr id="3" name="Text Placeholder 2"/>
           <p:cNvSpPr>
             <a:spLocks noGrp="1"/>
           </p:cNvSpPr>
@@ -1555,8 +2375,8 @@
         </p:nvSpPr>
         <p:spPr>
           <a:xfrm>
-            <a:off x="839788" y="1681163"/>
-            <a:ext cx="5157787" cy="823912"/>
+            <a:off x="472381" y="2988734"/>
+            <a:ext cx="2901255" cy="1464732"/>
           </a:xfrm>
         </p:spPr>
         <p:txBody>
@@ -1564,39 +2384,39 @@
           <a:lstStyle>
             <a:lvl1pPr marL="0" indent="0">
               <a:buNone/>
-              <a:defRPr sz="2400" b="1"/>
+              <a:defRPr sz="1800" b="1"/>
             </a:lvl1pPr>
-            <a:lvl2pPr marL="457200" indent="0">
-              <a:buNone/>
-              <a:defRPr sz="2000" b="1"/>
+            <a:lvl2pPr marL="342900" indent="0">
+              <a:buNone/>
+              <a:defRPr sz="1500" b="1"/>
             </a:lvl2pPr>
-            <a:lvl3pPr marL="914400" indent="0">
-              <a:buNone/>
-              <a:defRPr sz="1800" b="1"/>
+            <a:lvl3pPr marL="685800" indent="0">
+              <a:buNone/>
+              <a:defRPr sz="1350" b="1"/>
             </a:lvl3pPr>
-            <a:lvl4pPr marL="1371600" indent="0">
-              <a:buNone/>
-              <a:defRPr sz="1600" b="1"/>
+            <a:lvl4pPr marL="1028700" indent="0">
+              <a:buNone/>
+              <a:defRPr sz="1200" b="1"/>
             </a:lvl4pPr>
-            <a:lvl5pPr marL="1828800" indent="0">
-              <a:buNone/>
-              <a:defRPr sz="1600" b="1"/>
+            <a:lvl5pPr marL="1371600" indent="0">
+              <a:buNone/>
+              <a:defRPr sz="1200" b="1"/>
             </a:lvl5pPr>
-            <a:lvl6pPr marL="2286000" indent="0">
-              <a:buNone/>
-              <a:defRPr sz="1600" b="1"/>
+            <a:lvl6pPr marL="1714500" indent="0">
+              <a:buNone/>
+              <a:defRPr sz="1200" b="1"/>
             </a:lvl6pPr>
-            <a:lvl7pPr marL="2743200" indent="0">
-              <a:buNone/>
-              <a:defRPr sz="1600" b="1"/>
+            <a:lvl7pPr marL="2057400" indent="0">
+              <a:buNone/>
+              <a:defRPr sz="1200" b="1"/>
             </a:lvl7pPr>
-            <a:lvl8pPr marL="3200400" indent="0">
-              <a:buNone/>
-              <a:defRPr sz="1600" b="1"/>
+            <a:lvl8pPr marL="2400300" indent="0">
+              <a:buNone/>
+              <a:defRPr sz="1200" b="1"/>
             </a:lvl8pPr>
-            <a:lvl9pPr marL="3657600" indent="0">
-              <a:buNone/>
-              <a:defRPr sz="1600" b="1"/>
+            <a:lvl9pPr marL="2743200" indent="0">
+              <a:buNone/>
+              <a:defRPr sz="1200" b="1"/>
             </a:lvl9pPr>
           </a:lstStyle>
           <a:p>
@@ -1610,13 +2430,7 @@
       </p:sp>
       <p:sp>
         <p:nvSpPr>
-          <p:cNvPr id="4" name="Content Placeholder 3">
-            <a:extLst>
-              <a:ext uri="{FF2B5EF4-FFF2-40B4-BE49-F238E27FC236}">
-                <a16:creationId xmlns:a16="http://schemas.microsoft.com/office/drawing/2014/main" id="{9783DBFE-E616-0C7B-86BD-D5D09D29416F}"/>
-              </a:ext>
-            </a:extLst>
-          </p:cNvPr>
+          <p:cNvPr id="4" name="Content Placeholder 3"/>
           <p:cNvSpPr>
             <a:spLocks noGrp="1"/>
           </p:cNvSpPr>
@@ -1626,8 +2440,8 @@
         </p:nvSpPr>
         <p:spPr>
           <a:xfrm>
-            <a:off x="839788" y="2505075"/>
-            <a:ext cx="5157787" cy="3684588"/>
+            <a:off x="472381" y="4453467"/>
+            <a:ext cx="2901255" cy="6550379"/>
           </a:xfrm>
         </p:spPr>
         <p:txBody>
@@ -1667,19 +2481,13 @@
               <a:rPr lang="en-US"/>
               <a:t>Fifth level</a:t>
             </a:r>
-            <a:endParaRPr lang="de-DE"/>
-          </a:p>
-        </p:txBody>
-      </p:sp>
-      <p:sp>
-        <p:nvSpPr>
-          <p:cNvPr id="5" name="Text Placeholder 4">
-            <a:extLst>
-              <a:ext uri="{FF2B5EF4-FFF2-40B4-BE49-F238E27FC236}">
-                <a16:creationId xmlns:a16="http://schemas.microsoft.com/office/drawing/2014/main" id="{9069CD4E-3A96-1473-DBB7-90FBDBE45A6E}"/>
-              </a:ext>
-            </a:extLst>
-          </p:cNvPr>
+            <a:endParaRPr lang="en-US" dirty="0"/>
+          </a:p>
+        </p:txBody>
+      </p:sp>
+      <p:sp>
+        <p:nvSpPr>
+          <p:cNvPr id="5" name="Text Placeholder 4"/>
           <p:cNvSpPr>
             <a:spLocks noGrp="1"/>
           </p:cNvSpPr>
@@ -1689,8 +2497,8 @@
         </p:nvSpPr>
         <p:spPr>
           <a:xfrm>
-            <a:off x="6172200" y="1681163"/>
-            <a:ext cx="5183188" cy="823912"/>
+            <a:off x="3471863" y="2988734"/>
+            <a:ext cx="2915543" cy="1464732"/>
           </a:xfrm>
         </p:spPr>
         <p:txBody>
@@ -1698,39 +2506,39 @@
           <a:lstStyle>
             <a:lvl1pPr marL="0" indent="0">
               <a:buNone/>
-              <a:defRPr sz="2400" b="1"/>
+              <a:defRPr sz="1800" b="1"/>
             </a:lvl1pPr>
-            <a:lvl2pPr marL="457200" indent="0">
-              <a:buNone/>
-              <a:defRPr sz="2000" b="1"/>
+            <a:lvl2pPr marL="342900" indent="0">
+              <a:buNone/>
+              <a:defRPr sz="1500" b="1"/>
             </a:lvl2pPr>
-            <a:lvl3pPr marL="914400" indent="0">
-              <a:buNone/>
-              <a:defRPr sz="1800" b="1"/>
+            <a:lvl3pPr marL="685800" indent="0">
+              <a:buNone/>
+              <a:defRPr sz="1350" b="1"/>
             </a:lvl3pPr>
-            <a:lvl4pPr marL="1371600" indent="0">
-              <a:buNone/>
-              <a:defRPr sz="1600" b="1"/>
+            <a:lvl4pPr marL="1028700" indent="0">
+              <a:buNone/>
+              <a:defRPr sz="1200" b="1"/>
             </a:lvl4pPr>
-            <a:lvl5pPr marL="1828800" indent="0">
-              <a:buNone/>
-              <a:defRPr sz="1600" b="1"/>
+            <a:lvl5pPr marL="1371600" indent="0">
+              <a:buNone/>
+              <a:defRPr sz="1200" b="1"/>
             </a:lvl5pPr>
-            <a:lvl6pPr marL="2286000" indent="0">
-              <a:buNone/>
-              <a:defRPr sz="1600" b="1"/>
+            <a:lvl6pPr marL="1714500" indent="0">
+              <a:buNone/>
+              <a:defRPr sz="1200" b="1"/>
             </a:lvl6pPr>
-            <a:lvl7pPr marL="2743200" indent="0">
-              <a:buNone/>
-              <a:defRPr sz="1600" b="1"/>
+            <a:lvl7pPr marL="2057400" indent="0">
+              <a:buNone/>
+              <a:defRPr sz="1200" b="1"/>
             </a:lvl7pPr>
-            <a:lvl8pPr marL="3200400" indent="0">
-              <a:buNone/>
-              <a:defRPr sz="1600" b="1"/>
+            <a:lvl8pPr marL="2400300" indent="0">
+              <a:buNone/>
+              <a:defRPr sz="1200" b="1"/>
             </a:lvl8pPr>
-            <a:lvl9pPr marL="3657600" indent="0">
-              <a:buNone/>
-              <a:defRPr sz="1600" b="1"/>
+            <a:lvl9pPr marL="2743200" indent="0">
+              <a:buNone/>
+              <a:defRPr sz="1200" b="1"/>
             </a:lvl9pPr>
           </a:lstStyle>
           <a:p>
@@ -1744,13 +2552,7 @@
       </p:sp>
       <p:sp>
         <p:nvSpPr>
-          <p:cNvPr id="6" name="Content Placeholder 5">
-            <a:extLst>
-              <a:ext uri="{FF2B5EF4-FFF2-40B4-BE49-F238E27FC236}">
-                <a16:creationId xmlns:a16="http://schemas.microsoft.com/office/drawing/2014/main" id="{919A4A12-FC02-CB2D-4060-C30457886D99}"/>
-              </a:ext>
-            </a:extLst>
-          </p:cNvPr>
+          <p:cNvPr id="6" name="Content Placeholder 5"/>
           <p:cNvSpPr>
             <a:spLocks noGrp="1"/>
           </p:cNvSpPr>
@@ -1760,8 +2562,8 @@
         </p:nvSpPr>
         <p:spPr>
           <a:xfrm>
-            <a:off x="6172200" y="2505075"/>
-            <a:ext cx="5183188" cy="3684588"/>
+            <a:off x="3471863" y="4453467"/>
+            <a:ext cx="2915543" cy="6550379"/>
           </a:xfrm>
         </p:spPr>
         <p:txBody>
@@ -1801,19 +2603,13 @@
               <a:rPr lang="en-US"/>
               <a:t>Fifth level</a:t>
             </a:r>
-            <a:endParaRPr lang="de-DE"/>
-          </a:p>
-        </p:txBody>
-      </p:sp>
-      <p:sp>
-        <p:nvSpPr>
-          <p:cNvPr id="7" name="Date Placeholder 6">
-            <a:extLst>
-              <a:ext uri="{FF2B5EF4-FFF2-40B4-BE49-F238E27FC236}">
-                <a16:creationId xmlns:a16="http://schemas.microsoft.com/office/drawing/2014/main" id="{7E5816B3-4EFC-637E-7436-11FB4DD620C3}"/>
-              </a:ext>
-            </a:extLst>
-          </p:cNvPr>
+            <a:endParaRPr lang="en-US" dirty="0"/>
+          </a:p>
+        </p:txBody>
+      </p:sp>
+      <p:sp>
+        <p:nvSpPr>
+          <p:cNvPr id="7" name="Date Placeholder 6"/>
           <p:cNvSpPr>
             <a:spLocks noGrp="1"/>
           </p:cNvSpPr>
@@ -1828,7 +2624,7 @@
           <a:p>
             <a:fld id="{7EE7D3BB-03F0-482C-9432-368A42D3C827}" type="datetimeFigureOut">
               <a:rPr lang="de-DE" smtClean="0"/>
-              <a:t>14.01.2023</a:t>
+              <a:t>23.01.2023</a:t>
             </a:fld>
             <a:endParaRPr lang="de-DE"/>
           </a:p>
@@ -1836,13 +2632,7 @@
       </p:sp>
       <p:sp>
         <p:nvSpPr>
-          <p:cNvPr id="8" name="Footer Placeholder 7">
-            <a:extLst>
-              <a:ext uri="{FF2B5EF4-FFF2-40B4-BE49-F238E27FC236}">
-                <a16:creationId xmlns:a16="http://schemas.microsoft.com/office/drawing/2014/main" id="{BBA8FB1F-FB40-6F78-0E92-059EA77722A1}"/>
-              </a:ext>
-            </a:extLst>
-          </p:cNvPr>
+          <p:cNvPr id="8" name="Footer Placeholder 7"/>
           <p:cNvSpPr>
             <a:spLocks noGrp="1"/>
           </p:cNvSpPr>
@@ -1861,13 +2651,7 @@
       </p:sp>
       <p:sp>
         <p:nvSpPr>
-          <p:cNvPr id="9" name="Slide Number Placeholder 8">
-            <a:extLst>
-              <a:ext uri="{FF2B5EF4-FFF2-40B4-BE49-F238E27FC236}">
-                <a16:creationId xmlns:a16="http://schemas.microsoft.com/office/drawing/2014/main" id="{CCE30BFB-F242-E14D-6A80-034F9A31B708}"/>
-              </a:ext>
-            </a:extLst>
-          </p:cNvPr>
+          <p:cNvPr id="9" name="Slide Number Placeholder 8"/>
           <p:cNvSpPr>
             <a:spLocks noGrp="1"/>
           </p:cNvSpPr>
@@ -1891,7 +2675,7 @@
     </p:spTree>
     <p:extLst>
       <p:ext uri="{BB962C8B-B14F-4D97-AF65-F5344CB8AC3E}">
-        <p14:creationId xmlns:p14="http://schemas.microsoft.com/office/powerpoint/2010/main" val="1770253558"/>
+        <p14:creationId xmlns:p14="http://schemas.microsoft.com/office/powerpoint/2010/main" val="2661127854"/>
       </p:ext>
     </p:extLst>
   </p:cSld>
@@ -1920,13 +2704,7 @@
       </p:grpSpPr>
       <p:sp>
         <p:nvSpPr>
-          <p:cNvPr id="2" name="Title 1">
-            <a:extLst>
-              <a:ext uri="{FF2B5EF4-FFF2-40B4-BE49-F238E27FC236}">
-                <a16:creationId xmlns:a16="http://schemas.microsoft.com/office/drawing/2014/main" id="{6D932677-B26A-5BE9-553B-BFA2FB750703}"/>
-              </a:ext>
-            </a:extLst>
-          </p:cNvPr>
+          <p:cNvPr id="2" name="Title 1"/>
           <p:cNvSpPr>
             <a:spLocks noGrp="1"/>
           </p:cNvSpPr>
@@ -1943,19 +2721,13 @@
               <a:rPr lang="en-US"/>
               <a:t>Click to edit Master title style</a:t>
             </a:r>
-            <a:endParaRPr lang="de-DE"/>
-          </a:p>
-        </p:txBody>
-      </p:sp>
-      <p:sp>
-        <p:nvSpPr>
-          <p:cNvPr id="3" name="Date Placeholder 2">
-            <a:extLst>
-              <a:ext uri="{FF2B5EF4-FFF2-40B4-BE49-F238E27FC236}">
-                <a16:creationId xmlns:a16="http://schemas.microsoft.com/office/drawing/2014/main" id="{4C63981F-36DF-0AE4-A441-2B483CE7BC87}"/>
-              </a:ext>
-            </a:extLst>
-          </p:cNvPr>
+            <a:endParaRPr lang="en-US" dirty="0"/>
+          </a:p>
+        </p:txBody>
+      </p:sp>
+      <p:sp>
+        <p:nvSpPr>
+          <p:cNvPr id="3" name="Date Placeholder 2"/>
           <p:cNvSpPr>
             <a:spLocks noGrp="1"/>
           </p:cNvSpPr>
@@ -1970,7 +2742,7 @@
           <a:p>
             <a:fld id="{7EE7D3BB-03F0-482C-9432-368A42D3C827}" type="datetimeFigureOut">
               <a:rPr lang="de-DE" smtClean="0"/>
-              <a:t>14.01.2023</a:t>
+              <a:t>23.01.2023</a:t>
             </a:fld>
             <a:endParaRPr lang="de-DE"/>
           </a:p>
@@ -1978,13 +2750,7 @@
       </p:sp>
       <p:sp>
         <p:nvSpPr>
-          <p:cNvPr id="4" name="Footer Placeholder 3">
-            <a:extLst>
-              <a:ext uri="{FF2B5EF4-FFF2-40B4-BE49-F238E27FC236}">
-                <a16:creationId xmlns:a16="http://schemas.microsoft.com/office/drawing/2014/main" id="{83518F97-F150-4E6C-4B5B-6E8B84590DC5}"/>
-              </a:ext>
-            </a:extLst>
-          </p:cNvPr>
+          <p:cNvPr id="4" name="Footer Placeholder 3"/>
           <p:cNvSpPr>
             <a:spLocks noGrp="1"/>
           </p:cNvSpPr>
@@ -2003,13 +2769,7 @@
       </p:sp>
       <p:sp>
         <p:nvSpPr>
-          <p:cNvPr id="5" name="Slide Number Placeholder 4">
-            <a:extLst>
-              <a:ext uri="{FF2B5EF4-FFF2-40B4-BE49-F238E27FC236}">
-                <a16:creationId xmlns:a16="http://schemas.microsoft.com/office/drawing/2014/main" id="{346F8EA0-B8A1-89CC-5FA3-2E278A68D4E0}"/>
-              </a:ext>
-            </a:extLst>
-          </p:cNvPr>
+          <p:cNvPr id="5" name="Slide Number Placeholder 4"/>
           <p:cNvSpPr>
             <a:spLocks noGrp="1"/>
           </p:cNvSpPr>
@@ -2033,7 +2793,7 @@
     </p:spTree>
     <p:extLst>
       <p:ext uri="{BB962C8B-B14F-4D97-AF65-F5344CB8AC3E}">
-        <p14:creationId xmlns:p14="http://schemas.microsoft.com/office/powerpoint/2010/main" val="2145523505"/>
+        <p14:creationId xmlns:p14="http://schemas.microsoft.com/office/powerpoint/2010/main" val="3007522555"/>
       </p:ext>
     </p:extLst>
   </p:cSld>
@@ -2062,13 +2822,7 @@
       </p:grpSpPr>
       <p:sp>
         <p:nvSpPr>
-          <p:cNvPr id="2" name="Date Placeholder 1">
-            <a:extLst>
-              <a:ext uri="{FF2B5EF4-FFF2-40B4-BE49-F238E27FC236}">
-                <a16:creationId xmlns:a16="http://schemas.microsoft.com/office/drawing/2014/main" id="{0467E34B-4E32-FDF2-971D-D70B09B867CE}"/>
-              </a:ext>
-            </a:extLst>
-          </p:cNvPr>
+          <p:cNvPr id="2" name="Date Placeholder 1"/>
           <p:cNvSpPr>
             <a:spLocks noGrp="1"/>
           </p:cNvSpPr>
@@ -2083,7 +2837,7 @@
           <a:p>
             <a:fld id="{7EE7D3BB-03F0-482C-9432-368A42D3C827}" type="datetimeFigureOut">
               <a:rPr lang="de-DE" smtClean="0"/>
-              <a:t>14.01.2023</a:t>
+              <a:t>23.01.2023</a:t>
             </a:fld>
             <a:endParaRPr lang="de-DE"/>
           </a:p>
@@ -2091,13 +2845,7 @@
       </p:sp>
       <p:sp>
         <p:nvSpPr>
-          <p:cNvPr id="3" name="Footer Placeholder 2">
-            <a:extLst>
-              <a:ext uri="{FF2B5EF4-FFF2-40B4-BE49-F238E27FC236}">
-                <a16:creationId xmlns:a16="http://schemas.microsoft.com/office/drawing/2014/main" id="{CDC80BA7-529A-4E4F-7AD0-0D2F5CF8964A}"/>
-              </a:ext>
-            </a:extLst>
-          </p:cNvPr>
+          <p:cNvPr id="3" name="Footer Placeholder 2"/>
           <p:cNvSpPr>
             <a:spLocks noGrp="1"/>
           </p:cNvSpPr>
@@ -2116,13 +2864,7 @@
       </p:sp>
       <p:sp>
         <p:nvSpPr>
-          <p:cNvPr id="4" name="Slide Number Placeholder 3">
-            <a:extLst>
-              <a:ext uri="{FF2B5EF4-FFF2-40B4-BE49-F238E27FC236}">
-                <a16:creationId xmlns:a16="http://schemas.microsoft.com/office/drawing/2014/main" id="{B906590C-A0D7-3197-F653-C69B3E200D55}"/>
-              </a:ext>
-            </a:extLst>
-          </p:cNvPr>
+          <p:cNvPr id="4" name="Slide Number Placeholder 3"/>
           <p:cNvSpPr>
             <a:spLocks noGrp="1"/>
           </p:cNvSpPr>
@@ -2146,7 +2888,7 @@
     </p:spTree>
     <p:extLst>
       <p:ext uri="{BB962C8B-B14F-4D97-AF65-F5344CB8AC3E}">
-        <p14:creationId xmlns:p14="http://schemas.microsoft.com/office/powerpoint/2010/main" val="1041892641"/>
+        <p14:creationId xmlns:p14="http://schemas.microsoft.com/office/powerpoint/2010/main" val="3043250719"/>
       </p:ext>
     </p:extLst>
   </p:cSld>
@@ -2175,13 +2917,7 @@
       </p:grpSpPr>
       <p:sp>
         <p:nvSpPr>
-          <p:cNvPr id="2" name="Title 1">
-            <a:extLst>
-              <a:ext uri="{FF2B5EF4-FFF2-40B4-BE49-F238E27FC236}">
-                <a16:creationId xmlns:a16="http://schemas.microsoft.com/office/drawing/2014/main" id="{380FCA75-2345-3407-8F50-C4AD9E025BF5}"/>
-              </a:ext>
-            </a:extLst>
-          </p:cNvPr>
+          <p:cNvPr id="2" name="Title 1"/>
           <p:cNvSpPr>
             <a:spLocks noGrp="1"/>
           </p:cNvSpPr>
@@ -2191,15 +2927,15 @@
         </p:nvSpPr>
         <p:spPr>
           <a:xfrm>
-            <a:off x="839788" y="457200"/>
-            <a:ext cx="3932237" cy="1600200"/>
+            <a:off x="472381" y="812800"/>
+            <a:ext cx="2211884" cy="2844800"/>
           </a:xfrm>
         </p:spPr>
         <p:txBody>
           <a:bodyPr anchor="b"/>
           <a:lstStyle>
             <a:lvl1pPr>
-              <a:defRPr sz="3200"/>
+              <a:defRPr sz="2400"/>
             </a:lvl1pPr>
           </a:lstStyle>
           <a:p>
@@ -2207,19 +2943,13 @@
               <a:rPr lang="en-US"/>
               <a:t>Click to edit Master title style</a:t>
             </a:r>
-            <a:endParaRPr lang="de-DE"/>
-          </a:p>
-        </p:txBody>
-      </p:sp>
-      <p:sp>
-        <p:nvSpPr>
-          <p:cNvPr id="3" name="Content Placeholder 2">
-            <a:extLst>
-              <a:ext uri="{FF2B5EF4-FFF2-40B4-BE49-F238E27FC236}">
-                <a16:creationId xmlns:a16="http://schemas.microsoft.com/office/drawing/2014/main" id="{154036B9-160A-E18D-019A-183E1474FACD}"/>
-              </a:ext>
-            </a:extLst>
-          </p:cNvPr>
+            <a:endParaRPr lang="en-US" dirty="0"/>
+          </a:p>
+        </p:txBody>
+      </p:sp>
+      <p:sp>
+        <p:nvSpPr>
+          <p:cNvPr id="3" name="Content Placeholder 2"/>
           <p:cNvSpPr>
             <a:spLocks noGrp="1"/>
           </p:cNvSpPr>
@@ -2229,39 +2959,39 @@
         </p:nvSpPr>
         <p:spPr>
           <a:xfrm>
-            <a:off x="5183188" y="987425"/>
-            <a:ext cx="6172200" cy="4873625"/>
+            <a:off x="2915543" y="1755425"/>
+            <a:ext cx="3471863" cy="8664222"/>
           </a:xfrm>
         </p:spPr>
         <p:txBody>
           <a:bodyPr/>
           <a:lstStyle>
             <a:lvl1pPr>
-              <a:defRPr sz="3200"/>
+              <a:defRPr sz="2400"/>
             </a:lvl1pPr>
             <a:lvl2pPr>
-              <a:defRPr sz="2800"/>
+              <a:defRPr sz="2100"/>
             </a:lvl2pPr>
             <a:lvl3pPr>
-              <a:defRPr sz="2400"/>
+              <a:defRPr sz="1800"/>
             </a:lvl3pPr>
             <a:lvl4pPr>
-              <a:defRPr sz="2000"/>
+              <a:defRPr sz="1500"/>
             </a:lvl4pPr>
             <a:lvl5pPr>
-              <a:defRPr sz="2000"/>
+              <a:defRPr sz="1500"/>
             </a:lvl5pPr>
             <a:lvl6pPr>
-              <a:defRPr sz="2000"/>
+              <a:defRPr sz="1500"/>
             </a:lvl6pPr>
             <a:lvl7pPr>
-              <a:defRPr sz="2000"/>
+              <a:defRPr sz="1500"/>
             </a:lvl7pPr>
             <a:lvl8pPr>
-              <a:defRPr sz="2000"/>
+              <a:defRPr sz="1500"/>
             </a:lvl8pPr>
             <a:lvl9pPr>
-              <a:defRPr sz="2000"/>
+              <a:defRPr sz="1500"/>
             </a:lvl9pPr>
           </a:lstStyle>
           <a:p>
@@ -2298,19 +3028,13 @@
               <a:rPr lang="en-US"/>
               <a:t>Fifth level</a:t>
             </a:r>
-            <a:endParaRPr lang="de-DE"/>
-          </a:p>
-        </p:txBody>
-      </p:sp>
-      <p:sp>
-        <p:nvSpPr>
-          <p:cNvPr id="4" name="Text Placeholder 3">
-            <a:extLst>
-              <a:ext uri="{FF2B5EF4-FFF2-40B4-BE49-F238E27FC236}">
-                <a16:creationId xmlns:a16="http://schemas.microsoft.com/office/drawing/2014/main" id="{9C2B9D90-681A-2BAC-2AE1-B539F0A3061F}"/>
-              </a:ext>
-            </a:extLst>
-          </p:cNvPr>
+            <a:endParaRPr lang="en-US" dirty="0"/>
+          </a:p>
+        </p:txBody>
+      </p:sp>
+      <p:sp>
+        <p:nvSpPr>
+          <p:cNvPr id="4" name="Text Placeholder 3"/>
           <p:cNvSpPr>
             <a:spLocks noGrp="1"/>
           </p:cNvSpPr>
@@ -2320,8 +3044,8 @@
         </p:nvSpPr>
         <p:spPr>
           <a:xfrm>
-            <a:off x="839788" y="2057400"/>
-            <a:ext cx="3932237" cy="3811588"/>
+            <a:off x="472381" y="3657600"/>
+            <a:ext cx="2211884" cy="6776156"/>
           </a:xfrm>
         </p:spPr>
         <p:txBody>
@@ -2329,39 +3053,39 @@
           <a:lstStyle>
             <a:lvl1pPr marL="0" indent="0">
               <a:buNone/>
-              <a:defRPr sz="1600"/>
+              <a:defRPr sz="1200"/>
             </a:lvl1pPr>
-            <a:lvl2pPr marL="457200" indent="0">
-              <a:buNone/>
-              <a:defRPr sz="1400"/>
+            <a:lvl2pPr marL="342900" indent="0">
+              <a:buNone/>
+              <a:defRPr sz="1050"/>
             </a:lvl2pPr>
-            <a:lvl3pPr marL="914400" indent="0">
-              <a:buNone/>
-              <a:defRPr sz="1200"/>
+            <a:lvl3pPr marL="685800" indent="0">
+              <a:buNone/>
+              <a:defRPr sz="900"/>
             </a:lvl3pPr>
-            <a:lvl4pPr marL="1371600" indent="0">
-              <a:buNone/>
-              <a:defRPr sz="1000"/>
+            <a:lvl4pPr marL="1028700" indent="0">
+              <a:buNone/>
+              <a:defRPr sz="750"/>
             </a:lvl4pPr>
-            <a:lvl5pPr marL="1828800" indent="0">
-              <a:buNone/>
-              <a:defRPr sz="1000"/>
+            <a:lvl5pPr marL="1371600" indent="0">
+              <a:buNone/>
+              <a:defRPr sz="750"/>
             </a:lvl5pPr>
-            <a:lvl6pPr marL="2286000" indent="0">
-              <a:buNone/>
-              <a:defRPr sz="1000"/>
+            <a:lvl6pPr marL="1714500" indent="0">
+              <a:buNone/>
+              <a:defRPr sz="750"/>
             </a:lvl6pPr>
-            <a:lvl7pPr marL="2743200" indent="0">
-              <a:buNone/>
-              <a:defRPr sz="1000"/>
+            <a:lvl7pPr marL="2057400" indent="0">
+              <a:buNone/>
+              <a:defRPr sz="750"/>
             </a:lvl7pPr>
-            <a:lvl8pPr marL="3200400" indent="0">
-              <a:buNone/>
-              <a:defRPr sz="1000"/>
+            <a:lvl8pPr marL="2400300" indent="0">
+              <a:buNone/>
+              <a:defRPr sz="750"/>
             </a:lvl8pPr>
-            <a:lvl9pPr marL="3657600" indent="0">
-              <a:buNone/>
-              <a:defRPr sz="1000"/>
+            <a:lvl9pPr marL="2743200" indent="0">
+              <a:buNone/>
+              <a:defRPr sz="750"/>
             </a:lvl9pPr>
           </a:lstStyle>
           <a:p>
@@ -2375,13 +3099,7 @@
       </p:sp>
       <p:sp>
         <p:nvSpPr>
-          <p:cNvPr id="5" name="Date Placeholder 4">
-            <a:extLst>
-              <a:ext uri="{FF2B5EF4-FFF2-40B4-BE49-F238E27FC236}">
-                <a16:creationId xmlns:a16="http://schemas.microsoft.com/office/drawing/2014/main" id="{2768504A-3849-B961-90B8-42E7D60A1811}"/>
-              </a:ext>
-            </a:extLst>
-          </p:cNvPr>
+          <p:cNvPr id="5" name="Date Placeholder 4"/>
           <p:cNvSpPr>
             <a:spLocks noGrp="1"/>
           </p:cNvSpPr>
@@ -2396,7 +3114,7 @@
           <a:p>
             <a:fld id="{7EE7D3BB-03F0-482C-9432-368A42D3C827}" type="datetimeFigureOut">
               <a:rPr lang="de-DE" smtClean="0"/>
-              <a:t>14.01.2023</a:t>
+              <a:t>23.01.2023</a:t>
             </a:fld>
             <a:endParaRPr lang="de-DE"/>
           </a:p>
@@ -2404,13 +3122,7 @@
       </p:sp>
       <p:sp>
         <p:nvSpPr>
-          <p:cNvPr id="6" name="Footer Placeholder 5">
-            <a:extLst>
-              <a:ext uri="{FF2B5EF4-FFF2-40B4-BE49-F238E27FC236}">
-                <a16:creationId xmlns:a16="http://schemas.microsoft.com/office/drawing/2014/main" id="{F474CD45-1F15-D3C2-008A-505B1076D0C6}"/>
-              </a:ext>
-            </a:extLst>
-          </p:cNvPr>
+          <p:cNvPr id="6" name="Footer Placeholder 5"/>
           <p:cNvSpPr>
             <a:spLocks noGrp="1"/>
           </p:cNvSpPr>
@@ -2429,13 +3141,7 @@
       </p:sp>
       <p:sp>
         <p:nvSpPr>
-          <p:cNvPr id="7" name="Slide Number Placeholder 6">
-            <a:extLst>
-              <a:ext uri="{FF2B5EF4-FFF2-40B4-BE49-F238E27FC236}">
-                <a16:creationId xmlns:a16="http://schemas.microsoft.com/office/drawing/2014/main" id="{CF9E90BB-B1BF-07F6-0AC1-8EDADFC12E88}"/>
-              </a:ext>
-            </a:extLst>
-          </p:cNvPr>
+          <p:cNvPr id="7" name="Slide Number Placeholder 6"/>
           <p:cNvSpPr>
             <a:spLocks noGrp="1"/>
           </p:cNvSpPr>
@@ -2459,7 +3165,7 @@
     </p:spTree>
     <p:extLst>
       <p:ext uri="{BB962C8B-B14F-4D97-AF65-F5344CB8AC3E}">
-        <p14:creationId xmlns:p14="http://schemas.microsoft.com/office/powerpoint/2010/main" val="3370893958"/>
+        <p14:creationId xmlns:p14="http://schemas.microsoft.com/office/powerpoint/2010/main" val="2806469627"/>
       </p:ext>
     </p:extLst>
   </p:cSld>
@@ -2488,13 +3194,7 @@
       </p:grpSpPr>
       <p:sp>
         <p:nvSpPr>
-          <p:cNvPr id="2" name="Title 1">
-            <a:extLst>
-              <a:ext uri="{FF2B5EF4-FFF2-40B4-BE49-F238E27FC236}">
-                <a16:creationId xmlns:a16="http://schemas.microsoft.com/office/drawing/2014/main" id="{6C9C4F28-097D-9E99-F102-DB8DB9B661C2}"/>
-              </a:ext>
-            </a:extLst>
-          </p:cNvPr>
+          <p:cNvPr id="2" name="Title 1"/>
           <p:cNvSpPr>
             <a:spLocks noGrp="1"/>
           </p:cNvSpPr>
@@ -2504,15 +3204,15 @@
         </p:nvSpPr>
         <p:spPr>
           <a:xfrm>
-            <a:off x="839788" y="457200"/>
-            <a:ext cx="3932237" cy="1600200"/>
+            <a:off x="472381" y="812800"/>
+            <a:ext cx="2211884" cy="2844800"/>
           </a:xfrm>
         </p:spPr>
         <p:txBody>
           <a:bodyPr anchor="b"/>
           <a:lstStyle>
             <a:lvl1pPr>
-              <a:defRPr sz="3200"/>
+              <a:defRPr sz="2400"/>
             </a:lvl1pPr>
           </a:lstStyle>
           <a:p>
@@ -2520,21 +3220,15 @@
               <a:rPr lang="en-US"/>
               <a:t>Click to edit Master title style</a:t>
             </a:r>
-            <a:endParaRPr lang="de-DE"/>
-          </a:p>
-        </p:txBody>
-      </p:sp>
-      <p:sp>
-        <p:nvSpPr>
-          <p:cNvPr id="3" name="Picture Placeholder 2">
-            <a:extLst>
-              <a:ext uri="{FF2B5EF4-FFF2-40B4-BE49-F238E27FC236}">
-                <a16:creationId xmlns:a16="http://schemas.microsoft.com/office/drawing/2014/main" id="{9A9B76B2-51DC-9C15-8D04-866E912E7F73}"/>
-              </a:ext>
-            </a:extLst>
-          </p:cNvPr>
-          <p:cNvSpPr>
-            <a:spLocks noGrp="1"/>
+            <a:endParaRPr lang="en-US" dirty="0"/>
+          </a:p>
+        </p:txBody>
+      </p:sp>
+      <p:sp>
+        <p:nvSpPr>
+          <p:cNvPr id="3" name="Picture Placeholder 2"/>
+          <p:cNvSpPr>
+            <a:spLocks noGrp="1" noChangeAspect="1"/>
           </p:cNvSpPr>
           <p:nvPr>
             <p:ph type="pic" idx="1"/>
@@ -2542,8 +3236,73 @@
         </p:nvSpPr>
         <p:spPr>
           <a:xfrm>
-            <a:off x="5183188" y="987425"/>
-            <a:ext cx="6172200" cy="4873625"/>
+            <a:off x="2915543" y="1755425"/>
+            <a:ext cx="3471863" cy="8664222"/>
+          </a:xfrm>
+        </p:spPr>
+        <p:txBody>
+          <a:bodyPr anchor="t"/>
+          <a:lstStyle>
+            <a:lvl1pPr marL="0" indent="0">
+              <a:buNone/>
+              <a:defRPr sz="2400"/>
+            </a:lvl1pPr>
+            <a:lvl2pPr marL="342900" indent="0">
+              <a:buNone/>
+              <a:defRPr sz="2100"/>
+            </a:lvl2pPr>
+            <a:lvl3pPr marL="685800" indent="0">
+              <a:buNone/>
+              <a:defRPr sz="1800"/>
+            </a:lvl3pPr>
+            <a:lvl4pPr marL="1028700" indent="0">
+              <a:buNone/>
+              <a:defRPr sz="1500"/>
+            </a:lvl4pPr>
+            <a:lvl5pPr marL="1371600" indent="0">
+              <a:buNone/>
+              <a:defRPr sz="1500"/>
+            </a:lvl5pPr>
+            <a:lvl6pPr marL="1714500" indent="0">
+              <a:buNone/>
+              <a:defRPr sz="1500"/>
+            </a:lvl6pPr>
+            <a:lvl7pPr marL="2057400" indent="0">
+              <a:buNone/>
+              <a:defRPr sz="1500"/>
+            </a:lvl7pPr>
+            <a:lvl8pPr marL="2400300" indent="0">
+              <a:buNone/>
+              <a:defRPr sz="1500"/>
+            </a:lvl8pPr>
+            <a:lvl9pPr marL="2743200" indent="0">
+              <a:buNone/>
+              <a:defRPr sz="1500"/>
+            </a:lvl9pPr>
+          </a:lstStyle>
+          <a:p>
+            <a:r>
+              <a:rPr lang="en-US"/>
+              <a:t>Click icon to add picture</a:t>
+            </a:r>
+            <a:endParaRPr lang="en-US" dirty="0"/>
+          </a:p>
+        </p:txBody>
+      </p:sp>
+      <p:sp>
+        <p:nvSpPr>
+          <p:cNvPr id="4" name="Text Placeholder 3"/>
+          <p:cNvSpPr>
+            <a:spLocks noGrp="1"/>
+          </p:cNvSpPr>
+          <p:nvPr>
+            <p:ph type="body" sz="half" idx="2"/>
+          </p:nvPr>
+        </p:nvSpPr>
+        <p:spPr>
+          <a:xfrm>
+            <a:off x="472381" y="3657600"/>
+            <a:ext cx="2211884" cy="6776156"/>
           </a:xfrm>
         </p:spPr>
         <p:txBody>
@@ -2551,109 +3310,42 @@
           <a:lstStyle>
             <a:lvl1pPr marL="0" indent="0">
               <a:buNone/>
-              <a:defRPr sz="3200"/>
+              <a:defRPr sz="1200"/>
             </a:lvl1pPr>
-            <a:lvl2pPr marL="457200" indent="0">
-              <a:buNone/>
-              <a:defRPr sz="2800"/>
+            <a:lvl2pPr marL="342900" indent="0">
+              <a:buNone/>
+              <a:defRPr sz="1050"/>
             </a:lvl2pPr>
-            <a:lvl3pPr marL="914400" indent="0">
-              <a:buNone/>
-              <a:defRPr sz="2400"/>
+            <a:lvl3pPr marL="685800" indent="0">
+              <a:buNone/>
+              <a:defRPr sz="900"/>
             </a:lvl3pPr>
-            <a:lvl4pPr marL="1371600" indent="0">
-              <a:buNone/>
-              <a:defRPr sz="2000"/>
+            <a:lvl4pPr marL="1028700" indent="0">
+              <a:buNone/>
+              <a:defRPr sz="750"/>
             </a:lvl4pPr>
-            <a:lvl5pPr marL="1828800" indent="0">
-              <a:buNone/>
-              <a:defRPr sz="2000"/>
+            <a:lvl5pPr marL="1371600" indent="0">
+              <a:buNone/>
+              <a:defRPr sz="750"/>
             </a:lvl5pPr>
-            <a:lvl6pPr marL="2286000" indent="0">
-              <a:buNone/>
-              <a:defRPr sz="2000"/>
+            <a:lvl6pPr marL="1714500" indent="0">
+              <a:buNone/>
+              <a:defRPr sz="750"/>
             </a:lvl6pPr>
-            <a:lvl7pPr marL="2743200" indent="0">
-              <a:buNone/>
-              <a:defRPr sz="2000"/>
+            <a:lvl7pPr marL="2057400" indent="0">
+              <a:buNone/>
+              <a:defRPr sz="750"/>
             </a:lvl7pPr>
-            <a:lvl8pPr marL="3200400" indent="0">
-              <a:buNone/>
-              <a:defRPr sz="2000"/>
+            <a:lvl8pPr marL="2400300" indent="0">
+              <a:buNone/>
+              <a:defRPr sz="750"/>
             </a:lvl8pPr>
-            <a:lvl9pPr marL="3657600" indent="0">
-              <a:buNone/>
-              <a:defRPr sz="2000"/>
+            <a:lvl9pPr marL="2743200" indent="0">
+              <a:buNone/>
+              <a:defRPr sz="750"/>
             </a:lvl9pPr>
           </a:lstStyle>
           <a:p>
-            <a:endParaRPr lang="de-DE"/>
-          </a:p>
-        </p:txBody>
-      </p:sp>
-      <p:sp>
-        <p:nvSpPr>
-          <p:cNvPr id="4" name="Text Placeholder 3">
-            <a:extLst>
-              <a:ext uri="{FF2B5EF4-FFF2-40B4-BE49-F238E27FC236}">
-                <a16:creationId xmlns:a16="http://schemas.microsoft.com/office/drawing/2014/main" id="{D9714865-C96F-B424-4EC2-4B23E0ACE35B}"/>
-              </a:ext>
-            </a:extLst>
-          </p:cNvPr>
-          <p:cNvSpPr>
-            <a:spLocks noGrp="1"/>
-          </p:cNvSpPr>
-          <p:nvPr>
-            <p:ph type="body" sz="half" idx="2"/>
-          </p:nvPr>
-        </p:nvSpPr>
-        <p:spPr>
-          <a:xfrm>
-            <a:off x="839788" y="2057400"/>
-            <a:ext cx="3932237" cy="3811588"/>
-          </a:xfrm>
-        </p:spPr>
-        <p:txBody>
-          <a:bodyPr/>
-          <a:lstStyle>
-            <a:lvl1pPr marL="0" indent="0">
-              <a:buNone/>
-              <a:defRPr sz="1600"/>
-            </a:lvl1pPr>
-            <a:lvl2pPr marL="457200" indent="0">
-              <a:buNone/>
-              <a:defRPr sz="1400"/>
-            </a:lvl2pPr>
-            <a:lvl3pPr marL="914400" indent="0">
-              <a:buNone/>
-              <a:defRPr sz="1200"/>
-            </a:lvl3pPr>
-            <a:lvl4pPr marL="1371600" indent="0">
-              <a:buNone/>
-              <a:defRPr sz="1000"/>
-            </a:lvl4pPr>
-            <a:lvl5pPr marL="1828800" indent="0">
-              <a:buNone/>
-              <a:defRPr sz="1000"/>
-            </a:lvl5pPr>
-            <a:lvl6pPr marL="2286000" indent="0">
-              <a:buNone/>
-              <a:defRPr sz="1000"/>
-            </a:lvl6pPr>
-            <a:lvl7pPr marL="2743200" indent="0">
-              <a:buNone/>
-              <a:defRPr sz="1000"/>
-            </a:lvl7pPr>
-            <a:lvl8pPr marL="3200400" indent="0">
-              <a:buNone/>
-              <a:defRPr sz="1000"/>
-            </a:lvl8pPr>
-            <a:lvl9pPr marL="3657600" indent="0">
-              <a:buNone/>
-              <a:defRPr sz="1000"/>
-            </a:lvl9pPr>
-          </a:lstStyle>
-          <a:p>
             <a:pPr lvl="0"/>
             <a:r>
               <a:rPr lang="en-US"/>
@@ -2664,13 +3356,7 @@
       </p:sp>
       <p:sp>
         <p:nvSpPr>
-          <p:cNvPr id="5" name="Date Placeholder 4">
-            <a:extLst>
-              <a:ext uri="{FF2B5EF4-FFF2-40B4-BE49-F238E27FC236}">
-                <a16:creationId xmlns:a16="http://schemas.microsoft.com/office/drawing/2014/main" id="{769957D6-90D9-7DD8-AA83-831FFF1986D3}"/>
-              </a:ext>
-            </a:extLst>
-          </p:cNvPr>
+          <p:cNvPr id="5" name="Date Placeholder 4"/>
           <p:cNvSpPr>
             <a:spLocks noGrp="1"/>
           </p:cNvSpPr>
@@ -2685,7 +3371,7 @@
           <a:p>
             <a:fld id="{7EE7D3BB-03F0-482C-9432-368A42D3C827}" type="datetimeFigureOut">
               <a:rPr lang="de-DE" smtClean="0"/>
-              <a:t>14.01.2023</a:t>
+              <a:t>23.01.2023</a:t>
             </a:fld>
             <a:endParaRPr lang="de-DE"/>
           </a:p>
@@ -2693,13 +3379,7 @@
       </p:sp>
       <p:sp>
         <p:nvSpPr>
-          <p:cNvPr id="6" name="Footer Placeholder 5">
-            <a:extLst>
-              <a:ext uri="{FF2B5EF4-FFF2-40B4-BE49-F238E27FC236}">
-                <a16:creationId xmlns:a16="http://schemas.microsoft.com/office/drawing/2014/main" id="{7D7F08A8-A40C-6F5B-B250-5F7CA3F17FF1}"/>
-              </a:ext>
-            </a:extLst>
-          </p:cNvPr>
+          <p:cNvPr id="6" name="Footer Placeholder 5"/>
           <p:cNvSpPr>
             <a:spLocks noGrp="1"/>
           </p:cNvSpPr>
@@ -2718,13 +3398,7 @@
       </p:sp>
       <p:sp>
         <p:nvSpPr>
-          <p:cNvPr id="7" name="Slide Number Placeholder 6">
-            <a:extLst>
-              <a:ext uri="{FF2B5EF4-FFF2-40B4-BE49-F238E27FC236}">
-                <a16:creationId xmlns:a16="http://schemas.microsoft.com/office/drawing/2014/main" id="{8A174BC8-24D0-EB7A-734C-6BBB3629AB3F}"/>
-              </a:ext>
-            </a:extLst>
-          </p:cNvPr>
+          <p:cNvPr id="7" name="Slide Number Placeholder 6"/>
           <p:cNvSpPr>
             <a:spLocks noGrp="1"/>
           </p:cNvSpPr>
@@ -2748,7 +3422,7 @@
     </p:spTree>
     <p:extLst>
       <p:ext uri="{BB962C8B-B14F-4D97-AF65-F5344CB8AC3E}">
-        <p14:creationId xmlns:p14="http://schemas.microsoft.com/office/powerpoint/2010/main" val="1233908104"/>
+        <p14:creationId xmlns:p14="http://schemas.microsoft.com/office/powerpoint/2010/main" val="4081329538"/>
       </p:ext>
     </p:extLst>
   </p:cSld>
@@ -2780,12 +3454,226 @@
           <a:chExt cx="0" cy="0"/>
         </a:xfrm>
       </p:grpSpPr>
+      <p:sp>
+        <p:nvSpPr>
+          <p:cNvPr id="2" name="Title Placeholder 1"/>
+          <p:cNvSpPr>
+            <a:spLocks noGrp="1"/>
+          </p:cNvSpPr>
+          <p:nvPr>
+            <p:ph type="title"/>
+          </p:nvPr>
+        </p:nvSpPr>
+        <p:spPr>
+          <a:xfrm>
+            <a:off x="471488" y="649114"/>
+            <a:ext cx="5915025" cy="2356556"/>
+          </a:xfrm>
+          <a:prstGeom prst="rect">
+            <a:avLst/>
+          </a:prstGeom>
+        </p:spPr>
+        <p:txBody>
+          <a:bodyPr vert="horz" lIns="91440" tIns="45720" rIns="91440" bIns="45720" rtlCol="0" anchor="ctr">
+            <a:normAutofit/>
+          </a:bodyPr>
+          <a:lstStyle/>
+          <a:p>
+            <a:r>
+              <a:rPr lang="en-US"/>
+              <a:t>Click to edit Master title style</a:t>
+            </a:r>
+            <a:endParaRPr lang="en-US" dirty="0"/>
+          </a:p>
+        </p:txBody>
+      </p:sp>
+      <p:sp>
+        <p:nvSpPr>
+          <p:cNvPr id="3" name="Text Placeholder 2"/>
+          <p:cNvSpPr>
+            <a:spLocks noGrp="1"/>
+          </p:cNvSpPr>
+          <p:nvPr>
+            <p:ph type="body" idx="1"/>
+          </p:nvPr>
+        </p:nvSpPr>
+        <p:spPr>
+          <a:xfrm>
+            <a:off x="471488" y="3245556"/>
+            <a:ext cx="5915025" cy="7735712"/>
+          </a:xfrm>
+          <a:prstGeom prst="rect">
+            <a:avLst/>
+          </a:prstGeom>
+        </p:spPr>
+        <p:txBody>
+          <a:bodyPr vert="horz" lIns="91440" tIns="45720" rIns="91440" bIns="45720" rtlCol="0">
+            <a:normAutofit/>
+          </a:bodyPr>
+          <a:lstStyle/>
+          <a:p>
+            <a:pPr lvl="0"/>
+            <a:r>
+              <a:rPr lang="en-US"/>
+              <a:t>Click to edit Master text styles</a:t>
+            </a:r>
+          </a:p>
+          <a:p>
+            <a:pPr lvl="1"/>
+            <a:r>
+              <a:rPr lang="en-US"/>
+              <a:t>Second level</a:t>
+            </a:r>
+          </a:p>
+          <a:p>
+            <a:pPr lvl="2"/>
+            <a:r>
+              <a:rPr lang="en-US"/>
+              <a:t>Third level</a:t>
+            </a:r>
+          </a:p>
+          <a:p>
+            <a:pPr lvl="3"/>
+            <a:r>
+              <a:rPr lang="en-US"/>
+              <a:t>Fourth level</a:t>
+            </a:r>
+          </a:p>
+          <a:p>
+            <a:pPr lvl="4"/>
+            <a:r>
+              <a:rPr lang="en-US"/>
+              <a:t>Fifth level</a:t>
+            </a:r>
+            <a:endParaRPr lang="en-US" dirty="0"/>
+          </a:p>
+        </p:txBody>
+      </p:sp>
+      <p:sp>
+        <p:nvSpPr>
+          <p:cNvPr id="4" name="Date Placeholder 3"/>
+          <p:cNvSpPr>
+            <a:spLocks noGrp="1"/>
+          </p:cNvSpPr>
+          <p:nvPr>
+            <p:ph type="dt" sz="half" idx="2"/>
+          </p:nvPr>
+        </p:nvSpPr>
+        <p:spPr>
+          <a:xfrm>
+            <a:off x="471488" y="11300181"/>
+            <a:ext cx="1543050" cy="649111"/>
+          </a:xfrm>
+          <a:prstGeom prst="rect">
+            <a:avLst/>
+          </a:prstGeom>
+        </p:spPr>
+        <p:txBody>
+          <a:bodyPr vert="horz" lIns="91440" tIns="45720" rIns="91440" bIns="45720" rtlCol="0" anchor="ctr"/>
+          <a:lstStyle>
+            <a:lvl1pPr algn="l">
+              <a:defRPr sz="900">
+                <a:solidFill>
+                  <a:schemeClr val="tx1">
+                    <a:tint val="75000"/>
+                  </a:schemeClr>
+                </a:solidFill>
+              </a:defRPr>
+            </a:lvl1pPr>
+          </a:lstStyle>
+          <a:p>
+            <a:fld id="{7EE7D3BB-03F0-482C-9432-368A42D3C827}" type="datetimeFigureOut">
+              <a:rPr lang="de-DE" smtClean="0"/>
+              <a:t>23.01.2023</a:t>
+            </a:fld>
+            <a:endParaRPr lang="de-DE"/>
+          </a:p>
+        </p:txBody>
+      </p:sp>
+      <p:sp>
+        <p:nvSpPr>
+          <p:cNvPr id="5" name="Footer Placeholder 4"/>
+          <p:cNvSpPr>
+            <a:spLocks noGrp="1"/>
+          </p:cNvSpPr>
+          <p:nvPr>
+            <p:ph type="ftr" sz="quarter" idx="3"/>
+          </p:nvPr>
+        </p:nvSpPr>
+        <p:spPr>
+          <a:xfrm>
+            <a:off x="2271713" y="11300181"/>
+            <a:ext cx="2314575" cy="649111"/>
+          </a:xfrm>
+          <a:prstGeom prst="rect">
+            <a:avLst/>
+          </a:prstGeom>
+        </p:spPr>
+        <p:txBody>
+          <a:bodyPr vert="horz" lIns="91440" tIns="45720" rIns="91440" bIns="45720" rtlCol="0" anchor="ctr"/>
+          <a:lstStyle>
+            <a:lvl1pPr algn="ctr">
+              <a:defRPr sz="900">
+                <a:solidFill>
+                  <a:schemeClr val="tx1">
+                    <a:tint val="75000"/>
+                  </a:schemeClr>
+                </a:solidFill>
+              </a:defRPr>
+            </a:lvl1pPr>
+          </a:lstStyle>
+          <a:p>
+            <a:endParaRPr lang="de-DE"/>
+          </a:p>
+        </p:txBody>
+      </p:sp>
+      <p:sp>
+        <p:nvSpPr>
+          <p:cNvPr id="6" name="Slide Number Placeholder 5"/>
+          <p:cNvSpPr>
+            <a:spLocks noGrp="1"/>
+          </p:cNvSpPr>
+          <p:nvPr>
+            <p:ph type="sldNum" sz="quarter" idx="4"/>
+          </p:nvPr>
+        </p:nvSpPr>
+        <p:spPr>
+          <a:xfrm>
+            <a:off x="4843463" y="11300181"/>
+            <a:ext cx="1543050" cy="649111"/>
+          </a:xfrm>
+          <a:prstGeom prst="rect">
+            <a:avLst/>
+          </a:prstGeom>
+        </p:spPr>
+        <p:txBody>
+          <a:bodyPr vert="horz" lIns="91440" tIns="45720" rIns="91440" bIns="45720" rtlCol="0" anchor="ctr"/>
+          <a:lstStyle>
+            <a:lvl1pPr algn="r">
+              <a:defRPr sz="900">
+                <a:solidFill>
+                  <a:schemeClr val="tx1">
+                    <a:tint val="75000"/>
+                  </a:schemeClr>
+                </a:solidFill>
+              </a:defRPr>
+            </a:lvl1pPr>
+          </a:lstStyle>
+          <a:p>
+            <a:fld id="{6641A9FE-A833-4618-BC05-644D31A09D64}" type="slidenum">
+              <a:rPr lang="de-DE" smtClean="0"/>
+              <a:t>‹#›</a:t>
+            </a:fld>
+            <a:endParaRPr lang="de-DE"/>
+          </a:p>
+        </p:txBody>
+      </p:sp>
       <p:graphicFrame>
         <p:nvGraphicFramePr>
-          <p:cNvPr id="8" name="Object 7" hidden="1">
+          <p:cNvPr id="7" name="Object 6" hidden="1">
             <a:extLst>
               <a:ext uri="{FF2B5EF4-FFF2-40B4-BE49-F238E27FC236}">
-                <a16:creationId xmlns:a16="http://schemas.microsoft.com/office/drawing/2014/main" id="{497BFF5B-F212-8D5D-0695-D39568E97573}"/>
+                <a16:creationId xmlns:a16="http://schemas.microsoft.com/office/drawing/2014/main" id="{847DEA04-5B2B-27CC-752A-15D2139E79BC}"/>
               </a:ext>
             </a:extLst>
           </p:cNvPr>
@@ -2798,14 +3686,14 @@
             </p:custDataLst>
             <p:extLst>
               <p:ext uri="{D42A27DB-BD31-4B8C-83A1-F6EECF244321}">
-                <p14:modId xmlns:p14="http://schemas.microsoft.com/office/powerpoint/2010/main" val="3540561815"/>
+                <p14:modId xmlns:p14="http://schemas.microsoft.com/office/powerpoint/2010/main" val="3948187746"/>
               </p:ext>
             </p:extLst>
           </p:nvPr>
         </p:nvGraphicFramePr>
         <p:xfrm>
-          <a:off x="1588" y="1588"/>
-          <a:ext cx="1588" cy="1588"/>
+          <a:off x="893" y="2823"/>
+          <a:ext cx="893" cy="2823"/>
         </p:xfrm>
         <a:graphic>
           <a:graphicData uri="http://schemas.openxmlformats.org/presentationml/2006/ole">
@@ -2820,7 +3708,13 @@
                   <p:embed/>
                   <p:pic>
                     <p:nvPicPr>
-                      <p:cNvPr id="0" name=""/>
+                      <p:cNvPr id="7" name="Object 6" hidden="1">
+                        <a:extLst>
+                          <a:ext uri="{FF2B5EF4-FFF2-40B4-BE49-F238E27FC236}">
+                            <a16:creationId xmlns:a16="http://schemas.microsoft.com/office/drawing/2014/main" id="{847DEA04-5B2B-27CC-752A-15D2139E79BC}"/>
+                          </a:ext>
+                        </a:extLst>
+                      </p:cNvPr>
                       <p:cNvPicPr/>
                       <p:nvPr/>
                     </p:nvPicPr>
@@ -2832,8 +3726,8 @@
                     </p:blipFill>
                     <p:spPr>
                       <a:xfrm>
-                        <a:off x="1588" y="1588"/>
-                        <a:ext cx="1588" cy="1588"/>
+                        <a:off x="893" y="2823"/>
+                        <a:ext cx="893" cy="2823"/>
                       </a:xfrm>
                       <a:prstGeom prst="rect">
                         <a:avLst/>
@@ -2846,274 +3740,30 @@
           </a:graphicData>
         </a:graphic>
       </p:graphicFrame>
-      <p:sp>
-        <p:nvSpPr>
-          <p:cNvPr id="2" name="Title Placeholder 1">
-            <a:extLst>
-              <a:ext uri="{FF2B5EF4-FFF2-40B4-BE49-F238E27FC236}">
-                <a16:creationId xmlns:a16="http://schemas.microsoft.com/office/drawing/2014/main" id="{4FAE5F98-3150-2AC1-F6F7-E2A70ACED7DC}"/>
-              </a:ext>
-            </a:extLst>
-          </p:cNvPr>
-          <p:cNvSpPr>
-            <a:spLocks noGrp="1"/>
-          </p:cNvSpPr>
-          <p:nvPr>
-            <p:ph type="title"/>
-          </p:nvPr>
-        </p:nvSpPr>
-        <p:spPr>
-          <a:xfrm>
-            <a:off x="838200" y="365125"/>
-            <a:ext cx="10515600" cy="1325563"/>
-          </a:xfrm>
-          <a:prstGeom prst="rect">
-            <a:avLst/>
-          </a:prstGeom>
-        </p:spPr>
-        <p:txBody>
-          <a:bodyPr vert="horz" lIns="91440" tIns="45720" rIns="91440" bIns="45720" rtlCol="0" anchor="ctr">
-            <a:normAutofit/>
-          </a:bodyPr>
-          <a:lstStyle/>
-          <a:p>
-            <a:r>
-              <a:rPr lang="en-US"/>
-              <a:t>Click to edit Master title style</a:t>
-            </a:r>
-            <a:endParaRPr lang="de-DE"/>
-          </a:p>
-        </p:txBody>
-      </p:sp>
-      <p:sp>
-        <p:nvSpPr>
-          <p:cNvPr id="3" name="Text Placeholder 2">
-            <a:extLst>
-              <a:ext uri="{FF2B5EF4-FFF2-40B4-BE49-F238E27FC236}">
-                <a16:creationId xmlns:a16="http://schemas.microsoft.com/office/drawing/2014/main" id="{5A1BC22C-72BD-E73F-3100-618A70CF9BD4}"/>
-              </a:ext>
-            </a:extLst>
-          </p:cNvPr>
-          <p:cNvSpPr>
-            <a:spLocks noGrp="1"/>
-          </p:cNvSpPr>
-          <p:nvPr>
-            <p:ph type="body" idx="1"/>
-          </p:nvPr>
-        </p:nvSpPr>
-        <p:spPr>
-          <a:xfrm>
-            <a:off x="838200" y="1825625"/>
-            <a:ext cx="10515600" cy="4351338"/>
-          </a:xfrm>
-          <a:prstGeom prst="rect">
-            <a:avLst/>
-          </a:prstGeom>
-        </p:spPr>
-        <p:txBody>
-          <a:bodyPr vert="horz" lIns="91440" tIns="45720" rIns="91440" bIns="45720" rtlCol="0">
-            <a:normAutofit/>
-          </a:bodyPr>
-          <a:lstStyle/>
-          <a:p>
-            <a:pPr lvl="0"/>
-            <a:r>
-              <a:rPr lang="en-US"/>
-              <a:t>Click to edit Master text styles</a:t>
-            </a:r>
-          </a:p>
-          <a:p>
-            <a:pPr lvl="1"/>
-            <a:r>
-              <a:rPr lang="en-US"/>
-              <a:t>Second level</a:t>
-            </a:r>
-          </a:p>
-          <a:p>
-            <a:pPr lvl="2"/>
-            <a:r>
-              <a:rPr lang="en-US"/>
-              <a:t>Third level</a:t>
-            </a:r>
-          </a:p>
-          <a:p>
-            <a:pPr lvl="3"/>
-            <a:r>
-              <a:rPr lang="en-US"/>
-              <a:t>Fourth level</a:t>
-            </a:r>
-          </a:p>
-          <a:p>
-            <a:pPr lvl="4"/>
-            <a:r>
-              <a:rPr lang="en-US"/>
-              <a:t>Fifth level</a:t>
-            </a:r>
-            <a:endParaRPr lang="de-DE"/>
-          </a:p>
-        </p:txBody>
-      </p:sp>
-      <p:sp>
-        <p:nvSpPr>
-          <p:cNvPr id="4" name="Date Placeholder 3">
-            <a:extLst>
-              <a:ext uri="{FF2B5EF4-FFF2-40B4-BE49-F238E27FC236}">
-                <a16:creationId xmlns:a16="http://schemas.microsoft.com/office/drawing/2014/main" id="{46E4CF3F-E5F0-E360-1B08-A3F1A7362424}"/>
-              </a:ext>
-            </a:extLst>
-          </p:cNvPr>
-          <p:cNvSpPr>
-            <a:spLocks noGrp="1"/>
-          </p:cNvSpPr>
-          <p:nvPr>
-            <p:ph type="dt" sz="half" idx="2"/>
-          </p:nvPr>
-        </p:nvSpPr>
-        <p:spPr>
-          <a:xfrm>
-            <a:off x="838200" y="6356350"/>
-            <a:ext cx="2743200" cy="365125"/>
-          </a:xfrm>
-          <a:prstGeom prst="rect">
-            <a:avLst/>
-          </a:prstGeom>
-        </p:spPr>
-        <p:txBody>
-          <a:bodyPr vert="horz" lIns="91440" tIns="45720" rIns="91440" bIns="45720" rtlCol="0" anchor="ctr"/>
-          <a:lstStyle>
-            <a:lvl1pPr algn="l">
-              <a:defRPr sz="1200">
-                <a:solidFill>
-                  <a:schemeClr val="tx1">
-                    <a:tint val="75000"/>
-                  </a:schemeClr>
-                </a:solidFill>
-              </a:defRPr>
-            </a:lvl1pPr>
-          </a:lstStyle>
-          <a:p>
-            <a:fld id="{7EE7D3BB-03F0-482C-9432-368A42D3C827}" type="datetimeFigureOut">
-              <a:rPr lang="de-DE" smtClean="0"/>
-              <a:t>14.01.2023</a:t>
-            </a:fld>
-            <a:endParaRPr lang="de-DE"/>
-          </a:p>
-        </p:txBody>
-      </p:sp>
-      <p:sp>
-        <p:nvSpPr>
-          <p:cNvPr id="5" name="Footer Placeholder 4">
-            <a:extLst>
-              <a:ext uri="{FF2B5EF4-FFF2-40B4-BE49-F238E27FC236}">
-                <a16:creationId xmlns:a16="http://schemas.microsoft.com/office/drawing/2014/main" id="{F1FFA360-0E3E-1EBA-57DE-CF7D9363EF83}"/>
-              </a:ext>
-            </a:extLst>
-          </p:cNvPr>
-          <p:cNvSpPr>
-            <a:spLocks noGrp="1"/>
-          </p:cNvSpPr>
-          <p:nvPr>
-            <p:ph type="ftr" sz="quarter" idx="3"/>
-          </p:nvPr>
-        </p:nvSpPr>
-        <p:spPr>
-          <a:xfrm>
-            <a:off x="4038600" y="6356350"/>
-            <a:ext cx="4114800" cy="365125"/>
-          </a:xfrm>
-          <a:prstGeom prst="rect">
-            <a:avLst/>
-          </a:prstGeom>
-        </p:spPr>
-        <p:txBody>
-          <a:bodyPr vert="horz" lIns="91440" tIns="45720" rIns="91440" bIns="45720" rtlCol="0" anchor="ctr"/>
-          <a:lstStyle>
-            <a:lvl1pPr algn="ctr">
-              <a:defRPr sz="1200">
-                <a:solidFill>
-                  <a:schemeClr val="tx1">
-                    <a:tint val="75000"/>
-                  </a:schemeClr>
-                </a:solidFill>
-              </a:defRPr>
-            </a:lvl1pPr>
-          </a:lstStyle>
-          <a:p>
-            <a:endParaRPr lang="de-DE"/>
-          </a:p>
-        </p:txBody>
-      </p:sp>
-      <p:sp>
-        <p:nvSpPr>
-          <p:cNvPr id="6" name="Slide Number Placeholder 5">
-            <a:extLst>
-              <a:ext uri="{FF2B5EF4-FFF2-40B4-BE49-F238E27FC236}">
-                <a16:creationId xmlns:a16="http://schemas.microsoft.com/office/drawing/2014/main" id="{12430CB0-6A44-3AC2-ABAC-071784526D09}"/>
-              </a:ext>
-            </a:extLst>
-          </p:cNvPr>
-          <p:cNvSpPr>
-            <a:spLocks noGrp="1"/>
-          </p:cNvSpPr>
-          <p:nvPr>
-            <p:ph type="sldNum" sz="quarter" idx="4"/>
-          </p:nvPr>
-        </p:nvSpPr>
-        <p:spPr>
-          <a:xfrm>
-            <a:off x="8610600" y="6356350"/>
-            <a:ext cx="2743200" cy="365125"/>
-          </a:xfrm>
-          <a:prstGeom prst="rect">
-            <a:avLst/>
-          </a:prstGeom>
-        </p:spPr>
-        <p:txBody>
-          <a:bodyPr vert="horz" lIns="91440" tIns="45720" rIns="91440" bIns="45720" rtlCol="0" anchor="ctr"/>
-          <a:lstStyle>
-            <a:lvl1pPr algn="r">
-              <a:defRPr sz="1200">
-                <a:solidFill>
-                  <a:schemeClr val="tx1">
-                    <a:tint val="75000"/>
-                  </a:schemeClr>
-                </a:solidFill>
-              </a:defRPr>
-            </a:lvl1pPr>
-          </a:lstStyle>
-          <a:p>
-            <a:fld id="{6641A9FE-A833-4618-BC05-644D31A09D64}" type="slidenum">
-              <a:rPr lang="de-DE" smtClean="0"/>
-              <a:t>‹#›</a:t>
-            </a:fld>
-            <a:endParaRPr lang="de-DE"/>
-          </a:p>
-        </p:txBody>
-      </p:sp>
     </p:spTree>
     <p:extLst>
       <p:ext uri="{BB962C8B-B14F-4D97-AF65-F5344CB8AC3E}">
-        <p14:creationId xmlns:p14="http://schemas.microsoft.com/office/powerpoint/2010/main" val="129993504"/>
+        <p14:creationId xmlns:p14="http://schemas.microsoft.com/office/powerpoint/2010/main" val="1101635524"/>
       </p:ext>
     </p:extLst>
   </p:cSld>
   <p:clrMap bg1="lt1" tx1="dk1" bg2="lt2" tx2="dk2" accent1="accent1" accent2="accent2" accent3="accent3" accent4="accent4" accent5="accent5" accent6="accent6" hlink="hlink" folHlink="folHlink"/>
   <p:sldLayoutIdLst>
-    <p:sldLayoutId id="2147483649" r:id="rId1"/>
-    <p:sldLayoutId id="2147483650" r:id="rId2"/>
-    <p:sldLayoutId id="2147483651" r:id="rId3"/>
-    <p:sldLayoutId id="2147483652" r:id="rId4"/>
-    <p:sldLayoutId id="2147483653" r:id="rId5"/>
-    <p:sldLayoutId id="2147483654" r:id="rId6"/>
-    <p:sldLayoutId id="2147483655" r:id="rId7"/>
-    <p:sldLayoutId id="2147483656" r:id="rId8"/>
-    <p:sldLayoutId id="2147483657" r:id="rId9"/>
-    <p:sldLayoutId id="2147483658" r:id="rId10"/>
-    <p:sldLayoutId id="2147483659" r:id="rId11"/>
+    <p:sldLayoutId id="2147483661" r:id="rId1"/>
+    <p:sldLayoutId id="2147483662" r:id="rId2"/>
+    <p:sldLayoutId id="2147483663" r:id="rId3"/>
+    <p:sldLayoutId id="2147483664" r:id="rId4"/>
+    <p:sldLayoutId id="2147483665" r:id="rId5"/>
+    <p:sldLayoutId id="2147483666" r:id="rId6"/>
+    <p:sldLayoutId id="2147483667" r:id="rId7"/>
+    <p:sldLayoutId id="2147483668" r:id="rId8"/>
+    <p:sldLayoutId id="2147483669" r:id="rId9"/>
+    <p:sldLayoutId id="2147483670" r:id="rId10"/>
+    <p:sldLayoutId id="2147483671" r:id="rId11"/>
   </p:sldLayoutIdLst>
   <p:txStyles>
     <p:titleStyle>
-      <a:lvl1pPr algn="l" defTabSz="914400" rtl="0" eaLnBrk="1" latinLnBrk="0" hangingPunct="1">
+      <a:lvl1pPr algn="l" defTabSz="685800" rtl="0" eaLnBrk="1" latinLnBrk="0" hangingPunct="1">
         <a:lnSpc>
           <a:spcPct val="90000"/>
         </a:lnSpc>
@@ -3121,7 +3771,7 @@
           <a:spcPct val="0"/>
         </a:spcBef>
         <a:buNone/>
-        <a:defRPr sz="4400" kern="1200">
+        <a:defRPr sz="3300" kern="1200">
           <a:solidFill>
             <a:schemeClr val="tx1"/>
           </a:solidFill>
@@ -3132,16 +3782,16 @@
       </a:lvl1pPr>
     </p:titleStyle>
     <p:bodyStyle>
-      <a:lvl1pPr marL="228600" indent="-228600" algn="l" defTabSz="914400" rtl="0" eaLnBrk="1" latinLnBrk="0" hangingPunct="1">
+      <a:lvl1pPr marL="171450" indent="-171450" algn="l" defTabSz="685800" rtl="0" eaLnBrk="1" latinLnBrk="0" hangingPunct="1">
         <a:lnSpc>
           <a:spcPct val="90000"/>
         </a:lnSpc>
         <a:spcBef>
-          <a:spcPts val="1000"/>
+          <a:spcPts val="750"/>
         </a:spcBef>
         <a:buFont typeface="Arial" panose="020B0604020202020204" pitchFamily="34" charset="0"/>
         <a:buChar char="•"/>
-        <a:defRPr sz="2800" kern="1200">
+        <a:defRPr sz="2100" kern="1200">
           <a:solidFill>
             <a:schemeClr val="tx1"/>
           </a:solidFill>
@@ -3150,48 +3800,12 @@
           <a:cs typeface="+mn-cs"/>
         </a:defRPr>
       </a:lvl1pPr>
-      <a:lvl2pPr marL="685800" indent="-228600" algn="l" defTabSz="914400" rtl="0" eaLnBrk="1" latinLnBrk="0" hangingPunct="1">
+      <a:lvl2pPr marL="514350" indent="-171450" algn="l" defTabSz="685800" rtl="0" eaLnBrk="1" latinLnBrk="0" hangingPunct="1">
         <a:lnSpc>
           <a:spcPct val="90000"/>
         </a:lnSpc>
         <a:spcBef>
-          <a:spcPts val="500"/>
-        </a:spcBef>
-        <a:buFont typeface="Arial" panose="020B0604020202020204" pitchFamily="34" charset="0"/>
-        <a:buChar char="•"/>
-        <a:defRPr sz="2400" kern="1200">
-          <a:solidFill>
-            <a:schemeClr val="tx1"/>
-          </a:solidFill>
-          <a:latin typeface="+mn-lt"/>
-          <a:ea typeface="+mn-ea"/>
-          <a:cs typeface="+mn-cs"/>
-        </a:defRPr>
-      </a:lvl2pPr>
-      <a:lvl3pPr marL="1143000" indent="-228600" algn="l" defTabSz="914400" rtl="0" eaLnBrk="1" latinLnBrk="0" hangingPunct="1">
-        <a:lnSpc>
-          <a:spcPct val="90000"/>
-        </a:lnSpc>
-        <a:spcBef>
-          <a:spcPts val="500"/>
-        </a:spcBef>
-        <a:buFont typeface="Arial" panose="020B0604020202020204" pitchFamily="34" charset="0"/>
-        <a:buChar char="•"/>
-        <a:defRPr sz="2000" kern="1200">
-          <a:solidFill>
-            <a:schemeClr val="tx1"/>
-          </a:solidFill>
-          <a:latin typeface="+mn-lt"/>
-          <a:ea typeface="+mn-ea"/>
-          <a:cs typeface="+mn-cs"/>
-        </a:defRPr>
-      </a:lvl3pPr>
-      <a:lvl4pPr marL="1600200" indent="-228600" algn="l" defTabSz="914400" rtl="0" eaLnBrk="1" latinLnBrk="0" hangingPunct="1">
-        <a:lnSpc>
-          <a:spcPct val="90000"/>
-        </a:lnSpc>
-        <a:spcBef>
-          <a:spcPts val="500"/>
+          <a:spcPts val="375"/>
         </a:spcBef>
         <a:buFont typeface="Arial" panose="020B0604020202020204" pitchFamily="34" charset="0"/>
         <a:buChar char="•"/>
@@ -3203,17 +3817,53 @@
           <a:ea typeface="+mn-ea"/>
           <a:cs typeface="+mn-cs"/>
         </a:defRPr>
-      </a:lvl4pPr>
-      <a:lvl5pPr marL="2057400" indent="-228600" algn="l" defTabSz="914400" rtl="0" eaLnBrk="1" latinLnBrk="0" hangingPunct="1">
+      </a:lvl2pPr>
+      <a:lvl3pPr marL="857250" indent="-171450" algn="l" defTabSz="685800" rtl="0" eaLnBrk="1" latinLnBrk="0" hangingPunct="1">
         <a:lnSpc>
           <a:spcPct val="90000"/>
         </a:lnSpc>
         <a:spcBef>
-          <a:spcPts val="500"/>
+          <a:spcPts val="375"/>
         </a:spcBef>
         <a:buFont typeface="Arial" panose="020B0604020202020204" pitchFamily="34" charset="0"/>
         <a:buChar char="•"/>
-        <a:defRPr sz="1800" kern="1200">
+        <a:defRPr sz="1500" kern="1200">
+          <a:solidFill>
+            <a:schemeClr val="tx1"/>
+          </a:solidFill>
+          <a:latin typeface="+mn-lt"/>
+          <a:ea typeface="+mn-ea"/>
+          <a:cs typeface="+mn-cs"/>
+        </a:defRPr>
+      </a:lvl3pPr>
+      <a:lvl4pPr marL="1200150" indent="-171450" algn="l" defTabSz="685800" rtl="0" eaLnBrk="1" latinLnBrk="0" hangingPunct="1">
+        <a:lnSpc>
+          <a:spcPct val="90000"/>
+        </a:lnSpc>
+        <a:spcBef>
+          <a:spcPts val="375"/>
+        </a:spcBef>
+        <a:buFont typeface="Arial" panose="020B0604020202020204" pitchFamily="34" charset="0"/>
+        <a:buChar char="•"/>
+        <a:defRPr sz="1350" kern="1200">
+          <a:solidFill>
+            <a:schemeClr val="tx1"/>
+          </a:solidFill>
+          <a:latin typeface="+mn-lt"/>
+          <a:ea typeface="+mn-ea"/>
+          <a:cs typeface="+mn-cs"/>
+        </a:defRPr>
+      </a:lvl4pPr>
+      <a:lvl5pPr marL="1543050" indent="-171450" algn="l" defTabSz="685800" rtl="0" eaLnBrk="1" latinLnBrk="0" hangingPunct="1">
+        <a:lnSpc>
+          <a:spcPct val="90000"/>
+        </a:lnSpc>
+        <a:spcBef>
+          <a:spcPts val="375"/>
+        </a:spcBef>
+        <a:buFont typeface="Arial" panose="020B0604020202020204" pitchFamily="34" charset="0"/>
+        <a:buChar char="•"/>
+        <a:defRPr sz="1350" kern="1200">
           <a:solidFill>
             <a:schemeClr val="tx1"/>
           </a:solidFill>
@@ -3222,16 +3872,16 @@
           <a:cs typeface="+mn-cs"/>
         </a:defRPr>
       </a:lvl5pPr>
-      <a:lvl6pPr marL="2514600" indent="-228600" algn="l" defTabSz="914400" rtl="0" eaLnBrk="1" latinLnBrk="0" hangingPunct="1">
+      <a:lvl6pPr marL="1885950" indent="-171450" algn="l" defTabSz="685800" rtl="0" eaLnBrk="1" latinLnBrk="0" hangingPunct="1">
         <a:lnSpc>
           <a:spcPct val="90000"/>
         </a:lnSpc>
         <a:spcBef>
-          <a:spcPts val="500"/>
+          <a:spcPts val="375"/>
         </a:spcBef>
         <a:buFont typeface="Arial" panose="020B0604020202020204" pitchFamily="34" charset="0"/>
         <a:buChar char="•"/>
-        <a:defRPr sz="1800" kern="1200">
+        <a:defRPr sz="1350" kern="1200">
           <a:solidFill>
             <a:schemeClr val="tx1"/>
           </a:solidFill>
@@ -3240,16 +3890,16 @@
           <a:cs typeface="+mn-cs"/>
         </a:defRPr>
       </a:lvl6pPr>
-      <a:lvl7pPr marL="2971800" indent="-228600" algn="l" defTabSz="914400" rtl="0" eaLnBrk="1" latinLnBrk="0" hangingPunct="1">
+      <a:lvl7pPr marL="2228850" indent="-171450" algn="l" defTabSz="685800" rtl="0" eaLnBrk="1" latinLnBrk="0" hangingPunct="1">
         <a:lnSpc>
           <a:spcPct val="90000"/>
         </a:lnSpc>
         <a:spcBef>
-          <a:spcPts val="500"/>
+          <a:spcPts val="375"/>
         </a:spcBef>
         <a:buFont typeface="Arial" panose="020B0604020202020204" pitchFamily="34" charset="0"/>
         <a:buChar char="•"/>
-        <a:defRPr sz="1800" kern="1200">
+        <a:defRPr sz="1350" kern="1200">
           <a:solidFill>
             <a:schemeClr val="tx1"/>
           </a:solidFill>
@@ -3258,16 +3908,16 @@
           <a:cs typeface="+mn-cs"/>
         </a:defRPr>
       </a:lvl7pPr>
-      <a:lvl8pPr marL="3429000" indent="-228600" algn="l" defTabSz="914400" rtl="0" eaLnBrk="1" latinLnBrk="0" hangingPunct="1">
+      <a:lvl8pPr marL="2571750" indent="-171450" algn="l" defTabSz="685800" rtl="0" eaLnBrk="1" latinLnBrk="0" hangingPunct="1">
         <a:lnSpc>
           <a:spcPct val="90000"/>
         </a:lnSpc>
         <a:spcBef>
-          <a:spcPts val="500"/>
+          <a:spcPts val="375"/>
         </a:spcBef>
         <a:buFont typeface="Arial" panose="020B0604020202020204" pitchFamily="34" charset="0"/>
         <a:buChar char="•"/>
-        <a:defRPr sz="1800" kern="1200">
+        <a:defRPr sz="1350" kern="1200">
           <a:solidFill>
             <a:schemeClr val="tx1"/>
           </a:solidFill>
@@ -3276,16 +3926,16 @@
           <a:cs typeface="+mn-cs"/>
         </a:defRPr>
       </a:lvl8pPr>
-      <a:lvl9pPr marL="3886200" indent="-228600" algn="l" defTabSz="914400" rtl="0" eaLnBrk="1" latinLnBrk="0" hangingPunct="1">
+      <a:lvl9pPr marL="2914650" indent="-171450" algn="l" defTabSz="685800" rtl="0" eaLnBrk="1" latinLnBrk="0" hangingPunct="1">
         <a:lnSpc>
           <a:spcPct val="90000"/>
         </a:lnSpc>
         <a:spcBef>
-          <a:spcPts val="500"/>
+          <a:spcPts val="375"/>
         </a:spcBef>
         <a:buFont typeface="Arial" panose="020B0604020202020204" pitchFamily="34" charset="0"/>
         <a:buChar char="•"/>
-        <a:defRPr sz="1800" kern="1200">
+        <a:defRPr sz="1350" kern="1200">
           <a:solidFill>
             <a:schemeClr val="tx1"/>
           </a:solidFill>
@@ -3297,10 +3947,10 @@
     </p:bodyStyle>
     <p:otherStyle>
       <a:defPPr>
-        <a:defRPr lang="de-DE"/>
+        <a:defRPr lang="en-US"/>
       </a:defPPr>
-      <a:lvl1pPr marL="0" algn="l" defTabSz="914400" rtl="0" eaLnBrk="1" latinLnBrk="0" hangingPunct="1">
-        <a:defRPr sz="1800" kern="1200">
+      <a:lvl1pPr marL="0" algn="l" defTabSz="685800" rtl="0" eaLnBrk="1" latinLnBrk="0" hangingPunct="1">
+        <a:defRPr sz="1350" kern="1200">
           <a:solidFill>
             <a:schemeClr val="tx1"/>
           </a:solidFill>
@@ -3309,8 +3959,8 @@
           <a:cs typeface="+mn-cs"/>
         </a:defRPr>
       </a:lvl1pPr>
-      <a:lvl2pPr marL="457200" algn="l" defTabSz="914400" rtl="0" eaLnBrk="1" latinLnBrk="0" hangingPunct="1">
-        <a:defRPr sz="1800" kern="1200">
+      <a:lvl2pPr marL="342900" algn="l" defTabSz="685800" rtl="0" eaLnBrk="1" latinLnBrk="0" hangingPunct="1">
+        <a:defRPr sz="1350" kern="1200">
           <a:solidFill>
             <a:schemeClr val="tx1"/>
           </a:solidFill>
@@ -3319,8 +3969,8 @@
           <a:cs typeface="+mn-cs"/>
         </a:defRPr>
       </a:lvl2pPr>
-      <a:lvl3pPr marL="914400" algn="l" defTabSz="914400" rtl="0" eaLnBrk="1" latinLnBrk="0" hangingPunct="1">
-        <a:defRPr sz="1800" kern="1200">
+      <a:lvl3pPr marL="685800" algn="l" defTabSz="685800" rtl="0" eaLnBrk="1" latinLnBrk="0" hangingPunct="1">
+        <a:defRPr sz="1350" kern="1200">
           <a:solidFill>
             <a:schemeClr val="tx1"/>
           </a:solidFill>
@@ -3329,8 +3979,8 @@
           <a:cs typeface="+mn-cs"/>
         </a:defRPr>
       </a:lvl3pPr>
-      <a:lvl4pPr marL="1371600" algn="l" defTabSz="914400" rtl="0" eaLnBrk="1" latinLnBrk="0" hangingPunct="1">
-        <a:defRPr sz="1800" kern="1200">
+      <a:lvl4pPr marL="1028700" algn="l" defTabSz="685800" rtl="0" eaLnBrk="1" latinLnBrk="0" hangingPunct="1">
+        <a:defRPr sz="1350" kern="1200">
           <a:solidFill>
             <a:schemeClr val="tx1"/>
           </a:solidFill>
@@ -3339,8 +3989,8 @@
           <a:cs typeface="+mn-cs"/>
         </a:defRPr>
       </a:lvl4pPr>
-      <a:lvl5pPr marL="1828800" algn="l" defTabSz="914400" rtl="0" eaLnBrk="1" latinLnBrk="0" hangingPunct="1">
-        <a:defRPr sz="1800" kern="1200">
+      <a:lvl5pPr marL="1371600" algn="l" defTabSz="685800" rtl="0" eaLnBrk="1" latinLnBrk="0" hangingPunct="1">
+        <a:defRPr sz="1350" kern="1200">
           <a:solidFill>
             <a:schemeClr val="tx1"/>
           </a:solidFill>
@@ -3349,8 +3999,8 @@
           <a:cs typeface="+mn-cs"/>
         </a:defRPr>
       </a:lvl5pPr>
-      <a:lvl6pPr marL="2286000" algn="l" defTabSz="914400" rtl="0" eaLnBrk="1" latinLnBrk="0" hangingPunct="1">
-        <a:defRPr sz="1800" kern="1200">
+      <a:lvl6pPr marL="1714500" algn="l" defTabSz="685800" rtl="0" eaLnBrk="1" latinLnBrk="0" hangingPunct="1">
+        <a:defRPr sz="1350" kern="1200">
           <a:solidFill>
             <a:schemeClr val="tx1"/>
           </a:solidFill>
@@ -3359,8 +4009,8 @@
           <a:cs typeface="+mn-cs"/>
         </a:defRPr>
       </a:lvl6pPr>
-      <a:lvl7pPr marL="2743200" algn="l" defTabSz="914400" rtl="0" eaLnBrk="1" latinLnBrk="0" hangingPunct="1">
-        <a:defRPr sz="1800" kern="1200">
+      <a:lvl7pPr marL="2057400" algn="l" defTabSz="685800" rtl="0" eaLnBrk="1" latinLnBrk="0" hangingPunct="1">
+        <a:defRPr sz="1350" kern="1200">
           <a:solidFill>
             <a:schemeClr val="tx1"/>
           </a:solidFill>
@@ -3369,8 +4019,8 @@
           <a:cs typeface="+mn-cs"/>
         </a:defRPr>
       </a:lvl7pPr>
-      <a:lvl8pPr marL="3200400" algn="l" defTabSz="914400" rtl="0" eaLnBrk="1" latinLnBrk="0" hangingPunct="1">
-        <a:defRPr sz="1800" kern="1200">
+      <a:lvl8pPr marL="2400300" algn="l" defTabSz="685800" rtl="0" eaLnBrk="1" latinLnBrk="0" hangingPunct="1">
+        <a:defRPr sz="1350" kern="1200">
           <a:solidFill>
             <a:schemeClr val="tx1"/>
           </a:solidFill>
@@ -3379,8 +4029,8 @@
           <a:cs typeface="+mn-cs"/>
         </a:defRPr>
       </a:lvl8pPr>
-      <a:lvl9pPr marL="3657600" algn="l" defTabSz="914400" rtl="0" eaLnBrk="1" latinLnBrk="0" hangingPunct="1">
-        <a:defRPr sz="1800" kern="1200">
+      <a:lvl9pPr marL="2743200" algn="l" defTabSz="685800" rtl="0" eaLnBrk="1" latinLnBrk="0" hangingPunct="1">
+        <a:defRPr sz="1350" kern="1200">
           <a:solidFill>
             <a:schemeClr val="tx1"/>
           </a:solidFill>
@@ -3429,14 +4079,14 @@
             </p:custDataLst>
             <p:extLst>
               <p:ext uri="{D42A27DB-BD31-4B8C-83A1-F6EECF244321}">
-                <p14:modId xmlns:p14="http://schemas.microsoft.com/office/powerpoint/2010/main" val="20037482"/>
+                <p14:modId xmlns:p14="http://schemas.microsoft.com/office/powerpoint/2010/main" val="1413536538"/>
               </p:ext>
             </p:extLst>
           </p:nvPr>
         </p:nvGraphicFramePr>
         <p:xfrm>
-          <a:off x="1588" y="1588"/>
-          <a:ext cx="1588" cy="1588"/>
+          <a:off x="893" y="4168081"/>
+          <a:ext cx="893" cy="893"/>
         </p:xfrm>
         <a:graphic>
           <a:graphicData uri="http://schemas.openxmlformats.org/presentationml/2006/ole">
@@ -3451,7 +4101,13 @@
                   <p:embed/>
                   <p:pic>
                     <p:nvPicPr>
-                      <p:cNvPr id="0" name=""/>
+                      <p:cNvPr id="4" name="Object 3" hidden="1">
+                        <a:extLst>
+                          <a:ext uri="{FF2B5EF4-FFF2-40B4-BE49-F238E27FC236}">
+                            <a16:creationId xmlns:a16="http://schemas.microsoft.com/office/drawing/2014/main" id="{4528561C-E173-784D-C62A-639B46C2C231}"/>
+                          </a:ext>
+                        </a:extLst>
+                      </p:cNvPr>
                       <p:cNvPicPr/>
                       <p:nvPr/>
                     </p:nvPicPr>
@@ -3463,8 +4119,8 @@
                     </p:blipFill>
                     <p:spPr>
                       <a:xfrm>
-                        <a:off x="1588" y="1588"/>
-                        <a:ext cx="1588" cy="1588"/>
+                        <a:off x="893" y="4168081"/>
+                        <a:ext cx="893" cy="893"/>
                       </a:xfrm>
                       <a:prstGeom prst="rect">
                         <a:avLst/>
@@ -3491,8 +4147,8 @@
         </p:nvSpPr>
         <p:spPr>
           <a:xfrm>
-            <a:off x="3773617" y="1728009"/>
-            <a:ext cx="3575101" cy="1347293"/>
+            <a:off x="2216868" y="5147342"/>
+            <a:ext cx="3074379" cy="757852"/>
           </a:xfrm>
           <a:prstGeom prst="rect">
             <a:avLst/>
@@ -3518,37 +4174,37 @@
           <a:p>
             <a:pPr algn="ctr"/>
             <a:r>
-              <a:rPr lang="de-DE" sz="1100" dirty="0"/>
+              <a:rPr lang="de-DE" sz="619" dirty="0"/>
               <a:t>Docker Image</a:t>
             </a:r>
           </a:p>
           <a:p>
             <a:pPr algn="ctr"/>
-            <a:endParaRPr lang="de-DE" sz="1100" dirty="0"/>
+            <a:endParaRPr lang="de-DE" sz="619" dirty="0"/>
           </a:p>
           <a:p>
             <a:pPr algn="ctr"/>
-            <a:endParaRPr lang="de-DE" sz="1100" dirty="0"/>
+            <a:endParaRPr lang="de-DE" sz="619" dirty="0"/>
           </a:p>
           <a:p>
             <a:pPr algn="ctr"/>
-            <a:endParaRPr lang="de-DE" sz="1100" dirty="0"/>
+            <a:endParaRPr lang="de-DE" sz="619" dirty="0"/>
           </a:p>
           <a:p>
             <a:pPr algn="ctr"/>
-            <a:endParaRPr lang="de-DE" sz="1100" dirty="0"/>
+            <a:endParaRPr lang="de-DE" sz="619" dirty="0"/>
           </a:p>
           <a:p>
             <a:pPr algn="ctr"/>
-            <a:endParaRPr lang="de-DE" sz="1100" dirty="0"/>
+            <a:endParaRPr lang="de-DE" sz="619" dirty="0"/>
           </a:p>
           <a:p>
             <a:pPr algn="ctr"/>
-            <a:endParaRPr lang="de-DE" sz="1100" dirty="0"/>
+            <a:endParaRPr lang="de-DE" sz="619" dirty="0"/>
           </a:p>
           <a:p>
             <a:pPr algn="ctr"/>
-            <a:endParaRPr lang="de-DE" sz="1100" dirty="0"/>
+            <a:endParaRPr lang="de-DE" sz="619" dirty="0"/>
           </a:p>
         </p:txBody>
       </p:sp>
@@ -3566,8 +4222,8 @@
         </p:nvSpPr>
         <p:spPr>
           <a:xfrm>
-            <a:off x="5867049" y="191529"/>
-            <a:ext cx="1340221" cy="940630"/>
+            <a:off x="3447059" y="4274878"/>
+            <a:ext cx="753874" cy="529104"/>
           </a:xfrm>
           <a:prstGeom prst="rect">
             <a:avLst/>
@@ -3595,10 +4251,10 @@
           <a:p>
             <a:pPr algn="ctr"/>
             <a:r>
-              <a:rPr lang="de-DE" sz="1100" dirty="0" err="1"/>
+              <a:rPr lang="de-DE" sz="619" dirty="0" err="1"/>
               <a:t>Huggingface</a:t>
             </a:r>
-            <a:endParaRPr lang="de-DE" sz="1100" dirty="0"/>
+            <a:endParaRPr lang="de-DE" sz="619" dirty="0"/>
           </a:p>
         </p:txBody>
       </p:sp>
@@ -3616,8 +4272,8 @@
         </p:nvSpPr>
         <p:spPr>
           <a:xfrm>
-            <a:off x="5867049" y="1979080"/>
-            <a:ext cx="1340221" cy="940630"/>
+            <a:off x="3447059" y="5288570"/>
+            <a:ext cx="753874" cy="529104"/>
           </a:xfrm>
           <a:prstGeom prst="rect">
             <a:avLst/>
@@ -3645,22 +4301,22 @@
           <a:p>
             <a:pPr algn="ctr"/>
             <a:r>
-              <a:rPr lang="de-DE" sz="1100" dirty="0"/>
+              <a:rPr lang="de-DE" sz="619" dirty="0"/>
               <a:t>(</a:t>
             </a:r>
             <a:r>
-              <a:rPr lang="de-DE" sz="1100" dirty="0" err="1"/>
+              <a:rPr lang="de-DE" sz="619" dirty="0" err="1"/>
               <a:t>Tensorflow</a:t>
             </a:r>
             <a:r>
-              <a:rPr lang="de-DE" sz="1100" dirty="0"/>
+              <a:rPr lang="de-DE" sz="619" dirty="0"/>
               <a:t>)</a:t>
             </a:r>
           </a:p>
           <a:p>
             <a:pPr algn="ctr"/>
             <a:r>
-              <a:rPr lang="de-DE" sz="1100" dirty="0"/>
+              <a:rPr lang="de-DE" sz="619" dirty="0"/>
               <a:t>Model Server</a:t>
             </a:r>
           </a:p>
@@ -3680,8 +4336,8 @@
         </p:nvSpPr>
         <p:spPr>
           <a:xfrm>
-            <a:off x="3893258" y="1979080"/>
-            <a:ext cx="1340221" cy="940630"/>
+            <a:off x="2336801" y="5288569"/>
+            <a:ext cx="753874" cy="529104"/>
           </a:xfrm>
           <a:prstGeom prst="rect">
             <a:avLst/>
@@ -3709,41 +4365,41 @@
           <a:p>
             <a:pPr algn="ctr"/>
             <a:r>
-              <a:rPr lang="de-DE" sz="1100" dirty="0" err="1"/>
+              <a:rPr lang="de-DE" sz="619" dirty="0" err="1"/>
               <a:t>Gradio</a:t>
             </a:r>
             <a:r>
-              <a:rPr lang="de-DE" sz="1100" dirty="0"/>
+              <a:rPr lang="de-DE" sz="619" dirty="0"/>
               <a:t> App</a:t>
             </a:r>
           </a:p>
           <a:p>
             <a:pPr algn="ctr"/>
             <a:r>
-              <a:rPr lang="de-DE" sz="1100" dirty="0"/>
+              <a:rPr lang="de-DE" sz="619" dirty="0"/>
               <a:t>(Input: Text, Pic;</a:t>
             </a:r>
             <a:br>
-              <a:rPr lang="de-DE" sz="1100" dirty="0"/>
+              <a:rPr lang="de-DE" sz="619" dirty="0"/>
             </a:br>
             <a:r>
-              <a:rPr lang="de-DE" sz="1100" dirty="0"/>
+              <a:rPr lang="de-DE" sz="619" dirty="0"/>
               <a:t>Output: Word </a:t>
             </a:r>
             <a:r>
-              <a:rPr lang="de-DE" sz="1100" dirty="0" err="1"/>
+              <a:rPr lang="de-DE" sz="619" dirty="0" err="1"/>
               <a:t>cloud</a:t>
             </a:r>
             <a:r>
-              <a:rPr lang="de-DE" sz="1100" dirty="0"/>
+              <a:rPr lang="de-DE" sz="619" dirty="0"/>
               <a:t>, </a:t>
             </a:r>
             <a:r>
-              <a:rPr lang="de-DE" sz="1100" dirty="0" err="1"/>
+              <a:rPr lang="de-DE" sz="619" dirty="0" err="1"/>
               <a:t>statistics</a:t>
             </a:r>
             <a:r>
-              <a:rPr lang="de-DE" sz="1100" dirty="0"/>
+              <a:rPr lang="de-DE" sz="619" dirty="0"/>
               <a:t>)</a:t>
             </a:r>
           </a:p>
@@ -3763,12 +4419,18 @@
         </p:nvSpPr>
         <p:spPr>
           <a:xfrm>
-            <a:off x="7679307" y="5344393"/>
-            <a:ext cx="1340221" cy="940630"/>
+            <a:off x="4472011" y="8188600"/>
+            <a:ext cx="753874" cy="529104"/>
           </a:xfrm>
           <a:prstGeom prst="rect">
             <a:avLst/>
           </a:prstGeom>
+          <a:solidFill>
+            <a:schemeClr val="accent4">
+              <a:lumMod val="60000"/>
+              <a:lumOff val="40000"/>
+            </a:schemeClr>
+          </a:solidFill>
         </p:spPr>
         <p:style>
           <a:lnRef idx="2">
@@ -3792,18 +4454,34 @@
           <a:p>
             <a:pPr algn="ctr"/>
             <a:r>
-              <a:rPr lang="de-DE" sz="1100" dirty="0"/>
+              <a:rPr lang="de-DE" sz="619" dirty="0">
+                <a:solidFill>
+                  <a:schemeClr val="tx1"/>
+                </a:solidFill>
+              </a:rPr>
               <a:t>End </a:t>
             </a:r>
             <a:r>
-              <a:rPr lang="de-DE" sz="1100" dirty="0" err="1"/>
+              <a:rPr lang="de-DE" sz="619" dirty="0" err="1">
+                <a:solidFill>
+                  <a:schemeClr val="tx1"/>
+                </a:solidFill>
+              </a:rPr>
               <a:t>user</a:t>
             </a:r>
             <a:br>
-              <a:rPr lang="de-DE" sz="1100" dirty="0"/>
+              <a:rPr lang="de-DE" sz="619" dirty="0">
+                <a:solidFill>
+                  <a:schemeClr val="tx1"/>
+                </a:solidFill>
+              </a:rPr>
             </a:br>
             <a:r>
-              <a:rPr lang="de-DE" sz="1100" dirty="0"/>
+              <a:rPr lang="de-DE" sz="619" dirty="0">
+                <a:solidFill>
+                  <a:schemeClr val="tx1"/>
+                </a:solidFill>
+              </a:rPr>
               <a:t>(Browser)</a:t>
             </a:r>
           </a:p>
@@ -3819,6 +4497,7 @@
             </a:extLst>
           </p:cNvPr>
           <p:cNvCxnSpPr>
+            <a:cxnSpLocks/>
             <a:stCxn id="5" idx="2"/>
             <a:endCxn id="6" idx="0"/>
           </p:cNvCxnSpPr>
@@ -3826,8 +4505,8 @@
         </p:nvCxnSpPr>
         <p:spPr>
           <a:xfrm>
-            <a:off x="6537159" y="1132159"/>
-            <a:ext cx="0" cy="846921"/>
+            <a:off x="3823996" y="4803982"/>
+            <a:ext cx="0" cy="484588"/>
           </a:xfrm>
           <a:prstGeom prst="straightConnector1">
             <a:avLst/>
@@ -3865,8 +4544,8 @@
         </p:nvSpPr>
         <p:spPr>
           <a:xfrm>
-            <a:off x="5746818" y="1297377"/>
-            <a:ext cx="1671739" cy="430887"/>
+            <a:off x="3232586" y="4896963"/>
+            <a:ext cx="1115061" cy="187615"/>
           </a:xfrm>
           <a:prstGeom prst="rect">
             <a:avLst/>
@@ -3880,12 +4559,12 @@
           <a:lstStyle/>
           <a:p>
             <a:r>
-              <a:rPr lang="de-DE" sz="1100" dirty="0" err="1"/>
-              <a:t>openai</a:t>
-            </a:r>
-            <a:r>
-              <a:rPr lang="de-DE" sz="1100" dirty="0"/>
-              <a:t>/clip-vit-large-patch14</a:t>
+              <a:rPr lang="de-DE" sz="619" dirty="0" err="1"/>
+              <a:t>google</a:t>
+            </a:r>
+            <a:r>
+              <a:rPr lang="de-DE" sz="619" dirty="0"/>
+              <a:t>/vit-base-patch16-224</a:t>
             </a:r>
           </a:p>
         </p:txBody>
@@ -3907,8 +4586,8 @@
         </p:nvCxnSpPr>
         <p:spPr>
           <a:xfrm>
-            <a:off x="5233479" y="2449394"/>
-            <a:ext cx="633569" cy="1"/>
+            <a:off x="3090676" y="5553121"/>
+            <a:ext cx="356383" cy="1"/>
           </a:xfrm>
           <a:prstGeom prst="straightConnector1">
             <a:avLst/>
@@ -3946,8 +4625,8 @@
         </p:nvSpPr>
         <p:spPr>
           <a:xfrm>
-            <a:off x="5237225" y="2225235"/>
-            <a:ext cx="591829" cy="261610"/>
+            <a:off x="3092782" y="5427032"/>
+            <a:ext cx="413896" cy="187615"/>
           </a:xfrm>
           <a:prstGeom prst="rect">
             <a:avLst/>
@@ -3961,14 +4640,14 @@
           <a:lstStyle/>
           <a:p>
             <a:r>
-              <a:rPr lang="de-DE" sz="1100" dirty="0"/>
+              <a:rPr lang="de-DE" sz="619" dirty="0"/>
               <a:t>Pic, </a:t>
             </a:r>
             <a:r>
-              <a:rPr lang="de-DE" sz="1100" dirty="0" err="1"/>
+              <a:rPr lang="de-DE" sz="619" dirty="0" err="1"/>
               <a:t>Txt</a:t>
             </a:r>
-            <a:endParaRPr lang="de-DE" sz="1100" dirty="0"/>
+            <a:endParaRPr lang="de-DE" sz="619" dirty="0"/>
           </a:p>
         </p:txBody>
       </p:sp>
@@ -3986,8 +4665,8 @@
         </p:nvSpPr>
         <p:spPr>
           <a:xfrm>
-            <a:off x="5194720" y="2555836"/>
-            <a:ext cx="732893" cy="215444"/>
+            <a:off x="3068874" y="5612995"/>
+            <a:ext cx="487634" cy="161583"/>
           </a:xfrm>
           <a:prstGeom prst="rect">
             <a:avLst/>
@@ -4001,7 +4680,7 @@
           <a:lstStyle/>
           <a:p>
             <a:r>
-              <a:rPr lang="de-DE" sz="800" dirty="0"/>
+              <a:rPr lang="de-DE" sz="450" dirty="0"/>
               <a:t>Classification</a:t>
             </a:r>
           </a:p>
@@ -4023,8 +4702,8 @@
         </p:nvCxnSpPr>
         <p:spPr>
           <a:xfrm flipH="1" flipV="1">
-            <a:off x="5233479" y="2572472"/>
-            <a:ext cx="633569" cy="1"/>
+            <a:off x="3090676" y="5622352"/>
+            <a:ext cx="356383" cy="1"/>
           </a:xfrm>
           <a:prstGeom prst="straightConnector1">
             <a:avLst/>
@@ -4066,8 +4745,8 @@
         </p:nvCxnSpPr>
         <p:spPr>
           <a:xfrm flipV="1">
-            <a:off x="4727412" y="4522838"/>
-            <a:ext cx="0" cy="864154"/>
+            <a:off x="2659169" y="6711284"/>
+            <a:ext cx="0" cy="486087"/>
           </a:xfrm>
           <a:prstGeom prst="straightConnector1">
             <a:avLst/>
@@ -4105,8 +4784,8 @@
         </p:nvSpPr>
         <p:spPr>
           <a:xfrm>
-            <a:off x="3893258" y="191529"/>
-            <a:ext cx="1340221" cy="940630"/>
+            <a:off x="2294677" y="4274923"/>
+            <a:ext cx="753874" cy="529104"/>
           </a:xfrm>
           <a:prstGeom prst="rect">
             <a:avLst/>
@@ -4134,26 +4813,26 @@
           <a:p>
             <a:pPr algn="ctr"/>
             <a:r>
-              <a:rPr lang="de-DE" sz="1100" dirty="0" err="1"/>
+              <a:rPr lang="de-DE" sz="619" dirty="0" err="1"/>
               <a:t>Example</a:t>
             </a:r>
             <a:r>
-              <a:rPr lang="de-DE" sz="1100" dirty="0"/>
+              <a:rPr lang="de-DE" sz="619" dirty="0"/>
               <a:t> Images</a:t>
             </a:r>
             <a:br>
-              <a:rPr lang="de-DE" sz="1100" dirty="0"/>
+              <a:rPr lang="de-DE" sz="619" dirty="0"/>
             </a:br>
             <a:r>
-              <a:rPr lang="de-DE" sz="1100" dirty="0"/>
-              <a:t>(e.g. </a:t>
-            </a:r>
-            <a:r>
-              <a:rPr lang="de-DE" sz="1100" dirty="0" err="1"/>
-              <a:t>Huggingface</a:t>
-            </a:r>
-            <a:r>
-              <a:rPr lang="de-DE" sz="1100" dirty="0"/>
+              <a:rPr lang="de-DE" sz="619" dirty="0"/>
+              <a:t>(</a:t>
+            </a:r>
+            <a:r>
+              <a:rPr lang="de-DE" sz="619" dirty="0" err="1"/>
+              <a:t>picsum.photos</a:t>
+            </a:r>
+            <a:r>
+              <a:rPr lang="de-DE" sz="619" dirty="0"/>
               <a:t>)</a:t>
             </a:r>
           </a:p>
@@ -4173,8 +4852,8 @@
         </p:nvCxnSpPr>
         <p:spPr>
           <a:xfrm>
-            <a:off x="4563369" y="1132159"/>
-            <a:ext cx="0" cy="846921"/>
+            <a:off x="2713738" y="4804026"/>
+            <a:ext cx="0" cy="476393"/>
           </a:xfrm>
           <a:prstGeom prst="straightConnector1">
             <a:avLst/>
@@ -4212,8 +4891,8 @@
         </p:nvSpPr>
         <p:spPr>
           <a:xfrm>
-            <a:off x="3941098" y="3506028"/>
-            <a:ext cx="1572628" cy="1016810"/>
+            <a:off x="2216868" y="6139328"/>
+            <a:ext cx="884603" cy="571956"/>
           </a:xfrm>
           <a:prstGeom prst="rect">
             <a:avLst/>
@@ -4246,7 +4925,7 @@
           <a:p>
             <a:pPr algn="ctr"/>
             <a:r>
-              <a:rPr lang="de-DE" sz="1100" dirty="0"/>
+              <a:rPr lang="de-DE" sz="619" dirty="0"/>
               <a:t>Lokal in Docker</a:t>
             </a:r>
           </a:p>
@@ -4266,8 +4945,8 @@
         </p:nvSpPr>
         <p:spPr>
           <a:xfrm>
-            <a:off x="5634642" y="3506029"/>
-            <a:ext cx="1572628" cy="1016810"/>
+            <a:off x="3169487" y="6139329"/>
+            <a:ext cx="884603" cy="571956"/>
           </a:xfrm>
           <a:prstGeom prst="rect">
             <a:avLst/>
@@ -4295,7 +4974,7 @@
           <a:p>
             <a:pPr algn="ctr"/>
             <a:r>
-              <a:rPr lang="de-DE" sz="1100" dirty="0"/>
+              <a:rPr lang="de-DE" sz="619" dirty="0"/>
               <a:t>Sources in GitHub</a:t>
             </a:r>
           </a:p>
@@ -4315,8 +4994,8 @@
         </p:nvSpPr>
         <p:spPr>
           <a:xfrm>
-            <a:off x="4629003" y="3206748"/>
-            <a:ext cx="196818" cy="239249"/>
+            <a:off x="2603815" y="5970984"/>
+            <a:ext cx="110710" cy="134578"/>
           </a:xfrm>
           <a:prstGeom prst="downArrow">
             <a:avLst/>
@@ -4343,7 +5022,7 @@
           <a:lstStyle/>
           <a:p>
             <a:pPr algn="ctr"/>
-            <a:endParaRPr lang="de-DE" sz="1100"/>
+            <a:endParaRPr lang="de-DE" sz="619"/>
           </a:p>
         </p:txBody>
       </p:sp>
@@ -4361,8 +5040,8 @@
         </p:nvSpPr>
         <p:spPr>
           <a:xfrm>
-            <a:off x="7563103" y="3506028"/>
-            <a:ext cx="1572628" cy="1016810"/>
+            <a:off x="4406646" y="7154519"/>
+            <a:ext cx="884603" cy="571956"/>
           </a:xfrm>
           <a:prstGeom prst="rect">
             <a:avLst/>
@@ -4390,22 +5069,22 @@
           <a:p>
             <a:pPr algn="ctr"/>
             <a:r>
-              <a:rPr lang="de-DE" sz="1100" dirty="0" err="1"/>
+              <a:rPr lang="de-DE" sz="619" dirty="0" err="1"/>
               <a:t>Deployed</a:t>
             </a:r>
             <a:r>
-              <a:rPr lang="de-DE" sz="1100" dirty="0"/>
+              <a:rPr lang="de-DE" sz="619" dirty="0"/>
               <a:t> </a:t>
             </a:r>
             <a:r>
-              <a:rPr lang="de-DE" sz="1100" dirty="0" err="1"/>
+              <a:rPr lang="de-DE" sz="619" dirty="0" err="1"/>
               <a:t>service</a:t>
             </a:r>
             <a:br>
-              <a:rPr lang="de-DE" sz="1100" dirty="0"/>
+              <a:rPr lang="de-DE" sz="619" dirty="0"/>
             </a:br>
             <a:r>
-              <a:rPr lang="de-DE" sz="1100" dirty="0"/>
+              <a:rPr lang="de-DE" sz="619" dirty="0"/>
               <a:t>in Azure</a:t>
             </a:r>
           </a:p>
@@ -4425,8 +5104,8 @@
         </p:nvSpPr>
         <p:spPr>
           <a:xfrm>
-            <a:off x="6322547" y="3170780"/>
-            <a:ext cx="196818" cy="239249"/>
+            <a:off x="3556433" y="5950752"/>
+            <a:ext cx="110710" cy="134578"/>
           </a:xfrm>
           <a:prstGeom prst="downArrow">
             <a:avLst/>
@@ -4453,53 +5132,7 @@
           <a:lstStyle/>
           <a:p>
             <a:pPr algn="ctr"/>
-            <a:endParaRPr lang="de-DE" sz="1100"/>
-          </a:p>
-        </p:txBody>
-      </p:sp>
-      <p:sp>
-        <p:nvSpPr>
-          <p:cNvPr id="40" name="Arrow: Down 39">
-            <a:extLst>
-              <a:ext uri="{FF2B5EF4-FFF2-40B4-BE49-F238E27FC236}">
-                <a16:creationId xmlns:a16="http://schemas.microsoft.com/office/drawing/2014/main" id="{8B1DEDD9-DB4D-9C79-ACD0-FFD2C5FCF8E9}"/>
-              </a:ext>
-            </a:extLst>
-          </p:cNvPr>
-          <p:cNvSpPr/>
-          <p:nvPr/>
-        </p:nvSpPr>
-        <p:spPr>
-          <a:xfrm rot="16200000">
-            <a:off x="7286777" y="3894808"/>
-            <a:ext cx="196818" cy="239249"/>
-          </a:xfrm>
-          <a:prstGeom prst="downArrow">
-            <a:avLst/>
-          </a:prstGeom>
-        </p:spPr>
-        <p:style>
-          <a:lnRef idx="2">
-            <a:schemeClr val="accent1">
-              <a:shade val="50000"/>
-            </a:schemeClr>
-          </a:lnRef>
-          <a:fillRef idx="1">
-            <a:schemeClr val="accent1"/>
-          </a:fillRef>
-          <a:effectRef idx="0">
-            <a:schemeClr val="accent1"/>
-          </a:effectRef>
-          <a:fontRef idx="minor">
-            <a:schemeClr val="lt1"/>
-          </a:fontRef>
-        </p:style>
-        <p:txBody>
-          <a:bodyPr rtlCol="0" anchor="ctr"/>
-          <a:lstStyle/>
-          <a:p>
-            <a:pPr algn="ctr"/>
-            <a:endParaRPr lang="de-DE" sz="1100"/>
+            <a:endParaRPr lang="de-DE" sz="619"/>
           </a:p>
         </p:txBody>
       </p:sp>
@@ -4517,8 +5150,8 @@
         </p:nvSpPr>
         <p:spPr>
           <a:xfrm>
-            <a:off x="4057302" y="5386992"/>
-            <a:ext cx="1340221" cy="940630"/>
+            <a:off x="2282233" y="7197371"/>
+            <a:ext cx="753874" cy="529104"/>
           </a:xfrm>
           <a:prstGeom prst="rect">
             <a:avLst/>
@@ -4551,14 +5184,14 @@
           <a:p>
             <a:pPr algn="ctr"/>
             <a:r>
-              <a:rPr lang="de-DE" sz="1100" dirty="0" err="1"/>
-              <a:t>Devloper</a:t>
+              <a:rPr lang="de-DE" sz="619" dirty="0"/>
+              <a:t>Developer</a:t>
             </a:r>
             <a:br>
-              <a:rPr lang="de-DE" sz="1100" dirty="0"/>
+              <a:rPr lang="de-DE" sz="619" dirty="0"/>
             </a:br>
             <a:r>
-              <a:rPr lang="de-DE" sz="1100" dirty="0"/>
+              <a:rPr lang="de-DE" sz="619" dirty="0"/>
               <a:t>(Browser)</a:t>
             </a:r>
           </a:p>
@@ -4580,8 +5213,334 @@
         </p:nvCxnSpPr>
         <p:spPr>
           <a:xfrm flipV="1">
-            <a:off x="8349417" y="4522838"/>
-            <a:ext cx="0" cy="864154"/>
+            <a:off x="4848947" y="7726475"/>
+            <a:ext cx="0" cy="486087"/>
+          </a:xfrm>
+          <a:prstGeom prst="straightConnector1">
+            <a:avLst/>
+          </a:prstGeom>
+          <a:ln>
+            <a:tailEnd type="triangle"/>
+          </a:ln>
+        </p:spPr>
+        <p:style>
+          <a:lnRef idx="1">
+            <a:schemeClr val="accent1"/>
+          </a:lnRef>
+          <a:fillRef idx="0">
+            <a:schemeClr val="accent1"/>
+          </a:fillRef>
+          <a:effectRef idx="0">
+            <a:schemeClr val="accent1"/>
+          </a:effectRef>
+          <a:fontRef idx="minor">
+            <a:schemeClr val="tx1"/>
+          </a:fontRef>
+        </p:style>
+      </p:cxnSp>
+      <p:sp>
+        <p:nvSpPr>
+          <p:cNvPr id="10" name="Rectangle 9">
+            <a:extLst>
+              <a:ext uri="{FF2B5EF4-FFF2-40B4-BE49-F238E27FC236}">
+                <a16:creationId xmlns:a16="http://schemas.microsoft.com/office/drawing/2014/main" id="{39D758A6-E83F-F2B5-5ECD-852765FAF7C4}"/>
+              </a:ext>
+            </a:extLst>
+          </p:cNvPr>
+          <p:cNvSpPr/>
+          <p:nvPr/>
+        </p:nvSpPr>
+        <p:spPr>
+          <a:xfrm>
+            <a:off x="4402715" y="5288569"/>
+            <a:ext cx="753874" cy="529104"/>
+          </a:xfrm>
+          <a:prstGeom prst="rect">
+            <a:avLst/>
+          </a:prstGeom>
+        </p:spPr>
+        <p:style>
+          <a:lnRef idx="2">
+            <a:schemeClr val="accent2">
+              <a:shade val="50000"/>
+            </a:schemeClr>
+          </a:lnRef>
+          <a:fillRef idx="1">
+            <a:schemeClr val="accent2"/>
+          </a:fillRef>
+          <a:effectRef idx="0">
+            <a:schemeClr val="accent2"/>
+          </a:effectRef>
+          <a:fontRef idx="minor">
+            <a:schemeClr val="lt1"/>
+          </a:fontRef>
+        </p:style>
+        <p:txBody>
+          <a:bodyPr rtlCol="0" anchor="ctr"/>
+          <a:lstStyle/>
+          <a:p>
+            <a:pPr algn="ctr"/>
+            <a:r>
+              <a:rPr lang="de-DE" sz="619" dirty="0"/>
+              <a:t>Covid Dashboard</a:t>
+            </a:r>
+          </a:p>
+          <a:p>
+            <a:pPr algn="ctr"/>
+            <a:r>
+              <a:rPr lang="de-DE" sz="619" dirty="0"/>
+              <a:t>(Mercury)</a:t>
+            </a:r>
+          </a:p>
+        </p:txBody>
+      </p:sp>
+      <p:sp>
+        <p:nvSpPr>
+          <p:cNvPr id="13" name="Rectangle 12">
+            <a:extLst>
+              <a:ext uri="{FF2B5EF4-FFF2-40B4-BE49-F238E27FC236}">
+                <a16:creationId xmlns:a16="http://schemas.microsoft.com/office/drawing/2014/main" id="{1114CF36-7D20-A2E1-5520-D336375A87A7}"/>
+              </a:ext>
+            </a:extLst>
+          </p:cNvPr>
+          <p:cNvSpPr/>
+          <p:nvPr/>
+        </p:nvSpPr>
+        <p:spPr>
+          <a:xfrm>
+            <a:off x="4401200" y="4270849"/>
+            <a:ext cx="817613" cy="529104"/>
+          </a:xfrm>
+          <a:prstGeom prst="rect">
+            <a:avLst/>
+          </a:prstGeom>
+        </p:spPr>
+        <p:style>
+          <a:lnRef idx="2">
+            <a:schemeClr val="accent1">
+              <a:shade val="50000"/>
+            </a:schemeClr>
+          </a:lnRef>
+          <a:fillRef idx="1">
+            <a:schemeClr val="accent1"/>
+          </a:fillRef>
+          <a:effectRef idx="0">
+            <a:schemeClr val="accent1"/>
+          </a:effectRef>
+          <a:fontRef idx="minor">
+            <a:schemeClr val="lt1"/>
+          </a:fontRef>
+        </p:style>
+        <p:txBody>
+          <a:bodyPr rtlCol="0" anchor="ctr"/>
+          <a:lstStyle/>
+          <a:p>
+            <a:pPr algn="ctr"/>
+            <a:r>
+              <a:rPr lang="de-DE" sz="619" dirty="0"/>
+              <a:t>Covid19datahub.io</a:t>
+            </a:r>
+          </a:p>
+        </p:txBody>
+      </p:sp>
+      <p:cxnSp>
+        <p:nvCxnSpPr>
+          <p:cNvPr id="20" name="Straight Arrow Connector 19">
+            <a:extLst>
+              <a:ext uri="{FF2B5EF4-FFF2-40B4-BE49-F238E27FC236}">
+                <a16:creationId xmlns:a16="http://schemas.microsoft.com/office/drawing/2014/main" id="{1F36429E-AB97-38CC-40D3-85F625A828FD}"/>
+              </a:ext>
+            </a:extLst>
+          </p:cNvPr>
+          <p:cNvCxnSpPr/>
+          <p:nvPr/>
+        </p:nvCxnSpPr>
+        <p:spPr>
+          <a:xfrm>
+            <a:off x="4809913" y="4799953"/>
+            <a:ext cx="0" cy="476393"/>
+          </a:xfrm>
+          <a:prstGeom prst="straightConnector1">
+            <a:avLst/>
+          </a:prstGeom>
+          <a:ln>
+            <a:tailEnd type="triangle"/>
+          </a:ln>
+        </p:spPr>
+        <p:style>
+          <a:lnRef idx="1">
+            <a:schemeClr val="accent1"/>
+          </a:lnRef>
+          <a:fillRef idx="0">
+            <a:schemeClr val="accent1"/>
+          </a:fillRef>
+          <a:effectRef idx="0">
+            <a:schemeClr val="accent1"/>
+          </a:effectRef>
+          <a:fontRef idx="minor">
+            <a:schemeClr val="tx1"/>
+          </a:fontRef>
+        </p:style>
+      </p:cxnSp>
+      <p:sp>
+        <p:nvSpPr>
+          <p:cNvPr id="26" name="Rectangle 25">
+            <a:extLst>
+              <a:ext uri="{FF2B5EF4-FFF2-40B4-BE49-F238E27FC236}">
+                <a16:creationId xmlns:a16="http://schemas.microsoft.com/office/drawing/2014/main" id="{3F2A48BD-E575-26A1-531B-A8D2D03ED6EC}"/>
+              </a:ext>
+            </a:extLst>
+          </p:cNvPr>
+          <p:cNvSpPr/>
+          <p:nvPr/>
+        </p:nvSpPr>
+        <p:spPr>
+          <a:xfrm>
+            <a:off x="4406646" y="6139329"/>
+            <a:ext cx="884603" cy="571956"/>
+          </a:xfrm>
+          <a:prstGeom prst="rect">
+            <a:avLst/>
+          </a:prstGeom>
+        </p:spPr>
+        <p:style>
+          <a:lnRef idx="2">
+            <a:schemeClr val="accent6">
+              <a:shade val="50000"/>
+            </a:schemeClr>
+          </a:lnRef>
+          <a:fillRef idx="1">
+            <a:schemeClr val="accent6"/>
+          </a:fillRef>
+          <a:effectRef idx="0">
+            <a:schemeClr val="accent6"/>
+          </a:effectRef>
+          <a:fontRef idx="minor">
+            <a:schemeClr val="lt1"/>
+          </a:fontRef>
+        </p:style>
+        <p:txBody>
+          <a:bodyPr rtlCol="0" anchor="ctr"/>
+          <a:lstStyle/>
+          <a:p>
+            <a:pPr algn="ctr"/>
+            <a:r>
+              <a:rPr lang="de-DE" sz="619" dirty="0" err="1"/>
+              <a:t>DockerHub</a:t>
+            </a:r>
+            <a:endParaRPr lang="de-DE" sz="619" dirty="0"/>
+          </a:p>
+        </p:txBody>
+      </p:sp>
+      <p:cxnSp>
+        <p:nvCxnSpPr>
+          <p:cNvPr id="27" name="Straight Arrow Connector 26">
+            <a:extLst>
+              <a:ext uri="{FF2B5EF4-FFF2-40B4-BE49-F238E27FC236}">
+                <a16:creationId xmlns:a16="http://schemas.microsoft.com/office/drawing/2014/main" id="{2FB7ADE5-7FED-94F9-EFCA-88FA4ECB7415}"/>
+              </a:ext>
+            </a:extLst>
+          </p:cNvPr>
+          <p:cNvCxnSpPr>
+            <a:cxnSpLocks/>
+            <a:stCxn id="36" idx="3"/>
+            <a:endCxn id="26" idx="1"/>
+          </p:cNvCxnSpPr>
+          <p:nvPr/>
+        </p:nvCxnSpPr>
+        <p:spPr>
+          <a:xfrm>
+            <a:off x="4054090" y="6425307"/>
+            <a:ext cx="352556" cy="0"/>
+          </a:xfrm>
+          <a:prstGeom prst="straightConnector1">
+            <a:avLst/>
+          </a:prstGeom>
+          <a:ln>
+            <a:tailEnd type="triangle"/>
+          </a:ln>
+        </p:spPr>
+        <p:style>
+          <a:lnRef idx="1">
+            <a:schemeClr val="accent1"/>
+          </a:lnRef>
+          <a:fillRef idx="0">
+            <a:schemeClr val="accent1"/>
+          </a:fillRef>
+          <a:effectRef idx="0">
+            <a:schemeClr val="accent1"/>
+          </a:effectRef>
+          <a:fontRef idx="minor">
+            <a:schemeClr val="tx1"/>
+          </a:fontRef>
+        </p:style>
+      </p:cxnSp>
+      <p:sp>
+        <p:nvSpPr>
+          <p:cNvPr id="31" name="TextBox 30">
+            <a:extLst>
+              <a:ext uri="{FF2B5EF4-FFF2-40B4-BE49-F238E27FC236}">
+                <a16:creationId xmlns:a16="http://schemas.microsoft.com/office/drawing/2014/main" id="{83F89786-7CBF-3B5E-8583-85BE69EAA1B6}"/>
+              </a:ext>
+            </a:extLst>
+          </p:cNvPr>
+          <p:cNvSpPr txBox="1"/>
+          <p:nvPr/>
+        </p:nvSpPr>
+        <p:spPr>
+          <a:xfrm>
+            <a:off x="3984736" y="6286806"/>
+            <a:ext cx="421910" cy="276999"/>
+          </a:xfrm>
+          <a:prstGeom prst="rect">
+            <a:avLst/>
+          </a:prstGeom>
+          <a:noFill/>
+        </p:spPr>
+        <p:txBody>
+          <a:bodyPr wrap="none" rtlCol="0">
+            <a:spAutoFit/>
+          </a:bodyPr>
+          <a:lstStyle/>
+          <a:p>
+            <a:r>
+              <a:rPr lang="de-DE" sz="600" dirty="0"/>
+              <a:t>1) </a:t>
+            </a:r>
+            <a:r>
+              <a:rPr lang="de-DE" sz="600" dirty="0" err="1"/>
+              <a:t>build</a:t>
+            </a:r>
+            <a:endParaRPr lang="de-DE" sz="600" dirty="0"/>
+          </a:p>
+          <a:p>
+            <a:r>
+              <a:rPr lang="de-DE" sz="600" dirty="0"/>
+              <a:t>2) push</a:t>
+            </a:r>
+          </a:p>
+        </p:txBody>
+      </p:sp>
+      <p:cxnSp>
+        <p:nvCxnSpPr>
+          <p:cNvPr id="32" name="Straight Arrow Connector 31">
+            <a:extLst>
+              <a:ext uri="{FF2B5EF4-FFF2-40B4-BE49-F238E27FC236}">
+                <a16:creationId xmlns:a16="http://schemas.microsoft.com/office/drawing/2014/main" id="{30FCD136-13F1-689B-42F9-1C31777E90BF}"/>
+              </a:ext>
+            </a:extLst>
+          </p:cNvPr>
+          <p:cNvCxnSpPr>
+            <a:cxnSpLocks/>
+            <a:stCxn id="36" idx="2"/>
+            <a:endCxn id="38" idx="1"/>
+          </p:cNvCxnSpPr>
+          <p:nvPr/>
+        </p:nvCxnSpPr>
+        <p:spPr>
+          <a:xfrm>
+            <a:off x="3611789" y="6711285"/>
+            <a:ext cx="794857" cy="729212"/>
           </a:xfrm>
           <a:prstGeom prst="straightConnector1">
             <a:avLst/>
@@ -4607,23 +5566,24 @@
       </p:cxnSp>
       <p:cxnSp>
         <p:nvCxnSpPr>
-          <p:cNvPr id="51" name="Straight Arrow Connector 50">
+          <p:cNvPr id="43" name="Straight Arrow Connector 42">
             <a:extLst>
               <a:ext uri="{FF2B5EF4-FFF2-40B4-BE49-F238E27FC236}">
-                <a16:creationId xmlns:a16="http://schemas.microsoft.com/office/drawing/2014/main" id="{0F70F0D2-4120-491A-AB3E-0F59A91E315E}"/>
+                <a16:creationId xmlns:a16="http://schemas.microsoft.com/office/drawing/2014/main" id="{EAA2BFD5-1B00-02C6-48E1-305A8BEEE214}"/>
               </a:ext>
             </a:extLst>
           </p:cNvPr>
           <p:cNvCxnSpPr>
             <a:cxnSpLocks/>
-            <a:endCxn id="7" idx="1"/>
+            <a:stCxn id="38" idx="0"/>
+            <a:endCxn id="26" idx="2"/>
           </p:cNvCxnSpPr>
           <p:nvPr/>
         </p:nvCxnSpPr>
         <p:spPr>
-          <a:xfrm>
-            <a:off x="3321050" y="2449395"/>
-            <a:ext cx="572208" cy="0"/>
+          <a:xfrm flipV="1">
+            <a:off x="4848948" y="6711285"/>
+            <a:ext cx="0" cy="443234"/>
           </a:xfrm>
           <a:prstGeom prst="straightConnector1">
             <a:avLst/>
@@ -4647,6 +5607,147 @@
           </a:fontRef>
         </p:style>
       </p:cxnSp>
+      <p:sp>
+        <p:nvSpPr>
+          <p:cNvPr id="47" name="TextBox 46">
+            <a:extLst>
+              <a:ext uri="{FF2B5EF4-FFF2-40B4-BE49-F238E27FC236}">
+                <a16:creationId xmlns:a16="http://schemas.microsoft.com/office/drawing/2014/main" id="{FA146704-FFDA-372E-73E2-4030CF7C1B9A}"/>
+              </a:ext>
+            </a:extLst>
+          </p:cNvPr>
+          <p:cNvSpPr txBox="1"/>
+          <p:nvPr/>
+        </p:nvSpPr>
+        <p:spPr>
+          <a:xfrm>
+            <a:off x="3904617" y="6891225"/>
+            <a:ext cx="476412" cy="184666"/>
+          </a:xfrm>
+          <a:prstGeom prst="rect">
+            <a:avLst/>
+          </a:prstGeom>
+          <a:noFill/>
+        </p:spPr>
+        <p:txBody>
+          <a:bodyPr wrap="none" rtlCol="0">
+            <a:spAutoFit/>
+          </a:bodyPr>
+          <a:lstStyle/>
+          <a:p>
+            <a:r>
+              <a:rPr lang="de-DE" sz="600" dirty="0"/>
+              <a:t>3) deploy</a:t>
+            </a:r>
+          </a:p>
+        </p:txBody>
+      </p:sp>
+      <p:sp>
+        <p:nvSpPr>
+          <p:cNvPr id="53" name="TextBox 52">
+            <a:extLst>
+              <a:ext uri="{FF2B5EF4-FFF2-40B4-BE49-F238E27FC236}">
+                <a16:creationId xmlns:a16="http://schemas.microsoft.com/office/drawing/2014/main" id="{07F6F820-5F3E-6AAB-8A2B-229EEDB0874B}"/>
+              </a:ext>
+            </a:extLst>
+          </p:cNvPr>
+          <p:cNvSpPr txBox="1"/>
+          <p:nvPr/>
+        </p:nvSpPr>
+        <p:spPr>
+          <a:xfrm>
+            <a:off x="4693252" y="6861236"/>
+            <a:ext cx="380232" cy="184666"/>
+          </a:xfrm>
+          <a:prstGeom prst="rect">
+            <a:avLst/>
+          </a:prstGeom>
+          <a:noFill/>
+        </p:spPr>
+        <p:txBody>
+          <a:bodyPr wrap="none" rtlCol="0">
+            <a:spAutoFit/>
+          </a:bodyPr>
+          <a:lstStyle/>
+          <a:p>
+            <a:r>
+              <a:rPr lang="de-DE" sz="600" dirty="0"/>
+              <a:t>4) pull</a:t>
+            </a:r>
+          </a:p>
+        </p:txBody>
+      </p:sp>
+      <p:sp>
+        <p:nvSpPr>
+          <p:cNvPr id="54" name="TextBox 53">
+            <a:extLst>
+              <a:ext uri="{FF2B5EF4-FFF2-40B4-BE49-F238E27FC236}">
+                <a16:creationId xmlns:a16="http://schemas.microsoft.com/office/drawing/2014/main" id="{81FB4363-6554-48A8-9EDD-AB4E5DD8DE26}"/>
+              </a:ext>
+            </a:extLst>
+          </p:cNvPr>
+          <p:cNvSpPr txBox="1"/>
+          <p:nvPr/>
+        </p:nvSpPr>
+        <p:spPr>
+          <a:xfrm>
+            <a:off x="2352675" y="5925853"/>
+            <a:ext cx="306494" cy="184666"/>
+          </a:xfrm>
+          <a:prstGeom prst="rect">
+            <a:avLst/>
+          </a:prstGeom>
+          <a:noFill/>
+        </p:spPr>
+        <p:txBody>
+          <a:bodyPr wrap="none" rtlCol="0">
+            <a:spAutoFit/>
+          </a:bodyPr>
+          <a:lstStyle/>
+          <a:p>
+            <a:r>
+              <a:rPr lang="de-DE" sz="600" dirty="0" err="1"/>
+              <a:t>Dev</a:t>
+            </a:r>
+            <a:endParaRPr lang="de-DE" sz="600" dirty="0"/>
+          </a:p>
+        </p:txBody>
+      </p:sp>
+      <p:sp>
+        <p:nvSpPr>
+          <p:cNvPr id="55" name="TextBox 54">
+            <a:extLst>
+              <a:ext uri="{FF2B5EF4-FFF2-40B4-BE49-F238E27FC236}">
+                <a16:creationId xmlns:a16="http://schemas.microsoft.com/office/drawing/2014/main" id="{0B83B6BC-4563-7675-7F72-C2A46BC0107E}"/>
+              </a:ext>
+            </a:extLst>
+          </p:cNvPr>
+          <p:cNvSpPr txBox="1"/>
+          <p:nvPr/>
+        </p:nvSpPr>
+        <p:spPr>
+          <a:xfrm>
+            <a:off x="3224834" y="5925853"/>
+            <a:ext cx="365806" cy="184666"/>
+          </a:xfrm>
+          <a:prstGeom prst="rect">
+            <a:avLst/>
+          </a:prstGeom>
+          <a:noFill/>
+        </p:spPr>
+        <p:txBody>
+          <a:bodyPr wrap="none" rtlCol="0">
+            <a:spAutoFit/>
+          </a:bodyPr>
+          <a:lstStyle/>
+          <a:p>
+            <a:r>
+              <a:rPr lang="de-DE" sz="600" dirty="0"/>
+              <a:t>CI/CD</a:t>
+            </a:r>
+          </a:p>
+        </p:txBody>
+      </p:sp>
     </p:spTree>
     <p:extLst>
       <p:ext uri="{BB962C8B-B14F-4D97-AF65-F5344CB8AC3E}">
@@ -4681,7 +5782,7 @@
 <file path=ppt/theme/theme1.xml><?xml version="1.0" encoding="utf-8"?>
 <a:theme xmlns:a="http://schemas.openxmlformats.org/drawingml/2006/main" name="Office Theme">
   <a:themeElements>
-    <a:clrScheme name="Office">
+    <a:clrScheme name="Office Theme">
       <a:dk1>
         <a:sysClr val="windowText" lastClr="000000"/>
       </a:dk1>
@@ -4719,7 +5820,7 @@
         <a:srgbClr val="954F72"/>
       </a:folHlink>
     </a:clrScheme>
-    <a:fontScheme name="Office">
+    <a:fontScheme name="Office Theme">
       <a:majorFont>
         <a:latin typeface="Calibri Light" panose="020F0302020204030204"/>
         <a:ea typeface=""/>
@@ -4754,23 +5855,6 @@
         <a:font script="Viet" typeface="Times New Roman"/>
         <a:font script="Uigh" typeface="Microsoft Uighur"/>
         <a:font script="Geor" typeface="Sylfaen"/>
-        <a:font script="Armn" typeface="Arial"/>
-        <a:font script="Bugi" typeface="Leelawadee UI"/>
-        <a:font script="Bopo" typeface="Microsoft JhengHei"/>
-        <a:font script="Java" typeface="Javanese Text"/>
-        <a:font script="Lisu" typeface="Segoe UI"/>
-        <a:font script="Mymr" typeface="Myanmar Text"/>
-        <a:font script="Nkoo" typeface="Ebrima"/>
-        <a:font script="Olck" typeface="Nirmala UI"/>
-        <a:font script="Osma" typeface="Ebrima"/>
-        <a:font script="Phag" typeface="Phagspa"/>
-        <a:font script="Syrn" typeface="Estrangelo Edessa"/>
-        <a:font script="Syrj" typeface="Estrangelo Edessa"/>
-        <a:font script="Syre" typeface="Estrangelo Edessa"/>
-        <a:font script="Sora" typeface="Nirmala UI"/>
-        <a:font script="Tale" typeface="Microsoft Tai Le"/>
-        <a:font script="Talu" typeface="Microsoft New Tai Lue"/>
-        <a:font script="Tfng" typeface="Ebrima"/>
       </a:majorFont>
       <a:minorFont>
         <a:latin typeface="Calibri" panose="020F0502020204030204"/>
@@ -4806,26 +5890,9 @@
         <a:font script="Viet" typeface="Arial"/>
         <a:font script="Uigh" typeface="Microsoft Uighur"/>
         <a:font script="Geor" typeface="Sylfaen"/>
-        <a:font script="Armn" typeface="Arial"/>
-        <a:font script="Bugi" typeface="Leelawadee UI"/>
-        <a:font script="Bopo" typeface="Microsoft JhengHei"/>
-        <a:font script="Java" typeface="Javanese Text"/>
-        <a:font script="Lisu" typeface="Segoe UI"/>
-        <a:font script="Mymr" typeface="Myanmar Text"/>
-        <a:font script="Nkoo" typeface="Ebrima"/>
-        <a:font script="Olck" typeface="Nirmala UI"/>
-        <a:font script="Osma" typeface="Ebrima"/>
-        <a:font script="Phag" typeface="Phagspa"/>
-        <a:font script="Syrn" typeface="Estrangelo Edessa"/>
-        <a:font script="Syrj" typeface="Estrangelo Edessa"/>
-        <a:font script="Syre" typeface="Estrangelo Edessa"/>
-        <a:font script="Sora" typeface="Nirmala UI"/>
-        <a:font script="Tale" typeface="Microsoft Tai Le"/>
-        <a:font script="Talu" typeface="Microsoft New Tai Lue"/>
-        <a:font script="Tfng" typeface="Ebrima"/>
       </a:minorFont>
     </a:fontScheme>
-    <a:fmtScheme name="Office">
+    <a:fmtScheme name="Office Theme">
       <a:fillStyleLst>
         <a:solidFill>
           <a:schemeClr val="phClr"/>
